--- a/Documentacion/Sprites o imagenes/Sprites.pptx
+++ b/Documentacion/Sprites o imagenes/Sprites.pptx
@@ -5,22 +5,26 @@
     <p:sldMasterId id="2147483648" r:id="rId1"/>
   </p:sldMasterIdLst>
   <p:notesMasterIdLst>
-    <p:notesMasterId r:id="rId15"/>
+    <p:notesMasterId r:id="rId19"/>
   </p:notesMasterIdLst>
   <p:sldIdLst>
-    <p:sldId id="268" r:id="rId2"/>
-    <p:sldId id="267" r:id="rId3"/>
-    <p:sldId id="263" r:id="rId4"/>
-    <p:sldId id="264" r:id="rId5"/>
-    <p:sldId id="265" r:id="rId6"/>
-    <p:sldId id="266" r:id="rId7"/>
-    <p:sldId id="262" r:id="rId8"/>
-    <p:sldId id="261" r:id="rId9"/>
-    <p:sldId id="256" r:id="rId10"/>
-    <p:sldId id="257" r:id="rId11"/>
-    <p:sldId id="258" r:id="rId12"/>
-    <p:sldId id="259" r:id="rId13"/>
-    <p:sldId id="260" r:id="rId14"/>
+    <p:sldId id="269" r:id="rId2"/>
+    <p:sldId id="270" r:id="rId3"/>
+    <p:sldId id="271" r:id="rId4"/>
+    <p:sldId id="272" r:id="rId5"/>
+    <p:sldId id="268" r:id="rId6"/>
+    <p:sldId id="267" r:id="rId7"/>
+    <p:sldId id="263" r:id="rId8"/>
+    <p:sldId id="264" r:id="rId9"/>
+    <p:sldId id="265" r:id="rId10"/>
+    <p:sldId id="266" r:id="rId11"/>
+    <p:sldId id="262" r:id="rId12"/>
+    <p:sldId id="261" r:id="rId13"/>
+    <p:sldId id="256" r:id="rId14"/>
+    <p:sldId id="257" r:id="rId15"/>
+    <p:sldId id="258" r:id="rId16"/>
+    <p:sldId id="259" r:id="rId17"/>
+    <p:sldId id="260" r:id="rId18"/>
   </p:sldIdLst>
   <p:sldSz cx="12192000" cy="6858000"/>
   <p:notesSz cx="6858000" cy="9144000"/>
@@ -122,6 +126,14 @@
   <p:extLst>
     <p:ext uri="{521415D9-36F7-43E2-AB2F-B90AF26B5E84}">
       <p14:sectionLst xmlns:p14="http://schemas.microsoft.com/office/powerpoint/2010/main">
+        <p14:section name="Puerta" id="{7C311C67-4489-4678-AFCA-EFD95D4510B3}">
+          <p14:sldIdLst>
+            <p14:sldId id="269"/>
+            <p14:sldId id="270"/>
+            <p14:sldId id="271"/>
+            <p14:sldId id="272"/>
+          </p14:sldIdLst>
+        </p14:section>
         <p14:section name="Colores" id="{970C8FB0-5CD4-49F6-AD00-148A272FCB67}">
           <p14:sldIdLst>
             <p14:sldId id="268"/>
@@ -583,7 +595,7 @@
           <a:p>
             <a:fld id="{31023962-D872-411F-99A7-2359604E1F56}" type="slidenum">
               <a:rPr lang="es-CR" smtClean="0"/>
-              <a:t>7</a:t>
+              <a:t>11</a:t>
             </a:fld>
             <a:endParaRPr lang="es-CR"/>
           </a:p>
@@ -3828,7 +3840,7 @@
         <p:cNvPr id="1" name="">
           <a:extLst>
             <a:ext uri="{FF2B5EF4-FFF2-40B4-BE49-F238E27FC236}">
-              <a16:creationId xmlns:a16="http://schemas.microsoft.com/office/drawing/2014/main" id="{E544D1C2-3BC2-D881-031B-0D6879F84DEC}"/>
+              <a16:creationId xmlns:a16="http://schemas.microsoft.com/office/drawing/2014/main" id="{A8A10AB9-90EB-BB85-D29E-8B83A13CB3D8}"/>
             </a:ext>
           </a:extLst>
         </p:cNvPr>
@@ -3845,10 +3857,10 @@
       </p:grpSpPr>
       <p:sp>
         <p:nvSpPr>
-          <p:cNvPr id="4" name="Rectángulo 3">
-            <a:extLst>
-              <a:ext uri="{FF2B5EF4-FFF2-40B4-BE49-F238E27FC236}">
-                <a16:creationId xmlns:a16="http://schemas.microsoft.com/office/drawing/2014/main" id="{88A450C8-A3A6-4278-B033-6A6DD786B347}"/>
+          <p:cNvPr id="10" name="Rectángulo 9">
+            <a:extLst>
+              <a:ext uri="{FF2B5EF4-FFF2-40B4-BE49-F238E27FC236}">
+                <a16:creationId xmlns:a16="http://schemas.microsoft.com/office/drawing/2014/main" id="{57EA8348-3152-7E94-8BCF-C73FC841BCB2}"/>
               </a:ext>
             </a:extLst>
           </p:cNvPr>
@@ -3857,14 +3869,16 @@
         </p:nvSpPr>
         <p:spPr>
           <a:xfrm>
-            <a:off x="3153750" y="1027394"/>
-            <a:ext cx="1602000" cy="1600200"/>
+            <a:off x="1869018" y="387314"/>
+            <a:ext cx="5144430" cy="4358422"/>
           </a:xfrm>
           <a:prstGeom prst="rect">
             <a:avLst/>
           </a:prstGeom>
           <a:solidFill>
-            <a:srgbClr val="FF6600"/>
+            <a:schemeClr val="bg2">
+              <a:lumMod val="90000"/>
+            </a:schemeClr>
           </a:solidFill>
           <a:ln w="88900">
             <a:solidFill>
@@ -3899,10 +3913,10 @@
       </p:sp>
       <p:sp>
         <p:nvSpPr>
-          <p:cNvPr id="5" name="Rectángulo 4">
-            <a:extLst>
-              <a:ext uri="{FF2B5EF4-FFF2-40B4-BE49-F238E27FC236}">
-                <a16:creationId xmlns:a16="http://schemas.microsoft.com/office/drawing/2014/main" id="{B3A1B075-5D69-48E5-75C9-8A057230F729}"/>
+          <p:cNvPr id="2" name="Rectángulo 1">
+            <a:extLst>
+              <a:ext uri="{FF2B5EF4-FFF2-40B4-BE49-F238E27FC236}">
+                <a16:creationId xmlns:a16="http://schemas.microsoft.com/office/drawing/2014/main" id="{4B38CBA2-C690-25FF-13B5-FA62627C2870}"/>
               </a:ext>
             </a:extLst>
           </p:cNvPr>
@@ -3911,1300 +3925,8 @@
         </p:nvSpPr>
         <p:spPr>
           <a:xfrm>
-            <a:off x="905850" y="1027394"/>
-            <a:ext cx="1602000" cy="1600200"/>
-          </a:xfrm>
-          <a:prstGeom prst="rect">
-            <a:avLst/>
-          </a:prstGeom>
-          <a:solidFill>
-            <a:srgbClr val="FF0000"/>
-          </a:solidFill>
-          <a:ln w="88900">
-            <a:solidFill>
-              <a:schemeClr val="tx1"/>
-            </a:solidFill>
-          </a:ln>
-        </p:spPr>
-        <p:style>
-          <a:lnRef idx="2">
-            <a:schemeClr val="accent1">
-              <a:shade val="15000"/>
-            </a:schemeClr>
-          </a:lnRef>
-          <a:fillRef idx="1">
-            <a:schemeClr val="accent1"/>
-          </a:fillRef>
-          <a:effectRef idx="0">
-            <a:schemeClr val="accent1"/>
-          </a:effectRef>
-          <a:fontRef idx="minor">
-            <a:schemeClr val="lt1"/>
-          </a:fontRef>
-        </p:style>
-        <p:txBody>
-          <a:bodyPr rtlCol="0" anchor="ctr"/>
-          <a:lstStyle/>
-          <a:p>
-            <a:pPr algn="ctr"/>
-            <a:endParaRPr lang="es-CR"/>
-          </a:p>
-        </p:txBody>
-      </p:sp>
-      <p:sp>
-        <p:nvSpPr>
-          <p:cNvPr id="8" name="Rectángulo 7">
-            <a:extLst>
-              <a:ext uri="{FF2B5EF4-FFF2-40B4-BE49-F238E27FC236}">
-                <a16:creationId xmlns:a16="http://schemas.microsoft.com/office/drawing/2014/main" id="{726C5706-EAF9-6F3C-2356-A60E477E03B7}"/>
-              </a:ext>
-            </a:extLst>
-          </p:cNvPr>
-          <p:cNvSpPr/>
-          <p:nvPr/>
-        </p:nvSpPr>
-        <p:spPr>
-          <a:xfrm>
-            <a:off x="5401650" y="1027394"/>
-            <a:ext cx="1602000" cy="1600200"/>
-          </a:xfrm>
-          <a:prstGeom prst="rect">
-            <a:avLst/>
-          </a:prstGeom>
-          <a:solidFill>
-            <a:srgbClr val="00B050"/>
-          </a:solidFill>
-          <a:ln w="88900">
-            <a:solidFill>
-              <a:schemeClr val="tx1"/>
-            </a:solidFill>
-          </a:ln>
-        </p:spPr>
-        <p:style>
-          <a:lnRef idx="2">
-            <a:schemeClr val="accent1">
-              <a:shade val="15000"/>
-            </a:schemeClr>
-          </a:lnRef>
-          <a:fillRef idx="1">
-            <a:schemeClr val="accent1"/>
-          </a:fillRef>
-          <a:effectRef idx="0">
-            <a:schemeClr val="accent1"/>
-          </a:effectRef>
-          <a:fontRef idx="minor">
-            <a:schemeClr val="lt1"/>
-          </a:fontRef>
-        </p:style>
-        <p:txBody>
-          <a:bodyPr rtlCol="0" anchor="ctr"/>
-          <a:lstStyle/>
-          <a:p>
-            <a:pPr algn="ctr"/>
-            <a:endParaRPr lang="es-CR"/>
-          </a:p>
-        </p:txBody>
-      </p:sp>
-      <p:sp>
-        <p:nvSpPr>
-          <p:cNvPr id="9" name="Rectángulo 8">
-            <a:extLst>
-              <a:ext uri="{FF2B5EF4-FFF2-40B4-BE49-F238E27FC236}">
-                <a16:creationId xmlns:a16="http://schemas.microsoft.com/office/drawing/2014/main" id="{8526A8A5-E9F8-46B6-BE87-2EBA6B90B022}"/>
-              </a:ext>
-            </a:extLst>
-          </p:cNvPr>
-          <p:cNvSpPr/>
-          <p:nvPr/>
-        </p:nvSpPr>
-        <p:spPr>
-          <a:xfrm>
-            <a:off x="7649550" y="1027394"/>
-            <a:ext cx="1602000" cy="1600200"/>
-          </a:xfrm>
-          <a:prstGeom prst="rect">
-            <a:avLst/>
-          </a:prstGeom>
-          <a:solidFill>
-            <a:srgbClr val="00FFDF"/>
-          </a:solidFill>
-          <a:ln w="88900">
-            <a:solidFill>
-              <a:schemeClr val="tx1"/>
-            </a:solidFill>
-          </a:ln>
-        </p:spPr>
-        <p:style>
-          <a:lnRef idx="2">
-            <a:schemeClr val="accent1">
-              <a:shade val="15000"/>
-            </a:schemeClr>
-          </a:lnRef>
-          <a:fillRef idx="1">
-            <a:schemeClr val="accent1"/>
-          </a:fillRef>
-          <a:effectRef idx="0">
-            <a:schemeClr val="accent1"/>
-          </a:effectRef>
-          <a:fontRef idx="minor">
-            <a:schemeClr val="lt1"/>
-          </a:fontRef>
-        </p:style>
-        <p:txBody>
-          <a:bodyPr rtlCol="0" anchor="ctr"/>
-          <a:lstStyle/>
-          <a:p>
-            <a:pPr algn="ctr"/>
-            <a:endParaRPr lang="es-CR"/>
-          </a:p>
-        </p:txBody>
-      </p:sp>
-      <p:sp>
-        <p:nvSpPr>
-          <p:cNvPr id="10" name="Rectángulo 9">
-            <a:extLst>
-              <a:ext uri="{FF2B5EF4-FFF2-40B4-BE49-F238E27FC236}">
-                <a16:creationId xmlns:a16="http://schemas.microsoft.com/office/drawing/2014/main" id="{C12C80F9-67F5-5F6C-0736-F94C08EEF585}"/>
-              </a:ext>
-            </a:extLst>
-          </p:cNvPr>
-          <p:cNvSpPr/>
-          <p:nvPr/>
-        </p:nvSpPr>
-        <p:spPr>
-          <a:xfrm>
-            <a:off x="9897450" y="1027394"/>
-            <a:ext cx="1602000" cy="1600200"/>
-          </a:xfrm>
-          <a:prstGeom prst="rect">
-            <a:avLst/>
-          </a:prstGeom>
-          <a:solidFill>
-            <a:srgbClr val="76FF00"/>
-          </a:solidFill>
-          <a:ln w="88900">
-            <a:solidFill>
-              <a:schemeClr val="tx1"/>
-            </a:solidFill>
-          </a:ln>
-        </p:spPr>
-        <p:style>
-          <a:lnRef idx="2">
-            <a:schemeClr val="accent1">
-              <a:shade val="15000"/>
-            </a:schemeClr>
-          </a:lnRef>
-          <a:fillRef idx="1">
-            <a:schemeClr val="accent1"/>
-          </a:fillRef>
-          <a:effectRef idx="0">
-            <a:schemeClr val="accent1"/>
-          </a:effectRef>
-          <a:fontRef idx="minor">
-            <a:schemeClr val="lt1"/>
-          </a:fontRef>
-        </p:style>
-        <p:txBody>
-          <a:bodyPr rtlCol="0" anchor="ctr"/>
-          <a:lstStyle/>
-          <a:p>
-            <a:pPr algn="ctr"/>
-            <a:endParaRPr lang="es-CR"/>
-          </a:p>
-        </p:txBody>
-      </p:sp>
-      <p:sp>
-        <p:nvSpPr>
-          <p:cNvPr id="11" name="Rectángulo 10">
-            <a:extLst>
-              <a:ext uri="{FF2B5EF4-FFF2-40B4-BE49-F238E27FC236}">
-                <a16:creationId xmlns:a16="http://schemas.microsoft.com/office/drawing/2014/main" id="{BB12523D-E8F5-DCDB-F5DD-7C09D007414B}"/>
-              </a:ext>
-            </a:extLst>
-          </p:cNvPr>
-          <p:cNvSpPr/>
-          <p:nvPr/>
-        </p:nvSpPr>
-        <p:spPr>
-          <a:xfrm>
-            <a:off x="905850" y="3237194"/>
-            <a:ext cx="1602000" cy="1600200"/>
-          </a:xfrm>
-          <a:prstGeom prst="rect">
-            <a:avLst/>
-          </a:prstGeom>
-          <a:solidFill>
-            <a:srgbClr val="4380FF"/>
-          </a:solidFill>
-          <a:ln w="88900">
-            <a:solidFill>
-              <a:schemeClr val="tx1"/>
-            </a:solidFill>
-          </a:ln>
-        </p:spPr>
-        <p:style>
-          <a:lnRef idx="2">
-            <a:schemeClr val="accent1">
-              <a:shade val="15000"/>
-            </a:schemeClr>
-          </a:lnRef>
-          <a:fillRef idx="1">
-            <a:schemeClr val="accent1"/>
-          </a:fillRef>
-          <a:effectRef idx="0">
-            <a:schemeClr val="accent1"/>
-          </a:effectRef>
-          <a:fontRef idx="minor">
-            <a:schemeClr val="lt1"/>
-          </a:fontRef>
-        </p:style>
-        <p:txBody>
-          <a:bodyPr rtlCol="0" anchor="ctr"/>
-          <a:lstStyle/>
-          <a:p>
-            <a:pPr algn="ctr"/>
-            <a:endParaRPr lang="es-CR"/>
-          </a:p>
-        </p:txBody>
-      </p:sp>
-    </p:spTree>
-    <p:extLst>
-      <p:ext uri="{BB962C8B-B14F-4D97-AF65-F5344CB8AC3E}">
-        <p14:creationId xmlns:p14="http://schemas.microsoft.com/office/powerpoint/2010/main" val="3646456076"/>
-      </p:ext>
-    </p:extLst>
-  </p:cSld>
-  <p:clrMapOvr>
-    <a:masterClrMapping/>
-  </p:clrMapOvr>
-</p:sld>
-</file>
-
-<file path=ppt/slides/slide10.xml><?xml version="1.0" encoding="utf-8"?>
-<p:sld xmlns:a="http://schemas.openxmlformats.org/drawingml/2006/main" xmlns:r="http://schemas.openxmlformats.org/officeDocument/2006/relationships" xmlns:p="http://schemas.openxmlformats.org/presentationml/2006/main">
-  <p:cSld>
-    <p:spTree>
-      <p:nvGrpSpPr>
-        <p:cNvPr id="1" name="">
-          <a:extLst>
-            <a:ext uri="{FF2B5EF4-FFF2-40B4-BE49-F238E27FC236}">
-              <a16:creationId xmlns:a16="http://schemas.microsoft.com/office/drawing/2014/main" id="{023D956D-3882-290B-1969-288D462E88F0}"/>
-            </a:ext>
-          </a:extLst>
-        </p:cNvPr>
-        <p:cNvGrpSpPr/>
-        <p:nvPr/>
-      </p:nvGrpSpPr>
-      <p:grpSpPr>
-        <a:xfrm>
-          <a:off x="0" y="0"/>
-          <a:ext cx="0" cy="0"/>
-          <a:chOff x="0" y="0"/>
-          <a:chExt cx="0" cy="0"/>
-        </a:xfrm>
-      </p:grpSpPr>
-      <p:pic>
-        <p:nvPicPr>
-          <p:cNvPr id="7" name="Gráfico 6" descr="Insignia de cruz con relleno sólido">
-            <a:extLst>
-              <a:ext uri="{FF2B5EF4-FFF2-40B4-BE49-F238E27FC236}">
-                <a16:creationId xmlns:a16="http://schemas.microsoft.com/office/drawing/2014/main" id="{47E37BFD-1B6A-95FA-5E73-2C2EBAA8F1F3}"/>
-              </a:ext>
-            </a:extLst>
-          </p:cNvPr>
-          <p:cNvPicPr>
-            <a:picLocks noChangeAspect="1"/>
-          </p:cNvPicPr>
-          <p:nvPr/>
-        </p:nvPicPr>
-        <p:blipFill>
-          <a:blip r:embed="rId2">
-            <a:extLst>
-              <a:ext uri="{96DAC541-7B7A-43D3-8B79-37D633B846F1}">
-                <asvg:svgBlip xmlns:asvg="http://schemas.microsoft.com/office/drawing/2016/SVG/main" r:embed="rId3"/>
-              </a:ext>
-            </a:extLst>
-          </a:blip>
-          <a:stretch>
-            <a:fillRect/>
-          </a:stretch>
-        </p:blipFill>
-        <p:spPr>
-          <a:xfrm>
-            <a:off x="8077008" y="781128"/>
-            <a:ext cx="4028160" cy="4028160"/>
-          </a:xfrm>
-          <a:prstGeom prst="rect">
-            <a:avLst/>
-          </a:prstGeom>
-        </p:spPr>
-      </p:pic>
-      <p:pic>
-        <p:nvPicPr>
-          <p:cNvPr id="11" name="Gráfico 10" descr="Señal de negación con relleno sólido">
-            <a:extLst>
-              <a:ext uri="{FF2B5EF4-FFF2-40B4-BE49-F238E27FC236}">
-                <a16:creationId xmlns:a16="http://schemas.microsoft.com/office/drawing/2014/main" id="{352726F4-0D1C-1708-5062-FCD2EF7CFD8E}"/>
-              </a:ext>
-            </a:extLst>
-          </p:cNvPr>
-          <p:cNvPicPr>
-            <a:picLocks noChangeAspect="1"/>
-          </p:cNvPicPr>
-          <p:nvPr/>
-        </p:nvPicPr>
-        <p:blipFill>
-          <a:blip r:embed="rId4">
-            <a:extLst>
-              <a:ext uri="{96DAC541-7B7A-43D3-8B79-37D633B846F1}">
-                <asvg:svgBlip xmlns:asvg="http://schemas.microsoft.com/office/drawing/2016/SVG/main" r:embed="rId5"/>
-              </a:ext>
-            </a:extLst>
-          </a:blip>
-          <a:stretch>
-            <a:fillRect/>
-          </a:stretch>
-        </p:blipFill>
-        <p:spPr>
-          <a:xfrm>
-            <a:off x="4114992" y="781128"/>
-            <a:ext cx="4028160" cy="4028160"/>
-          </a:xfrm>
-          <a:prstGeom prst="rect">
-            <a:avLst/>
-          </a:prstGeom>
-        </p:spPr>
-      </p:pic>
-      <p:pic>
-        <p:nvPicPr>
-          <p:cNvPr id="13" name="Gráfico 12" descr="Cerrar con relleno sólido">
-            <a:extLst>
-              <a:ext uri="{FF2B5EF4-FFF2-40B4-BE49-F238E27FC236}">
-                <a16:creationId xmlns:a16="http://schemas.microsoft.com/office/drawing/2014/main" id="{D469C4B9-5990-F703-A1C5-A58495C2BE87}"/>
-              </a:ext>
-            </a:extLst>
-          </p:cNvPr>
-          <p:cNvPicPr>
-            <a:picLocks noChangeAspect="1"/>
-          </p:cNvPicPr>
-          <p:nvPr/>
-        </p:nvPicPr>
-        <p:blipFill>
-          <a:blip r:embed="rId6">
-            <a:extLst>
-              <a:ext uri="{96DAC541-7B7A-43D3-8B79-37D633B846F1}">
-                <asvg:svgBlip xmlns:asvg="http://schemas.microsoft.com/office/drawing/2016/SVG/main" r:embed="rId7"/>
-              </a:ext>
-            </a:extLst>
-          </a:blip>
-          <a:stretch>
-            <a:fillRect/>
-          </a:stretch>
-        </p:blipFill>
-        <p:spPr>
-          <a:xfrm>
-            <a:off x="86832" y="781128"/>
-            <a:ext cx="4028160" cy="4028160"/>
-          </a:xfrm>
-          <a:prstGeom prst="rect">
-            <a:avLst/>
-          </a:prstGeom>
-        </p:spPr>
-      </p:pic>
-      <p:sp>
-        <p:nvSpPr>
-          <p:cNvPr id="2" name="Rectángulo 1">
-            <a:extLst>
-              <a:ext uri="{FF2B5EF4-FFF2-40B4-BE49-F238E27FC236}">
-                <a16:creationId xmlns:a16="http://schemas.microsoft.com/office/drawing/2014/main" id="{8F0A9C2A-1E12-F676-11FE-C1EA76F8120E}"/>
-              </a:ext>
-            </a:extLst>
-          </p:cNvPr>
-          <p:cNvSpPr/>
-          <p:nvPr/>
-        </p:nvSpPr>
-        <p:spPr>
-          <a:xfrm>
-            <a:off x="967020" y="4476672"/>
-            <a:ext cx="2333928" cy="877824"/>
-          </a:xfrm>
-          <a:prstGeom prst="rect">
-            <a:avLst/>
-          </a:prstGeom>
-          <a:noFill/>
-          <a:ln>
-            <a:noFill/>
-          </a:ln>
-        </p:spPr>
-        <p:style>
-          <a:lnRef idx="2">
-            <a:schemeClr val="accent1">
-              <a:shade val="15000"/>
-            </a:schemeClr>
-          </a:lnRef>
-          <a:fillRef idx="1">
-            <a:schemeClr val="accent1"/>
-          </a:fillRef>
-          <a:effectRef idx="0">
-            <a:schemeClr val="accent1"/>
-          </a:effectRef>
-          <a:fontRef idx="minor">
-            <a:schemeClr val="lt1"/>
-          </a:fontRef>
-        </p:style>
-        <p:txBody>
-          <a:bodyPr rtlCol="0" anchor="ctr"/>
-          <a:lstStyle/>
-          <a:p>
-            <a:pPr algn="ctr"/>
-            <a:r>
-              <a:rPr lang="es-ES" sz="3600" dirty="0">
-                <a:solidFill>
-                  <a:schemeClr val="tx1"/>
-                </a:solidFill>
-                <a:latin typeface="8-bit Operator+ 8" panose="02060503000000000000" pitchFamily="18" charset="0"/>
-              </a:rPr>
-              <a:t>3er lugar</a:t>
-            </a:r>
-            <a:endParaRPr lang="es-CR" sz="3600" dirty="0">
-              <a:solidFill>
-                <a:schemeClr val="tx1"/>
-              </a:solidFill>
-              <a:latin typeface="8-bit Operator+ 8" panose="02060503000000000000" pitchFamily="18" charset="0"/>
-            </a:endParaRPr>
-          </a:p>
-        </p:txBody>
-      </p:sp>
-    </p:spTree>
-    <p:extLst>
-      <p:ext uri="{BB962C8B-B14F-4D97-AF65-F5344CB8AC3E}">
-        <p14:creationId xmlns:p14="http://schemas.microsoft.com/office/powerpoint/2010/main" val="2266770812"/>
-      </p:ext>
-    </p:extLst>
-  </p:cSld>
-  <p:clrMapOvr>
-    <a:masterClrMapping/>
-  </p:clrMapOvr>
-</p:sld>
-</file>
-
-<file path=ppt/slides/slide11.xml><?xml version="1.0" encoding="utf-8"?>
-<p:sld xmlns:a="http://schemas.openxmlformats.org/drawingml/2006/main" xmlns:r="http://schemas.openxmlformats.org/officeDocument/2006/relationships" xmlns:p="http://schemas.openxmlformats.org/presentationml/2006/main">
-  <p:cSld>
-    <p:spTree>
-      <p:nvGrpSpPr>
-        <p:cNvPr id="1" name="">
-          <a:extLst>
-            <a:ext uri="{FF2B5EF4-FFF2-40B4-BE49-F238E27FC236}">
-              <a16:creationId xmlns:a16="http://schemas.microsoft.com/office/drawing/2014/main" id="{7C494096-6C55-1AA5-1E41-40F506529C40}"/>
-            </a:ext>
-          </a:extLst>
-        </p:cNvPr>
-        <p:cNvGrpSpPr/>
-        <p:nvPr/>
-      </p:nvGrpSpPr>
-      <p:grpSpPr>
-        <a:xfrm>
-          <a:off x="0" y="0"/>
-          <a:ext cx="0" cy="0"/>
-          <a:chOff x="0" y="0"/>
-          <a:chExt cx="0" cy="0"/>
-        </a:xfrm>
-      </p:grpSpPr>
-      <p:pic>
-        <p:nvPicPr>
-          <p:cNvPr id="7" name="Gráfico 6" descr="Insignia de cruz con relleno sólido">
-            <a:extLst>
-              <a:ext uri="{FF2B5EF4-FFF2-40B4-BE49-F238E27FC236}">
-                <a16:creationId xmlns:a16="http://schemas.microsoft.com/office/drawing/2014/main" id="{33B9ABEF-15C7-4083-5876-76B4F7E7323F}"/>
-              </a:ext>
-            </a:extLst>
-          </p:cNvPr>
-          <p:cNvPicPr>
-            <a:picLocks noChangeAspect="1"/>
-          </p:cNvPicPr>
-          <p:nvPr/>
-        </p:nvPicPr>
-        <p:blipFill>
-          <a:blip r:embed="rId2">
-            <a:extLst>
-              <a:ext uri="{96DAC541-7B7A-43D3-8B79-37D633B846F1}">
-                <asvg:svgBlip xmlns:asvg="http://schemas.microsoft.com/office/drawing/2016/SVG/main" r:embed="rId3"/>
-              </a:ext>
-            </a:extLst>
-          </a:blip>
-          <a:stretch>
-            <a:fillRect/>
-          </a:stretch>
-        </p:blipFill>
-        <p:spPr>
-          <a:xfrm>
-            <a:off x="8077008" y="781128"/>
-            <a:ext cx="4028160" cy="4028160"/>
-          </a:xfrm>
-          <a:prstGeom prst="rect">
-            <a:avLst/>
-          </a:prstGeom>
-        </p:spPr>
-      </p:pic>
-      <p:pic>
-        <p:nvPicPr>
-          <p:cNvPr id="11" name="Gráfico 10" descr="Señal de negación con relleno sólido">
-            <a:extLst>
-              <a:ext uri="{FF2B5EF4-FFF2-40B4-BE49-F238E27FC236}">
-                <a16:creationId xmlns:a16="http://schemas.microsoft.com/office/drawing/2014/main" id="{C2DA2591-E1D4-8C37-0658-955B9EAB3A17}"/>
-              </a:ext>
-            </a:extLst>
-          </p:cNvPr>
-          <p:cNvPicPr>
-            <a:picLocks noChangeAspect="1"/>
-          </p:cNvPicPr>
-          <p:nvPr/>
-        </p:nvPicPr>
-        <p:blipFill>
-          <a:blip r:embed="rId4">
-            <a:extLst>
-              <a:ext uri="{96DAC541-7B7A-43D3-8B79-37D633B846F1}">
-                <asvg:svgBlip xmlns:asvg="http://schemas.microsoft.com/office/drawing/2016/SVG/main" r:embed="rId5"/>
-              </a:ext>
-            </a:extLst>
-          </a:blip>
-          <a:stretch>
-            <a:fillRect/>
-          </a:stretch>
-        </p:blipFill>
-        <p:spPr>
-          <a:xfrm>
-            <a:off x="4114992" y="781128"/>
-            <a:ext cx="4028160" cy="4028160"/>
-          </a:xfrm>
-          <a:prstGeom prst="rect">
-            <a:avLst/>
-          </a:prstGeom>
-        </p:spPr>
-      </p:pic>
-      <p:sp>
-        <p:nvSpPr>
-          <p:cNvPr id="2" name="Rectángulo 1">
-            <a:extLst>
-              <a:ext uri="{FF2B5EF4-FFF2-40B4-BE49-F238E27FC236}">
-                <a16:creationId xmlns:a16="http://schemas.microsoft.com/office/drawing/2014/main" id="{07C09E62-6B3B-47A0-07A6-C10AD7D244C0}"/>
-              </a:ext>
-            </a:extLst>
-          </p:cNvPr>
-          <p:cNvSpPr/>
-          <p:nvPr/>
-        </p:nvSpPr>
-        <p:spPr>
-          <a:xfrm>
-            <a:off x="8924124" y="4504104"/>
-            <a:ext cx="2333928" cy="1220040"/>
-          </a:xfrm>
-          <a:prstGeom prst="rect">
-            <a:avLst/>
-          </a:prstGeom>
-          <a:noFill/>
-          <a:ln>
-            <a:noFill/>
-          </a:ln>
-        </p:spPr>
-        <p:style>
-          <a:lnRef idx="2">
-            <a:schemeClr val="accent1">
-              <a:shade val="15000"/>
-            </a:schemeClr>
-          </a:lnRef>
-          <a:fillRef idx="1">
-            <a:schemeClr val="accent1"/>
-          </a:fillRef>
-          <a:effectRef idx="0">
-            <a:schemeClr val="accent1"/>
-          </a:effectRef>
-          <a:fontRef idx="minor">
-            <a:schemeClr val="lt1"/>
-          </a:fontRef>
-        </p:style>
-        <p:txBody>
-          <a:bodyPr rtlCol="0" anchor="ctr"/>
-          <a:lstStyle/>
-          <a:p>
-            <a:pPr algn="ctr"/>
-            <a:r>
-              <a:rPr lang="es-ES" sz="3600" dirty="0">
-                <a:solidFill>
-                  <a:schemeClr val="tx1"/>
-                </a:solidFill>
-                <a:latin typeface="8-bit Operator+ 8" panose="02060503000000000000" pitchFamily="18" charset="0"/>
-              </a:rPr>
-              <a:t>2do lugar</a:t>
-            </a:r>
-            <a:endParaRPr lang="es-CR" sz="3600" dirty="0">
-              <a:solidFill>
-                <a:schemeClr val="tx1"/>
-              </a:solidFill>
-              <a:latin typeface="8-bit Operator+ 8" panose="02060503000000000000" pitchFamily="18" charset="0"/>
-            </a:endParaRPr>
-          </a:p>
-        </p:txBody>
-      </p:sp>
-    </p:spTree>
-    <p:extLst>
-      <p:ext uri="{BB962C8B-B14F-4D97-AF65-F5344CB8AC3E}">
-        <p14:creationId xmlns:p14="http://schemas.microsoft.com/office/powerpoint/2010/main" val="615952599"/>
-      </p:ext>
-    </p:extLst>
-  </p:cSld>
-  <p:clrMapOvr>
-    <a:masterClrMapping/>
-  </p:clrMapOvr>
-</p:sld>
-</file>
-
-<file path=ppt/slides/slide12.xml><?xml version="1.0" encoding="utf-8"?>
-<p:sld xmlns:a="http://schemas.openxmlformats.org/drawingml/2006/main" xmlns:r="http://schemas.openxmlformats.org/officeDocument/2006/relationships" xmlns:p="http://schemas.openxmlformats.org/presentationml/2006/main">
-  <p:cSld>
-    <p:spTree>
-      <p:nvGrpSpPr>
-        <p:cNvPr id="1" name="">
-          <a:extLst>
-            <a:ext uri="{FF2B5EF4-FFF2-40B4-BE49-F238E27FC236}">
-              <a16:creationId xmlns:a16="http://schemas.microsoft.com/office/drawing/2014/main" id="{9DD48EBB-C2E4-4ABE-675C-5B771D726121}"/>
-            </a:ext>
-          </a:extLst>
-        </p:cNvPr>
-        <p:cNvGrpSpPr/>
-        <p:nvPr/>
-      </p:nvGrpSpPr>
-      <p:grpSpPr>
-        <a:xfrm>
-          <a:off x="0" y="0"/>
-          <a:ext cx="0" cy="0"/>
-          <a:chOff x="0" y="0"/>
-          <a:chExt cx="0" cy="0"/>
-        </a:xfrm>
-      </p:grpSpPr>
-      <p:pic>
-        <p:nvPicPr>
-          <p:cNvPr id="11" name="Gráfico 10" descr="Señal de negación con relleno sólido">
-            <a:extLst>
-              <a:ext uri="{FF2B5EF4-FFF2-40B4-BE49-F238E27FC236}">
-                <a16:creationId xmlns:a16="http://schemas.microsoft.com/office/drawing/2014/main" id="{997F895A-97D3-4437-C13D-DDDF0030880C}"/>
-              </a:ext>
-            </a:extLst>
-          </p:cNvPr>
-          <p:cNvPicPr>
-            <a:picLocks noChangeAspect="1"/>
-          </p:cNvPicPr>
-          <p:nvPr/>
-        </p:nvPicPr>
-        <p:blipFill>
-          <a:blip r:embed="rId2">
-            <a:extLst>
-              <a:ext uri="{96DAC541-7B7A-43D3-8B79-37D633B846F1}">
-                <asvg:svgBlip xmlns:asvg="http://schemas.microsoft.com/office/drawing/2016/SVG/main" r:embed="rId3"/>
-              </a:ext>
-            </a:extLst>
-          </a:blip>
-          <a:stretch>
-            <a:fillRect/>
-          </a:stretch>
-        </p:blipFill>
-        <p:spPr>
-          <a:xfrm>
-            <a:off x="4081920" y="781128"/>
-            <a:ext cx="4028160" cy="4028160"/>
-          </a:xfrm>
-          <a:prstGeom prst="rect">
-            <a:avLst/>
-          </a:prstGeom>
-        </p:spPr>
-      </p:pic>
-      <p:sp>
-        <p:nvSpPr>
-          <p:cNvPr id="2" name="Rectángulo 1">
-            <a:extLst>
-              <a:ext uri="{FF2B5EF4-FFF2-40B4-BE49-F238E27FC236}">
-                <a16:creationId xmlns:a16="http://schemas.microsoft.com/office/drawing/2014/main" id="{34DFEAAD-EF12-2469-A189-364AAE319759}"/>
-              </a:ext>
-            </a:extLst>
-          </p:cNvPr>
-          <p:cNvSpPr/>
-          <p:nvPr/>
-        </p:nvSpPr>
-        <p:spPr>
-          <a:xfrm>
-            <a:off x="3514974" y="4494960"/>
-            <a:ext cx="5162052" cy="1677240"/>
-          </a:xfrm>
-          <a:prstGeom prst="rect">
-            <a:avLst/>
-          </a:prstGeom>
-          <a:noFill/>
-          <a:ln>
-            <a:noFill/>
-          </a:ln>
-        </p:spPr>
-        <p:style>
-          <a:lnRef idx="2">
-            <a:schemeClr val="accent1">
-              <a:shade val="15000"/>
-            </a:schemeClr>
-          </a:lnRef>
-          <a:fillRef idx="1">
-            <a:schemeClr val="accent1"/>
-          </a:fillRef>
-          <a:effectRef idx="0">
-            <a:schemeClr val="accent1"/>
-          </a:effectRef>
-          <a:fontRef idx="minor">
-            <a:schemeClr val="lt1"/>
-          </a:fontRef>
-        </p:style>
-        <p:txBody>
-          <a:bodyPr rtlCol="0" anchor="ctr"/>
-          <a:lstStyle/>
-          <a:p>
-            <a:pPr algn="ctr"/>
-            <a:r>
-              <a:rPr lang="es-ES" sz="7200" dirty="0">
-                <a:solidFill>
-                  <a:schemeClr val="tx1"/>
-                </a:solidFill>
-                <a:latin typeface="8-bit Operator+ 8" panose="02060503000000000000" pitchFamily="18" charset="0"/>
-              </a:rPr>
-              <a:t>¡GANADOR!</a:t>
-            </a:r>
-            <a:endParaRPr lang="es-CR" sz="7200" dirty="0">
-              <a:solidFill>
-                <a:schemeClr val="tx1"/>
-              </a:solidFill>
-              <a:latin typeface="8-bit Operator+ 8" panose="02060503000000000000" pitchFamily="18" charset="0"/>
-            </a:endParaRPr>
-          </a:p>
-        </p:txBody>
-      </p:sp>
-    </p:spTree>
-    <p:extLst>
-      <p:ext uri="{BB962C8B-B14F-4D97-AF65-F5344CB8AC3E}">
-        <p14:creationId xmlns:p14="http://schemas.microsoft.com/office/powerpoint/2010/main" val="1480794879"/>
-      </p:ext>
-    </p:extLst>
-  </p:cSld>
-  <p:clrMapOvr>
-    <a:masterClrMapping/>
-  </p:clrMapOvr>
-</p:sld>
-</file>
-
-<file path=ppt/slides/slide13.xml><?xml version="1.0" encoding="utf-8"?>
-<p:sld xmlns:a="http://schemas.openxmlformats.org/drawingml/2006/main" xmlns:r="http://schemas.openxmlformats.org/officeDocument/2006/relationships" xmlns:p="http://schemas.openxmlformats.org/presentationml/2006/main">
-  <p:cSld>
-    <p:spTree>
-      <p:nvGrpSpPr>
-        <p:cNvPr id="1" name="">
-          <a:extLst>
-            <a:ext uri="{FF2B5EF4-FFF2-40B4-BE49-F238E27FC236}">
-              <a16:creationId xmlns:a16="http://schemas.microsoft.com/office/drawing/2014/main" id="{F72E39E9-2A5D-C129-9AB8-2AC7AC54B36A}"/>
-            </a:ext>
-          </a:extLst>
-        </p:cNvPr>
-        <p:cNvGrpSpPr/>
-        <p:nvPr/>
-      </p:nvGrpSpPr>
-      <p:grpSpPr>
-        <a:xfrm>
-          <a:off x="0" y="0"/>
-          <a:ext cx="0" cy="0"/>
-          <a:chOff x="0" y="0"/>
-          <a:chExt cx="0" cy="0"/>
-        </a:xfrm>
-      </p:grpSpPr>
-      <p:sp>
-        <p:nvSpPr>
-          <p:cNvPr id="2" name="Rectángulo 1">
-            <a:extLst>
-              <a:ext uri="{FF2B5EF4-FFF2-40B4-BE49-F238E27FC236}">
-                <a16:creationId xmlns:a16="http://schemas.microsoft.com/office/drawing/2014/main" id="{C6266FB2-446D-9519-D457-4445EC28274A}"/>
-              </a:ext>
-            </a:extLst>
-          </p:cNvPr>
-          <p:cNvSpPr/>
-          <p:nvPr/>
-        </p:nvSpPr>
-        <p:spPr>
-          <a:xfrm>
-            <a:off x="3514974" y="4494960"/>
-            <a:ext cx="5162052" cy="1677240"/>
-          </a:xfrm>
-          <a:prstGeom prst="rect">
-            <a:avLst/>
-          </a:prstGeom>
-          <a:noFill/>
-          <a:ln>
-            <a:noFill/>
-          </a:ln>
-        </p:spPr>
-        <p:style>
-          <a:lnRef idx="2">
-            <a:schemeClr val="accent1">
-              <a:shade val="15000"/>
-            </a:schemeClr>
-          </a:lnRef>
-          <a:fillRef idx="1">
-            <a:schemeClr val="accent1"/>
-          </a:fillRef>
-          <a:effectRef idx="0">
-            <a:schemeClr val="accent1"/>
-          </a:effectRef>
-          <a:fontRef idx="minor">
-            <a:schemeClr val="lt1"/>
-          </a:fontRef>
-        </p:style>
-        <p:txBody>
-          <a:bodyPr rtlCol="0" anchor="ctr"/>
-          <a:lstStyle/>
-          <a:p>
-            <a:pPr algn="ctr"/>
-            <a:r>
-              <a:rPr lang="es-ES" sz="7200" dirty="0">
-                <a:solidFill>
-                  <a:schemeClr val="tx1"/>
-                </a:solidFill>
-                <a:latin typeface="8-bit Operator+ 8" panose="02060503000000000000" pitchFamily="18" charset="0"/>
-              </a:rPr>
-              <a:t>¡GANADOR!</a:t>
-            </a:r>
-            <a:endParaRPr lang="es-CR" sz="7200" dirty="0">
-              <a:solidFill>
-                <a:schemeClr val="tx1"/>
-              </a:solidFill>
-              <a:latin typeface="8-bit Operator+ 8" panose="02060503000000000000" pitchFamily="18" charset="0"/>
-            </a:endParaRPr>
-          </a:p>
-        </p:txBody>
-      </p:sp>
-      <p:pic>
-        <p:nvPicPr>
-          <p:cNvPr id="5" name="Imagen 4">
-            <a:extLst>
-              <a:ext uri="{FF2B5EF4-FFF2-40B4-BE49-F238E27FC236}">
-                <a16:creationId xmlns:a16="http://schemas.microsoft.com/office/drawing/2014/main" id="{B95A764E-5545-A3FF-52C0-7FEEFFCB4FAB}"/>
-              </a:ext>
-            </a:extLst>
-          </p:cNvPr>
-          <p:cNvPicPr>
-            <a:picLocks noChangeAspect="1"/>
-          </p:cNvPicPr>
-          <p:nvPr/>
-        </p:nvPicPr>
-        <p:blipFill>
-          <a:blip r:embed="rId2"/>
-          <a:stretch>
-            <a:fillRect/>
-          </a:stretch>
-        </p:blipFill>
-        <p:spPr>
-          <a:xfrm>
-            <a:off x="4498709" y="1834758"/>
-            <a:ext cx="3194581" cy="3188484"/>
-          </a:xfrm>
-          <a:prstGeom prst="rect">
-            <a:avLst/>
-          </a:prstGeom>
-        </p:spPr>
-      </p:pic>
-    </p:spTree>
-    <p:extLst>
-      <p:ext uri="{BB962C8B-B14F-4D97-AF65-F5344CB8AC3E}">
-        <p14:creationId xmlns:p14="http://schemas.microsoft.com/office/powerpoint/2010/main" val="372839521"/>
-      </p:ext>
-    </p:extLst>
-  </p:cSld>
-  <p:clrMapOvr>
-    <a:masterClrMapping/>
-  </p:clrMapOvr>
-</p:sld>
-</file>
-
-<file path=ppt/slides/slide2.xml><?xml version="1.0" encoding="utf-8"?>
-<p:sld xmlns:a="http://schemas.openxmlformats.org/drawingml/2006/main" xmlns:r="http://schemas.openxmlformats.org/officeDocument/2006/relationships" xmlns:p="http://schemas.openxmlformats.org/presentationml/2006/main">
-  <p:cSld>
-    <p:spTree>
-      <p:nvGrpSpPr>
-        <p:cNvPr id="1" name="">
-          <a:extLst>
-            <a:ext uri="{FF2B5EF4-FFF2-40B4-BE49-F238E27FC236}">
-              <a16:creationId xmlns:a16="http://schemas.microsoft.com/office/drawing/2014/main" id="{69C534C2-BF5D-B6D1-0EE0-F1A0EA05E948}"/>
-            </a:ext>
-          </a:extLst>
-        </p:cNvPr>
-        <p:cNvGrpSpPr/>
-        <p:nvPr/>
-      </p:nvGrpSpPr>
-      <p:grpSpPr>
-        <a:xfrm>
-          <a:off x="0" y="0"/>
-          <a:ext cx="0" cy="0"/>
-          <a:chOff x="0" y="0"/>
-          <a:chExt cx="0" cy="0"/>
-        </a:xfrm>
-      </p:grpSpPr>
-      <p:sp>
-        <p:nvSpPr>
-          <p:cNvPr id="2" name="Rectángulo 1">
-            <a:extLst>
-              <a:ext uri="{FF2B5EF4-FFF2-40B4-BE49-F238E27FC236}">
-                <a16:creationId xmlns:a16="http://schemas.microsoft.com/office/drawing/2014/main" id="{69A53B07-5057-4EC2-41E7-B03AEA49018D}"/>
-              </a:ext>
-            </a:extLst>
-          </p:cNvPr>
-          <p:cNvSpPr/>
-          <p:nvPr/>
-        </p:nvSpPr>
-        <p:spPr>
-          <a:xfrm>
-            <a:off x="2225475" y="1465544"/>
-            <a:ext cx="7741050" cy="1600200"/>
-          </a:xfrm>
-          <a:prstGeom prst="rect">
-            <a:avLst/>
-          </a:prstGeom>
-          <a:gradFill>
-            <a:gsLst>
-              <a:gs pos="0">
-                <a:srgbClr val="FF6600"/>
-              </a:gs>
-              <a:gs pos="50000">
-                <a:srgbClr val="00FFDF"/>
-              </a:gs>
-            </a:gsLst>
-            <a:lin ang="0" scaled="0"/>
-          </a:gradFill>
-          <a:ln w="88900">
-            <a:solidFill>
-              <a:schemeClr val="tx1"/>
-            </a:solidFill>
-          </a:ln>
-        </p:spPr>
-        <p:style>
-          <a:lnRef idx="2">
-            <a:schemeClr val="accent1">
-              <a:shade val="15000"/>
-            </a:schemeClr>
-          </a:lnRef>
-          <a:fillRef idx="1">
-            <a:schemeClr val="accent1"/>
-          </a:fillRef>
-          <a:effectRef idx="0">
-            <a:schemeClr val="accent1"/>
-          </a:effectRef>
-          <a:fontRef idx="minor">
-            <a:schemeClr val="lt1"/>
-          </a:fontRef>
-        </p:style>
-        <p:txBody>
-          <a:bodyPr rtlCol="0" anchor="ctr"/>
-          <a:lstStyle/>
-          <a:p>
-            <a:pPr algn="ctr"/>
-            <a:endParaRPr lang="es-CR"/>
-          </a:p>
-        </p:txBody>
-      </p:sp>
-      <p:sp>
-        <p:nvSpPr>
-          <p:cNvPr id="3" name="Rectángulo 2">
-            <a:extLst>
-              <a:ext uri="{FF2B5EF4-FFF2-40B4-BE49-F238E27FC236}">
-                <a16:creationId xmlns:a16="http://schemas.microsoft.com/office/drawing/2014/main" id="{BB3B674B-02F2-BF1F-03B6-B5EBF287F38A}"/>
-              </a:ext>
-            </a:extLst>
-          </p:cNvPr>
-          <p:cNvSpPr/>
-          <p:nvPr/>
-        </p:nvSpPr>
-        <p:spPr>
-          <a:xfrm>
-            <a:off x="2225475" y="4718849"/>
-            <a:ext cx="7741050" cy="1600200"/>
-          </a:xfrm>
-          <a:prstGeom prst="rect">
-            <a:avLst/>
-          </a:prstGeom>
-          <a:gradFill>
-            <a:gsLst>
-              <a:gs pos="0">
-                <a:srgbClr val="FF6600"/>
-              </a:gs>
-              <a:gs pos="50000">
-                <a:srgbClr val="76FF00"/>
-              </a:gs>
-            </a:gsLst>
-            <a:lin ang="0" scaled="0"/>
-          </a:gradFill>
-          <a:ln w="88900">
-            <a:solidFill>
-              <a:schemeClr val="tx1"/>
-            </a:solidFill>
-          </a:ln>
-        </p:spPr>
-        <p:style>
-          <a:lnRef idx="2">
-            <a:schemeClr val="accent1">
-              <a:shade val="15000"/>
-            </a:schemeClr>
-          </a:lnRef>
-          <a:fillRef idx="1">
-            <a:schemeClr val="accent1"/>
-          </a:fillRef>
-          <a:effectRef idx="0">
-            <a:schemeClr val="accent1"/>
-          </a:effectRef>
-          <a:fontRef idx="minor">
-            <a:schemeClr val="lt1"/>
-          </a:fontRef>
-        </p:style>
-        <p:txBody>
-          <a:bodyPr rtlCol="0" anchor="ctr"/>
-          <a:lstStyle/>
-          <a:p>
-            <a:pPr algn="ctr"/>
-            <a:endParaRPr lang="es-CR"/>
-          </a:p>
-        </p:txBody>
-      </p:sp>
-      <p:sp>
-        <p:nvSpPr>
-          <p:cNvPr id="4" name="Rectángulo 3">
-            <a:extLst>
-              <a:ext uri="{FF2B5EF4-FFF2-40B4-BE49-F238E27FC236}">
-                <a16:creationId xmlns:a16="http://schemas.microsoft.com/office/drawing/2014/main" id="{1F4F050C-14E2-8460-F5C1-F6C1899D9DD5}"/>
-              </a:ext>
-            </a:extLst>
-          </p:cNvPr>
-          <p:cNvSpPr/>
-          <p:nvPr/>
-        </p:nvSpPr>
-        <p:spPr>
-          <a:xfrm>
-            <a:off x="623475" y="4718849"/>
-            <a:ext cx="1602000" cy="1600200"/>
-          </a:xfrm>
-          <a:prstGeom prst="rect">
-            <a:avLst/>
-          </a:prstGeom>
-          <a:solidFill>
-            <a:srgbClr val="FF0000"/>
-          </a:solidFill>
-          <a:ln w="88900">
-            <a:solidFill>
-              <a:schemeClr val="tx1"/>
-            </a:solidFill>
-          </a:ln>
-        </p:spPr>
-        <p:style>
-          <a:lnRef idx="2">
-            <a:schemeClr val="accent1">
-              <a:shade val="15000"/>
-            </a:schemeClr>
-          </a:lnRef>
-          <a:fillRef idx="1">
-            <a:schemeClr val="accent1"/>
-          </a:fillRef>
-          <a:effectRef idx="0">
-            <a:schemeClr val="accent1"/>
-          </a:effectRef>
-          <a:fontRef idx="minor">
-            <a:schemeClr val="lt1"/>
-          </a:fontRef>
-        </p:style>
-        <p:txBody>
-          <a:bodyPr rtlCol="0" anchor="ctr"/>
-          <a:lstStyle/>
-          <a:p>
-            <a:pPr algn="ctr"/>
-            <a:endParaRPr lang="es-CR"/>
-          </a:p>
-        </p:txBody>
-      </p:sp>
-      <p:sp>
-        <p:nvSpPr>
-          <p:cNvPr id="5" name="Rectángulo 4">
-            <a:extLst>
-              <a:ext uri="{FF2B5EF4-FFF2-40B4-BE49-F238E27FC236}">
-                <a16:creationId xmlns:a16="http://schemas.microsoft.com/office/drawing/2014/main" id="{D4FF46F2-36D9-BD22-CB64-6B9FA96EC4A8}"/>
-              </a:ext>
-            </a:extLst>
-          </p:cNvPr>
-          <p:cNvSpPr/>
-          <p:nvPr/>
-        </p:nvSpPr>
-        <p:spPr>
-          <a:xfrm>
-            <a:off x="623475" y="1465544"/>
-            <a:ext cx="1602000" cy="1600200"/>
-          </a:xfrm>
-          <a:prstGeom prst="rect">
-            <a:avLst/>
-          </a:prstGeom>
-          <a:solidFill>
-            <a:srgbClr val="FF0000"/>
-          </a:solidFill>
-          <a:ln w="88900">
-            <a:solidFill>
-              <a:schemeClr val="tx1"/>
-            </a:solidFill>
-          </a:ln>
-        </p:spPr>
-        <p:style>
-          <a:lnRef idx="2">
-            <a:schemeClr val="accent1">
-              <a:shade val="15000"/>
-            </a:schemeClr>
-          </a:lnRef>
-          <a:fillRef idx="1">
-            <a:schemeClr val="accent1"/>
-          </a:fillRef>
-          <a:effectRef idx="0">
-            <a:schemeClr val="accent1"/>
-          </a:effectRef>
-          <a:fontRef idx="minor">
-            <a:schemeClr val="lt1"/>
-          </a:fontRef>
-        </p:style>
-        <p:txBody>
-          <a:bodyPr rtlCol="0" anchor="ctr"/>
-          <a:lstStyle/>
-          <a:p>
-            <a:pPr algn="ctr"/>
-            <a:endParaRPr lang="es-CR"/>
-          </a:p>
-        </p:txBody>
-      </p:sp>
-      <p:sp>
-        <p:nvSpPr>
-          <p:cNvPr id="6" name="Rectángulo 5">
-            <a:extLst>
-              <a:ext uri="{FF2B5EF4-FFF2-40B4-BE49-F238E27FC236}">
-                <a16:creationId xmlns:a16="http://schemas.microsoft.com/office/drawing/2014/main" id="{DB41F380-7B9C-45E4-ECE6-1E3E36A22733}"/>
-              </a:ext>
-            </a:extLst>
-          </p:cNvPr>
-          <p:cNvSpPr/>
-          <p:nvPr/>
-        </p:nvSpPr>
-        <p:spPr>
-          <a:xfrm>
-            <a:off x="9966525" y="1465544"/>
-            <a:ext cx="1602000" cy="1600200"/>
-          </a:xfrm>
-          <a:prstGeom prst="rect">
-            <a:avLst/>
-          </a:prstGeom>
-          <a:solidFill>
-            <a:srgbClr val="00FFDF"/>
-          </a:solidFill>
-          <a:ln w="88900">
-            <a:solidFill>
-              <a:schemeClr val="tx1"/>
-            </a:solidFill>
-          </a:ln>
-        </p:spPr>
-        <p:style>
-          <a:lnRef idx="2">
-            <a:schemeClr val="accent1">
-              <a:shade val="15000"/>
-            </a:schemeClr>
-          </a:lnRef>
-          <a:fillRef idx="1">
-            <a:schemeClr val="accent1"/>
-          </a:fillRef>
-          <a:effectRef idx="0">
-            <a:schemeClr val="accent1"/>
-          </a:effectRef>
-          <a:fontRef idx="minor">
-            <a:schemeClr val="lt1"/>
-          </a:fontRef>
-        </p:style>
-        <p:txBody>
-          <a:bodyPr rtlCol="0" anchor="ctr"/>
-          <a:lstStyle/>
-          <a:p>
-            <a:pPr algn="ctr"/>
-            <a:endParaRPr lang="es-CR"/>
-          </a:p>
-        </p:txBody>
-      </p:sp>
-      <p:sp>
-        <p:nvSpPr>
-          <p:cNvPr id="7" name="Rectángulo 6">
-            <a:extLst>
-              <a:ext uri="{FF2B5EF4-FFF2-40B4-BE49-F238E27FC236}">
-                <a16:creationId xmlns:a16="http://schemas.microsoft.com/office/drawing/2014/main" id="{EC21A6DD-2648-D591-91DA-BB149A80E049}"/>
-              </a:ext>
-            </a:extLst>
-          </p:cNvPr>
-          <p:cNvSpPr/>
-          <p:nvPr/>
-        </p:nvSpPr>
-        <p:spPr>
-          <a:xfrm>
-            <a:off x="9966525" y="4718849"/>
-            <a:ext cx="1602000" cy="1600200"/>
-          </a:xfrm>
-          <a:prstGeom prst="rect">
-            <a:avLst/>
-          </a:prstGeom>
-          <a:solidFill>
-            <a:srgbClr val="00B050"/>
-          </a:solidFill>
-          <a:ln w="88900">
-            <a:solidFill>
-              <a:schemeClr val="tx1"/>
-            </a:solidFill>
-          </a:ln>
-        </p:spPr>
-        <p:style>
-          <a:lnRef idx="2">
-            <a:schemeClr val="accent1">
-              <a:shade val="15000"/>
-            </a:schemeClr>
-          </a:lnRef>
-          <a:fillRef idx="1">
-            <a:schemeClr val="accent1"/>
-          </a:fillRef>
-          <a:effectRef idx="0">
-            <a:schemeClr val="accent1"/>
-          </a:effectRef>
-          <a:fontRef idx="minor">
-            <a:schemeClr val="lt1"/>
-          </a:fontRef>
-        </p:style>
-        <p:txBody>
-          <a:bodyPr rtlCol="0" anchor="ctr"/>
-          <a:lstStyle/>
-          <a:p>
-            <a:pPr algn="ctr"/>
-            <a:endParaRPr lang="es-CR" dirty="0"/>
-          </a:p>
-        </p:txBody>
-      </p:sp>
-      <p:sp>
-        <p:nvSpPr>
-          <p:cNvPr id="8" name="Rectángulo 7">
-            <a:extLst>
-              <a:ext uri="{FF2B5EF4-FFF2-40B4-BE49-F238E27FC236}">
-                <a16:creationId xmlns:a16="http://schemas.microsoft.com/office/drawing/2014/main" id="{1A5E1DB3-732D-ACC3-C89F-F48EB4819D94}"/>
-              </a:ext>
-            </a:extLst>
-          </p:cNvPr>
-          <p:cNvSpPr/>
-          <p:nvPr/>
-        </p:nvSpPr>
-        <p:spPr>
-          <a:xfrm>
-            <a:off x="1644555" y="3711701"/>
-            <a:ext cx="2763942" cy="748501"/>
+            <a:off x="2973918" y="1389888"/>
+            <a:ext cx="2934630" cy="3328416"/>
           </a:xfrm>
           <a:prstGeom prst="rect">
             <a:avLst/>
@@ -5239,24 +3961,16 @@
           <a:lstStyle/>
           <a:p>
             <a:pPr algn="ctr"/>
-            <a:r>
-              <a:rPr lang="es-ES" sz="4400" dirty="0">
-                <a:latin typeface="8-bit Operator+ 8" panose="02060503000000000000" pitchFamily="18" charset="0"/>
-              </a:rPr>
-              <a:t>Energía</a:t>
-            </a:r>
-            <a:endParaRPr lang="es-CR" sz="4400" dirty="0">
-              <a:latin typeface="8-bit Operator+ 8" panose="02060503000000000000" pitchFamily="18" charset="0"/>
-            </a:endParaRPr>
-          </a:p>
-        </p:txBody>
-      </p:sp>
-      <p:sp>
-        <p:nvSpPr>
-          <p:cNvPr id="9" name="Rectángulo 8">
-            <a:extLst>
-              <a:ext uri="{FF2B5EF4-FFF2-40B4-BE49-F238E27FC236}">
-                <a16:creationId xmlns:a16="http://schemas.microsoft.com/office/drawing/2014/main" id="{9AC91E23-677E-244B-FBA6-1A41DE554520}"/>
+            <a:endParaRPr lang="es-CR"/>
+          </a:p>
+        </p:txBody>
+      </p:sp>
+      <p:sp>
+        <p:nvSpPr>
+          <p:cNvPr id="3" name="Elipse 2">
+            <a:extLst>
+              <a:ext uri="{FF2B5EF4-FFF2-40B4-BE49-F238E27FC236}">
+                <a16:creationId xmlns:a16="http://schemas.microsoft.com/office/drawing/2014/main" id="{D57CD0E5-FC11-3F1E-19F5-2F734D118291}"/>
               </a:ext>
             </a:extLst>
           </p:cNvPr>
@@ -5265,14 +3979,14 @@
         </p:nvSpPr>
         <p:spPr>
           <a:xfrm>
-            <a:off x="1644555" y="458396"/>
-            <a:ext cx="2763942" cy="748501"/>
-          </a:xfrm>
-          <a:prstGeom prst="rect">
+            <a:off x="3209544" y="2221992"/>
+            <a:ext cx="2468880" cy="2414016"/>
+          </a:xfrm>
+          <a:prstGeom prst="ellipse">
             <a:avLst/>
           </a:prstGeom>
           <a:solidFill>
-            <a:schemeClr val="tx1"/>
+            <a:srgbClr val="00B050"/>
           </a:solidFill>
           <a:ln w="88900">
             <a:solidFill>
@@ -5301,22 +4015,70 @@
           <a:lstStyle/>
           <a:p>
             <a:pPr algn="ctr"/>
-            <a:r>
-              <a:rPr lang="es-ES" sz="4400" dirty="0">
-                <a:latin typeface="8-bit Operator+ 8" panose="02060503000000000000" pitchFamily="18" charset="0"/>
-              </a:rPr>
-              <a:t>Hambre</a:t>
-            </a:r>
-            <a:endParaRPr lang="es-CR" sz="4400" dirty="0">
-              <a:latin typeface="8-bit Operator+ 8" panose="02060503000000000000" pitchFamily="18" charset="0"/>
-            </a:endParaRPr>
+            <a:endParaRPr lang="es-CR"/>
+          </a:p>
+        </p:txBody>
+      </p:sp>
+      <p:sp>
+        <p:nvSpPr>
+          <p:cNvPr id="6" name="Rectángulo 5">
+            <a:extLst>
+              <a:ext uri="{FF2B5EF4-FFF2-40B4-BE49-F238E27FC236}">
+                <a16:creationId xmlns:a16="http://schemas.microsoft.com/office/drawing/2014/main" id="{A5A37A8D-F1A0-949C-DD9D-4242F7B808DD}"/>
+              </a:ext>
+            </a:extLst>
+          </p:cNvPr>
+          <p:cNvSpPr/>
+          <p:nvPr/>
+        </p:nvSpPr>
+        <p:spPr>
+          <a:xfrm>
+            <a:off x="2973918" y="1389888"/>
+            <a:ext cx="2934630" cy="3328416"/>
+          </a:xfrm>
+          <a:prstGeom prst="rect">
+            <a:avLst/>
+          </a:prstGeom>
+          <a:solidFill>
+            <a:srgbClr val="000000">
+              <a:alpha val="50196"/>
+            </a:srgbClr>
+          </a:solidFill>
+          <a:ln w="88900">
+            <a:solidFill>
+              <a:schemeClr val="tx1"/>
+            </a:solidFill>
+          </a:ln>
+        </p:spPr>
+        <p:style>
+          <a:lnRef idx="2">
+            <a:schemeClr val="accent1">
+              <a:shade val="15000"/>
+            </a:schemeClr>
+          </a:lnRef>
+          <a:fillRef idx="1">
+            <a:schemeClr val="accent1"/>
+          </a:fillRef>
+          <a:effectRef idx="0">
+            <a:schemeClr val="accent1"/>
+          </a:effectRef>
+          <a:fontRef idx="minor">
+            <a:schemeClr val="lt1"/>
+          </a:fontRef>
+        </p:style>
+        <p:txBody>
+          <a:bodyPr rtlCol="0" anchor="ctr"/>
+          <a:lstStyle/>
+          <a:p>
+            <a:pPr algn="ctr"/>
+            <a:endParaRPr lang="es-CR"/>
           </a:p>
         </p:txBody>
       </p:sp>
     </p:spTree>
     <p:extLst>
       <p:ext uri="{BB962C8B-B14F-4D97-AF65-F5344CB8AC3E}">
-        <p14:creationId xmlns:p14="http://schemas.microsoft.com/office/powerpoint/2010/main" val="2771488259"/>
+        <p14:creationId xmlns:p14="http://schemas.microsoft.com/office/powerpoint/2010/main" val="2743271760"/>
       </p:ext>
     </p:extLst>
   </p:cSld>
@@ -5326,481 +4088,7 @@
 </p:sld>
 </file>
 
-<file path=ppt/slides/slide3.xml><?xml version="1.0" encoding="utf-8"?>
-<p:sld xmlns:a="http://schemas.openxmlformats.org/drawingml/2006/main" xmlns:r="http://schemas.openxmlformats.org/officeDocument/2006/relationships" xmlns:p="http://schemas.openxmlformats.org/presentationml/2006/main">
-  <p:cSld>
-    <p:spTree>
-      <p:nvGrpSpPr>
-        <p:cNvPr id="1" name=""/>
-        <p:cNvGrpSpPr/>
-        <p:nvPr/>
-      </p:nvGrpSpPr>
-      <p:grpSpPr>
-        <a:xfrm>
-          <a:off x="0" y="0"/>
-          <a:ext cx="0" cy="0"/>
-          <a:chOff x="0" y="0"/>
-          <a:chExt cx="0" cy="0"/>
-        </a:xfrm>
-      </p:grpSpPr>
-      <p:sp>
-        <p:nvSpPr>
-          <p:cNvPr id="2" name="Rectángulo 1">
-            <a:extLst>
-              <a:ext uri="{FF2B5EF4-FFF2-40B4-BE49-F238E27FC236}">
-                <a16:creationId xmlns:a16="http://schemas.microsoft.com/office/drawing/2014/main" id="{39B79B21-5EE8-15CA-734C-90E044ED1DAF}"/>
-              </a:ext>
-            </a:extLst>
-          </p:cNvPr>
-          <p:cNvSpPr/>
-          <p:nvPr/>
-        </p:nvSpPr>
-        <p:spPr>
-          <a:xfrm>
-            <a:off x="1283208" y="1027394"/>
-            <a:ext cx="8604504" cy="1600200"/>
-          </a:xfrm>
-          <a:prstGeom prst="rect">
-            <a:avLst/>
-          </a:prstGeom>
-          <a:gradFill>
-            <a:gsLst>
-              <a:gs pos="0">
-                <a:srgbClr val="FF0000"/>
-              </a:gs>
-              <a:gs pos="100000">
-                <a:srgbClr val="00FFDF"/>
-              </a:gs>
-            </a:gsLst>
-            <a:lin ang="0" scaled="0"/>
-          </a:gradFill>
-          <a:ln w="88900">
-            <a:solidFill>
-              <a:schemeClr val="tx1"/>
-            </a:solidFill>
-          </a:ln>
-        </p:spPr>
-        <p:style>
-          <a:lnRef idx="2">
-            <a:schemeClr val="accent1">
-              <a:shade val="15000"/>
-            </a:schemeClr>
-          </a:lnRef>
-          <a:fillRef idx="1">
-            <a:schemeClr val="accent1"/>
-          </a:fillRef>
-          <a:effectRef idx="0">
-            <a:schemeClr val="accent1"/>
-          </a:effectRef>
-          <a:fontRef idx="minor">
-            <a:schemeClr val="lt1"/>
-          </a:fontRef>
-        </p:style>
-        <p:txBody>
-          <a:bodyPr rtlCol="0" anchor="ctr"/>
-          <a:lstStyle/>
-          <a:p>
-            <a:pPr algn="ctr"/>
-            <a:endParaRPr lang="es-CR"/>
-          </a:p>
-        </p:txBody>
-      </p:sp>
-      <p:sp>
-        <p:nvSpPr>
-          <p:cNvPr id="3" name="Rectángulo 2">
-            <a:extLst>
-              <a:ext uri="{FF2B5EF4-FFF2-40B4-BE49-F238E27FC236}">
-                <a16:creationId xmlns:a16="http://schemas.microsoft.com/office/drawing/2014/main" id="{F1B47DD1-9BB7-B89B-DA1F-8ADD19CB863F}"/>
-              </a:ext>
-            </a:extLst>
-          </p:cNvPr>
-          <p:cNvSpPr/>
-          <p:nvPr/>
-        </p:nvSpPr>
-        <p:spPr>
-          <a:xfrm>
-            <a:off x="1283208" y="3429000"/>
-            <a:ext cx="8604504" cy="1600200"/>
-          </a:xfrm>
-          <a:prstGeom prst="rect">
-            <a:avLst/>
-          </a:prstGeom>
-          <a:gradFill>
-            <a:gsLst>
-              <a:gs pos="0">
-                <a:srgbClr val="FF0000"/>
-              </a:gs>
-              <a:gs pos="100000">
-                <a:srgbClr val="76FF00"/>
-              </a:gs>
-            </a:gsLst>
-            <a:lin ang="0" scaled="0"/>
-          </a:gradFill>
-          <a:ln w="88900">
-            <a:solidFill>
-              <a:schemeClr val="tx1"/>
-            </a:solidFill>
-          </a:ln>
-        </p:spPr>
-        <p:style>
-          <a:lnRef idx="2">
-            <a:schemeClr val="accent1">
-              <a:shade val="15000"/>
-            </a:schemeClr>
-          </a:lnRef>
-          <a:fillRef idx="1">
-            <a:schemeClr val="accent1"/>
-          </a:fillRef>
-          <a:effectRef idx="0">
-            <a:schemeClr val="accent1"/>
-          </a:effectRef>
-          <a:fontRef idx="minor">
-            <a:schemeClr val="lt1"/>
-          </a:fontRef>
-        </p:style>
-        <p:txBody>
-          <a:bodyPr rtlCol="0" anchor="ctr"/>
-          <a:lstStyle/>
-          <a:p>
-            <a:pPr algn="ctr"/>
-            <a:endParaRPr lang="es-CR"/>
-          </a:p>
-        </p:txBody>
-      </p:sp>
-    </p:spTree>
-    <p:extLst>
-      <p:ext uri="{BB962C8B-B14F-4D97-AF65-F5344CB8AC3E}">
-        <p14:creationId xmlns:p14="http://schemas.microsoft.com/office/powerpoint/2010/main" val="1532521925"/>
-      </p:ext>
-    </p:extLst>
-  </p:cSld>
-  <p:clrMapOvr>
-    <a:masterClrMapping/>
-  </p:clrMapOvr>
-</p:sld>
-</file>
-
-<file path=ppt/slides/slide4.xml><?xml version="1.0" encoding="utf-8"?>
-<p:sld xmlns:a="http://schemas.openxmlformats.org/drawingml/2006/main" xmlns:r="http://schemas.openxmlformats.org/officeDocument/2006/relationships" xmlns:p="http://schemas.openxmlformats.org/presentationml/2006/main">
-  <p:cSld>
-    <p:spTree>
-      <p:nvGrpSpPr>
-        <p:cNvPr id="1" name="">
-          <a:extLst>
-            <a:ext uri="{FF2B5EF4-FFF2-40B4-BE49-F238E27FC236}">
-              <a16:creationId xmlns:a16="http://schemas.microsoft.com/office/drawing/2014/main" id="{51652DF1-F268-B606-12F8-E9335268E023}"/>
-            </a:ext>
-          </a:extLst>
-        </p:cNvPr>
-        <p:cNvGrpSpPr/>
-        <p:nvPr/>
-      </p:nvGrpSpPr>
-      <p:grpSpPr>
-        <a:xfrm>
-          <a:off x="0" y="0"/>
-          <a:ext cx="0" cy="0"/>
-          <a:chOff x="0" y="0"/>
-          <a:chExt cx="0" cy="0"/>
-        </a:xfrm>
-      </p:grpSpPr>
-      <p:sp>
-        <p:nvSpPr>
-          <p:cNvPr id="2" name="Rectángulo 1">
-            <a:extLst>
-              <a:ext uri="{FF2B5EF4-FFF2-40B4-BE49-F238E27FC236}">
-                <a16:creationId xmlns:a16="http://schemas.microsoft.com/office/drawing/2014/main" id="{89137E62-EEC4-B88A-B54E-58888EA4CF8A}"/>
-              </a:ext>
-            </a:extLst>
-          </p:cNvPr>
-          <p:cNvSpPr/>
-          <p:nvPr/>
-        </p:nvSpPr>
-        <p:spPr>
-          <a:xfrm>
-            <a:off x="1283208" y="1027394"/>
-            <a:ext cx="8604504" cy="1600200"/>
-          </a:xfrm>
-          <a:prstGeom prst="rect">
-            <a:avLst/>
-          </a:prstGeom>
-          <a:gradFill>
-            <a:gsLst>
-              <a:gs pos="0">
-                <a:srgbClr val="FF0000"/>
-              </a:gs>
-              <a:gs pos="50000">
-                <a:srgbClr val="00FFDF"/>
-              </a:gs>
-            </a:gsLst>
-            <a:lin ang="0" scaled="0"/>
-          </a:gradFill>
-          <a:ln w="88900">
-            <a:solidFill>
-              <a:schemeClr val="tx1"/>
-            </a:solidFill>
-          </a:ln>
-        </p:spPr>
-        <p:style>
-          <a:lnRef idx="2">
-            <a:schemeClr val="accent1">
-              <a:shade val="15000"/>
-            </a:schemeClr>
-          </a:lnRef>
-          <a:fillRef idx="1">
-            <a:schemeClr val="accent1"/>
-          </a:fillRef>
-          <a:effectRef idx="0">
-            <a:schemeClr val="accent1"/>
-          </a:effectRef>
-          <a:fontRef idx="minor">
-            <a:schemeClr val="lt1"/>
-          </a:fontRef>
-        </p:style>
-        <p:txBody>
-          <a:bodyPr rtlCol="0" anchor="ctr"/>
-          <a:lstStyle/>
-          <a:p>
-            <a:pPr algn="ctr"/>
-            <a:endParaRPr lang="es-CR"/>
-          </a:p>
-        </p:txBody>
-      </p:sp>
-      <p:sp>
-        <p:nvSpPr>
-          <p:cNvPr id="3" name="Rectángulo 2">
-            <a:extLst>
-              <a:ext uri="{FF2B5EF4-FFF2-40B4-BE49-F238E27FC236}">
-                <a16:creationId xmlns:a16="http://schemas.microsoft.com/office/drawing/2014/main" id="{272E7DE4-D816-4F20-F5FE-A30F872F584A}"/>
-              </a:ext>
-            </a:extLst>
-          </p:cNvPr>
-          <p:cNvSpPr/>
-          <p:nvPr/>
-        </p:nvSpPr>
-        <p:spPr>
-          <a:xfrm>
-            <a:off x="1283208" y="3429000"/>
-            <a:ext cx="8604504" cy="1600200"/>
-          </a:xfrm>
-          <a:prstGeom prst="rect">
-            <a:avLst/>
-          </a:prstGeom>
-          <a:gradFill>
-            <a:gsLst>
-              <a:gs pos="0">
-                <a:srgbClr val="FF0000"/>
-              </a:gs>
-              <a:gs pos="50000">
-                <a:srgbClr val="76FF00"/>
-              </a:gs>
-            </a:gsLst>
-            <a:lin ang="0" scaled="0"/>
-          </a:gradFill>
-          <a:ln w="88900">
-            <a:solidFill>
-              <a:schemeClr val="tx1"/>
-            </a:solidFill>
-          </a:ln>
-        </p:spPr>
-        <p:style>
-          <a:lnRef idx="2">
-            <a:schemeClr val="accent1">
-              <a:shade val="15000"/>
-            </a:schemeClr>
-          </a:lnRef>
-          <a:fillRef idx="1">
-            <a:schemeClr val="accent1"/>
-          </a:fillRef>
-          <a:effectRef idx="0">
-            <a:schemeClr val="accent1"/>
-          </a:effectRef>
-          <a:fontRef idx="minor">
-            <a:schemeClr val="lt1"/>
-          </a:fontRef>
-        </p:style>
-        <p:txBody>
-          <a:bodyPr rtlCol="0" anchor="ctr"/>
-          <a:lstStyle/>
-          <a:p>
-            <a:pPr algn="ctr"/>
-            <a:endParaRPr lang="es-CR"/>
-          </a:p>
-        </p:txBody>
-      </p:sp>
-    </p:spTree>
-    <p:extLst>
-      <p:ext uri="{BB962C8B-B14F-4D97-AF65-F5344CB8AC3E}">
-        <p14:creationId xmlns:p14="http://schemas.microsoft.com/office/powerpoint/2010/main" val="383456091"/>
-      </p:ext>
-    </p:extLst>
-  </p:cSld>
-  <p:clrMapOvr>
-    <a:masterClrMapping/>
-  </p:clrMapOvr>
-</p:sld>
-</file>
-
-<file path=ppt/slides/slide5.xml><?xml version="1.0" encoding="utf-8"?>
-<p:sld xmlns:a="http://schemas.openxmlformats.org/drawingml/2006/main" xmlns:r="http://schemas.openxmlformats.org/officeDocument/2006/relationships" xmlns:p="http://schemas.openxmlformats.org/presentationml/2006/main">
-  <p:cSld>
-    <p:spTree>
-      <p:nvGrpSpPr>
-        <p:cNvPr id="1" name="">
-          <a:extLst>
-            <a:ext uri="{FF2B5EF4-FFF2-40B4-BE49-F238E27FC236}">
-              <a16:creationId xmlns:a16="http://schemas.microsoft.com/office/drawing/2014/main" id="{6838BFD1-A7E0-861D-7347-70631E7B17BC}"/>
-            </a:ext>
-          </a:extLst>
-        </p:cNvPr>
-        <p:cNvGrpSpPr/>
-        <p:nvPr/>
-      </p:nvGrpSpPr>
-      <p:grpSpPr>
-        <a:xfrm>
-          <a:off x="0" y="0"/>
-          <a:ext cx="0" cy="0"/>
-          <a:chOff x="0" y="0"/>
-          <a:chExt cx="0" cy="0"/>
-        </a:xfrm>
-      </p:grpSpPr>
-      <p:sp>
-        <p:nvSpPr>
-          <p:cNvPr id="2" name="Rectángulo 1">
-            <a:extLst>
-              <a:ext uri="{FF2B5EF4-FFF2-40B4-BE49-F238E27FC236}">
-                <a16:creationId xmlns:a16="http://schemas.microsoft.com/office/drawing/2014/main" id="{6F05AF94-4BB2-9A09-BE2F-B5B71EA1EA9E}"/>
-              </a:ext>
-            </a:extLst>
-          </p:cNvPr>
-          <p:cNvSpPr/>
-          <p:nvPr/>
-        </p:nvSpPr>
-        <p:spPr>
-          <a:xfrm>
-            <a:off x="1283208" y="1027394"/>
-            <a:ext cx="8604504" cy="1600200"/>
-          </a:xfrm>
-          <a:prstGeom prst="rect">
-            <a:avLst/>
-          </a:prstGeom>
-          <a:gradFill>
-            <a:gsLst>
-              <a:gs pos="0">
-                <a:srgbClr val="FF0000"/>
-              </a:gs>
-              <a:gs pos="25000">
-                <a:srgbClr val="00FFDF"/>
-              </a:gs>
-            </a:gsLst>
-            <a:lin ang="0" scaled="0"/>
-          </a:gradFill>
-          <a:ln w="88900">
-            <a:solidFill>
-              <a:schemeClr val="tx1"/>
-            </a:solidFill>
-          </a:ln>
-        </p:spPr>
-        <p:style>
-          <a:lnRef idx="2">
-            <a:schemeClr val="accent1">
-              <a:shade val="15000"/>
-            </a:schemeClr>
-          </a:lnRef>
-          <a:fillRef idx="1">
-            <a:schemeClr val="accent1"/>
-          </a:fillRef>
-          <a:effectRef idx="0">
-            <a:schemeClr val="accent1"/>
-          </a:effectRef>
-          <a:fontRef idx="minor">
-            <a:schemeClr val="lt1"/>
-          </a:fontRef>
-        </p:style>
-        <p:txBody>
-          <a:bodyPr rtlCol="0" anchor="ctr"/>
-          <a:lstStyle/>
-          <a:p>
-            <a:pPr algn="ctr"/>
-            <a:endParaRPr lang="es-CR"/>
-          </a:p>
-        </p:txBody>
-      </p:sp>
-      <p:sp>
-        <p:nvSpPr>
-          <p:cNvPr id="3" name="Rectángulo 2">
-            <a:extLst>
-              <a:ext uri="{FF2B5EF4-FFF2-40B4-BE49-F238E27FC236}">
-                <a16:creationId xmlns:a16="http://schemas.microsoft.com/office/drawing/2014/main" id="{CB5C3B00-ED90-0D83-F0C5-07406791724C}"/>
-              </a:ext>
-            </a:extLst>
-          </p:cNvPr>
-          <p:cNvSpPr/>
-          <p:nvPr/>
-        </p:nvSpPr>
-        <p:spPr>
-          <a:xfrm>
-            <a:off x="1283208" y="3429000"/>
-            <a:ext cx="8604504" cy="1600200"/>
-          </a:xfrm>
-          <a:prstGeom prst="rect">
-            <a:avLst/>
-          </a:prstGeom>
-          <a:gradFill>
-            <a:gsLst>
-              <a:gs pos="0">
-                <a:srgbClr val="FF0000"/>
-              </a:gs>
-              <a:gs pos="25000">
-                <a:srgbClr val="76FF00"/>
-              </a:gs>
-            </a:gsLst>
-            <a:lin ang="0" scaled="0"/>
-          </a:gradFill>
-          <a:ln w="88900">
-            <a:solidFill>
-              <a:schemeClr val="tx1"/>
-            </a:solidFill>
-          </a:ln>
-        </p:spPr>
-        <p:style>
-          <a:lnRef idx="2">
-            <a:schemeClr val="accent1">
-              <a:shade val="15000"/>
-            </a:schemeClr>
-          </a:lnRef>
-          <a:fillRef idx="1">
-            <a:schemeClr val="accent1"/>
-          </a:fillRef>
-          <a:effectRef idx="0">
-            <a:schemeClr val="accent1"/>
-          </a:effectRef>
-          <a:fontRef idx="minor">
-            <a:schemeClr val="lt1"/>
-          </a:fontRef>
-        </p:style>
-        <p:txBody>
-          <a:bodyPr rtlCol="0" anchor="ctr"/>
-          <a:lstStyle/>
-          <a:p>
-            <a:pPr algn="ctr"/>
-            <a:endParaRPr lang="es-CR"/>
-          </a:p>
-        </p:txBody>
-      </p:sp>
-    </p:spTree>
-    <p:extLst>
-      <p:ext uri="{BB962C8B-B14F-4D97-AF65-F5344CB8AC3E}">
-        <p14:creationId xmlns:p14="http://schemas.microsoft.com/office/powerpoint/2010/main" val="444509655"/>
-      </p:ext>
-    </p:extLst>
-  </p:cSld>
-  <p:clrMapOvr>
-    <a:masterClrMapping/>
-  </p:clrMapOvr>
-</p:sld>
-</file>
-
-<file path=ppt/slides/slide6.xml><?xml version="1.0" encoding="utf-8"?>
+<file path=ppt/slides/slide10.xml><?xml version="1.0" encoding="utf-8"?>
 <p:sld xmlns:a="http://schemas.openxmlformats.org/drawingml/2006/main" xmlns:r="http://schemas.openxmlformats.org/officeDocument/2006/relationships" xmlns:p="http://schemas.openxmlformats.org/presentationml/2006/main">
   <p:cSld>
     <p:spTree>
@@ -5960,7 +4248,7 @@
 </p:sld>
 </file>
 
-<file path=ppt/slides/slide7.xml><?xml version="1.0" encoding="utf-8"?>
+<file path=ppt/slides/slide11.xml><?xml version="1.0" encoding="utf-8"?>
 <p:sld xmlns:a="http://schemas.openxmlformats.org/drawingml/2006/main" xmlns:r="http://schemas.openxmlformats.org/officeDocument/2006/relationships" xmlns:p="http://schemas.openxmlformats.org/presentationml/2006/main">
   <p:cSld>
     <p:bg>
@@ -6482,7 +4770,7 @@
 </p:sld>
 </file>
 
-<file path=ppt/slides/slide8.xml><?xml version="1.0" encoding="utf-8"?>
+<file path=ppt/slides/slide12.xml><?xml version="1.0" encoding="utf-8"?>
 <p:sld xmlns:a="http://schemas.openxmlformats.org/drawingml/2006/main" xmlns:r="http://schemas.openxmlformats.org/officeDocument/2006/relationships" xmlns:p="http://schemas.openxmlformats.org/presentationml/2006/main">
   <p:cSld>
     <p:spTree>
@@ -6776,7 +5064,7 @@
 </p:sld>
 </file>
 
-<file path=ppt/slides/slide9.xml><?xml version="1.0" encoding="utf-8"?>
+<file path=ppt/slides/slide13.xml><?xml version="1.0" encoding="utf-8"?>
 <p:sld xmlns:a="http://schemas.openxmlformats.org/drawingml/2006/main" xmlns:r="http://schemas.openxmlformats.org/officeDocument/2006/relationships" xmlns:p="http://schemas.openxmlformats.org/presentationml/2006/main">
   <p:cSld>
     <p:spTree>
@@ -7357,6 +5645,3206 @@
     <p:extLst>
       <p:ext uri="{BB962C8B-B14F-4D97-AF65-F5344CB8AC3E}">
         <p14:creationId xmlns:p14="http://schemas.microsoft.com/office/powerpoint/2010/main" val="1560476533"/>
+      </p:ext>
+    </p:extLst>
+  </p:cSld>
+  <p:clrMapOvr>
+    <a:masterClrMapping/>
+  </p:clrMapOvr>
+</p:sld>
+</file>
+
+<file path=ppt/slides/slide14.xml><?xml version="1.0" encoding="utf-8"?>
+<p:sld xmlns:a="http://schemas.openxmlformats.org/drawingml/2006/main" xmlns:r="http://schemas.openxmlformats.org/officeDocument/2006/relationships" xmlns:p="http://schemas.openxmlformats.org/presentationml/2006/main">
+  <p:cSld>
+    <p:spTree>
+      <p:nvGrpSpPr>
+        <p:cNvPr id="1" name="">
+          <a:extLst>
+            <a:ext uri="{FF2B5EF4-FFF2-40B4-BE49-F238E27FC236}">
+              <a16:creationId xmlns:a16="http://schemas.microsoft.com/office/drawing/2014/main" id="{023D956D-3882-290B-1969-288D462E88F0}"/>
+            </a:ext>
+          </a:extLst>
+        </p:cNvPr>
+        <p:cNvGrpSpPr/>
+        <p:nvPr/>
+      </p:nvGrpSpPr>
+      <p:grpSpPr>
+        <a:xfrm>
+          <a:off x="0" y="0"/>
+          <a:ext cx="0" cy="0"/>
+          <a:chOff x="0" y="0"/>
+          <a:chExt cx="0" cy="0"/>
+        </a:xfrm>
+      </p:grpSpPr>
+      <p:pic>
+        <p:nvPicPr>
+          <p:cNvPr id="7" name="Gráfico 6" descr="Insignia de cruz con relleno sólido">
+            <a:extLst>
+              <a:ext uri="{FF2B5EF4-FFF2-40B4-BE49-F238E27FC236}">
+                <a16:creationId xmlns:a16="http://schemas.microsoft.com/office/drawing/2014/main" id="{47E37BFD-1B6A-95FA-5E73-2C2EBAA8F1F3}"/>
+              </a:ext>
+            </a:extLst>
+          </p:cNvPr>
+          <p:cNvPicPr>
+            <a:picLocks noChangeAspect="1"/>
+          </p:cNvPicPr>
+          <p:nvPr/>
+        </p:nvPicPr>
+        <p:blipFill>
+          <a:blip r:embed="rId2">
+            <a:extLst>
+              <a:ext uri="{96DAC541-7B7A-43D3-8B79-37D633B846F1}">
+                <asvg:svgBlip xmlns:asvg="http://schemas.microsoft.com/office/drawing/2016/SVG/main" r:embed="rId3"/>
+              </a:ext>
+            </a:extLst>
+          </a:blip>
+          <a:stretch>
+            <a:fillRect/>
+          </a:stretch>
+        </p:blipFill>
+        <p:spPr>
+          <a:xfrm>
+            <a:off x="8077008" y="781128"/>
+            <a:ext cx="4028160" cy="4028160"/>
+          </a:xfrm>
+          <a:prstGeom prst="rect">
+            <a:avLst/>
+          </a:prstGeom>
+        </p:spPr>
+      </p:pic>
+      <p:pic>
+        <p:nvPicPr>
+          <p:cNvPr id="11" name="Gráfico 10" descr="Señal de negación con relleno sólido">
+            <a:extLst>
+              <a:ext uri="{FF2B5EF4-FFF2-40B4-BE49-F238E27FC236}">
+                <a16:creationId xmlns:a16="http://schemas.microsoft.com/office/drawing/2014/main" id="{352726F4-0D1C-1708-5062-FCD2EF7CFD8E}"/>
+              </a:ext>
+            </a:extLst>
+          </p:cNvPr>
+          <p:cNvPicPr>
+            <a:picLocks noChangeAspect="1"/>
+          </p:cNvPicPr>
+          <p:nvPr/>
+        </p:nvPicPr>
+        <p:blipFill>
+          <a:blip r:embed="rId4">
+            <a:extLst>
+              <a:ext uri="{96DAC541-7B7A-43D3-8B79-37D633B846F1}">
+                <asvg:svgBlip xmlns:asvg="http://schemas.microsoft.com/office/drawing/2016/SVG/main" r:embed="rId5"/>
+              </a:ext>
+            </a:extLst>
+          </a:blip>
+          <a:stretch>
+            <a:fillRect/>
+          </a:stretch>
+        </p:blipFill>
+        <p:spPr>
+          <a:xfrm>
+            <a:off x="4114992" y="781128"/>
+            <a:ext cx="4028160" cy="4028160"/>
+          </a:xfrm>
+          <a:prstGeom prst="rect">
+            <a:avLst/>
+          </a:prstGeom>
+        </p:spPr>
+      </p:pic>
+      <p:pic>
+        <p:nvPicPr>
+          <p:cNvPr id="13" name="Gráfico 12" descr="Cerrar con relleno sólido">
+            <a:extLst>
+              <a:ext uri="{FF2B5EF4-FFF2-40B4-BE49-F238E27FC236}">
+                <a16:creationId xmlns:a16="http://schemas.microsoft.com/office/drawing/2014/main" id="{D469C4B9-5990-F703-A1C5-A58495C2BE87}"/>
+              </a:ext>
+            </a:extLst>
+          </p:cNvPr>
+          <p:cNvPicPr>
+            <a:picLocks noChangeAspect="1"/>
+          </p:cNvPicPr>
+          <p:nvPr/>
+        </p:nvPicPr>
+        <p:blipFill>
+          <a:blip r:embed="rId6">
+            <a:extLst>
+              <a:ext uri="{96DAC541-7B7A-43D3-8B79-37D633B846F1}">
+                <asvg:svgBlip xmlns:asvg="http://schemas.microsoft.com/office/drawing/2016/SVG/main" r:embed="rId7"/>
+              </a:ext>
+            </a:extLst>
+          </a:blip>
+          <a:stretch>
+            <a:fillRect/>
+          </a:stretch>
+        </p:blipFill>
+        <p:spPr>
+          <a:xfrm>
+            <a:off x="86832" y="781128"/>
+            <a:ext cx="4028160" cy="4028160"/>
+          </a:xfrm>
+          <a:prstGeom prst="rect">
+            <a:avLst/>
+          </a:prstGeom>
+        </p:spPr>
+      </p:pic>
+      <p:sp>
+        <p:nvSpPr>
+          <p:cNvPr id="2" name="Rectángulo 1">
+            <a:extLst>
+              <a:ext uri="{FF2B5EF4-FFF2-40B4-BE49-F238E27FC236}">
+                <a16:creationId xmlns:a16="http://schemas.microsoft.com/office/drawing/2014/main" id="{8F0A9C2A-1E12-F676-11FE-C1EA76F8120E}"/>
+              </a:ext>
+            </a:extLst>
+          </p:cNvPr>
+          <p:cNvSpPr/>
+          <p:nvPr/>
+        </p:nvSpPr>
+        <p:spPr>
+          <a:xfrm>
+            <a:off x="967020" y="4476672"/>
+            <a:ext cx="2333928" cy="877824"/>
+          </a:xfrm>
+          <a:prstGeom prst="rect">
+            <a:avLst/>
+          </a:prstGeom>
+          <a:noFill/>
+          <a:ln>
+            <a:noFill/>
+          </a:ln>
+        </p:spPr>
+        <p:style>
+          <a:lnRef idx="2">
+            <a:schemeClr val="accent1">
+              <a:shade val="15000"/>
+            </a:schemeClr>
+          </a:lnRef>
+          <a:fillRef idx="1">
+            <a:schemeClr val="accent1"/>
+          </a:fillRef>
+          <a:effectRef idx="0">
+            <a:schemeClr val="accent1"/>
+          </a:effectRef>
+          <a:fontRef idx="minor">
+            <a:schemeClr val="lt1"/>
+          </a:fontRef>
+        </p:style>
+        <p:txBody>
+          <a:bodyPr rtlCol="0" anchor="ctr"/>
+          <a:lstStyle/>
+          <a:p>
+            <a:pPr algn="ctr"/>
+            <a:r>
+              <a:rPr lang="es-ES" sz="3600" dirty="0">
+                <a:solidFill>
+                  <a:schemeClr val="tx1"/>
+                </a:solidFill>
+                <a:latin typeface="8-bit Operator+ 8" panose="02060503000000000000" pitchFamily="18" charset="0"/>
+              </a:rPr>
+              <a:t>3er lugar</a:t>
+            </a:r>
+            <a:endParaRPr lang="es-CR" sz="3600" dirty="0">
+              <a:solidFill>
+                <a:schemeClr val="tx1"/>
+              </a:solidFill>
+              <a:latin typeface="8-bit Operator+ 8" panose="02060503000000000000" pitchFamily="18" charset="0"/>
+            </a:endParaRPr>
+          </a:p>
+        </p:txBody>
+      </p:sp>
+    </p:spTree>
+    <p:extLst>
+      <p:ext uri="{BB962C8B-B14F-4D97-AF65-F5344CB8AC3E}">
+        <p14:creationId xmlns:p14="http://schemas.microsoft.com/office/powerpoint/2010/main" val="2266770812"/>
+      </p:ext>
+    </p:extLst>
+  </p:cSld>
+  <p:clrMapOvr>
+    <a:masterClrMapping/>
+  </p:clrMapOvr>
+</p:sld>
+</file>
+
+<file path=ppt/slides/slide15.xml><?xml version="1.0" encoding="utf-8"?>
+<p:sld xmlns:a="http://schemas.openxmlformats.org/drawingml/2006/main" xmlns:r="http://schemas.openxmlformats.org/officeDocument/2006/relationships" xmlns:p="http://schemas.openxmlformats.org/presentationml/2006/main">
+  <p:cSld>
+    <p:spTree>
+      <p:nvGrpSpPr>
+        <p:cNvPr id="1" name="">
+          <a:extLst>
+            <a:ext uri="{FF2B5EF4-FFF2-40B4-BE49-F238E27FC236}">
+              <a16:creationId xmlns:a16="http://schemas.microsoft.com/office/drawing/2014/main" id="{7C494096-6C55-1AA5-1E41-40F506529C40}"/>
+            </a:ext>
+          </a:extLst>
+        </p:cNvPr>
+        <p:cNvGrpSpPr/>
+        <p:nvPr/>
+      </p:nvGrpSpPr>
+      <p:grpSpPr>
+        <a:xfrm>
+          <a:off x="0" y="0"/>
+          <a:ext cx="0" cy="0"/>
+          <a:chOff x="0" y="0"/>
+          <a:chExt cx="0" cy="0"/>
+        </a:xfrm>
+      </p:grpSpPr>
+      <p:pic>
+        <p:nvPicPr>
+          <p:cNvPr id="7" name="Gráfico 6" descr="Insignia de cruz con relleno sólido">
+            <a:extLst>
+              <a:ext uri="{FF2B5EF4-FFF2-40B4-BE49-F238E27FC236}">
+                <a16:creationId xmlns:a16="http://schemas.microsoft.com/office/drawing/2014/main" id="{33B9ABEF-15C7-4083-5876-76B4F7E7323F}"/>
+              </a:ext>
+            </a:extLst>
+          </p:cNvPr>
+          <p:cNvPicPr>
+            <a:picLocks noChangeAspect="1"/>
+          </p:cNvPicPr>
+          <p:nvPr/>
+        </p:nvPicPr>
+        <p:blipFill>
+          <a:blip r:embed="rId2">
+            <a:extLst>
+              <a:ext uri="{96DAC541-7B7A-43D3-8B79-37D633B846F1}">
+                <asvg:svgBlip xmlns:asvg="http://schemas.microsoft.com/office/drawing/2016/SVG/main" r:embed="rId3"/>
+              </a:ext>
+            </a:extLst>
+          </a:blip>
+          <a:stretch>
+            <a:fillRect/>
+          </a:stretch>
+        </p:blipFill>
+        <p:spPr>
+          <a:xfrm>
+            <a:off x="8077008" y="781128"/>
+            <a:ext cx="4028160" cy="4028160"/>
+          </a:xfrm>
+          <a:prstGeom prst="rect">
+            <a:avLst/>
+          </a:prstGeom>
+        </p:spPr>
+      </p:pic>
+      <p:pic>
+        <p:nvPicPr>
+          <p:cNvPr id="11" name="Gráfico 10" descr="Señal de negación con relleno sólido">
+            <a:extLst>
+              <a:ext uri="{FF2B5EF4-FFF2-40B4-BE49-F238E27FC236}">
+                <a16:creationId xmlns:a16="http://schemas.microsoft.com/office/drawing/2014/main" id="{C2DA2591-E1D4-8C37-0658-955B9EAB3A17}"/>
+              </a:ext>
+            </a:extLst>
+          </p:cNvPr>
+          <p:cNvPicPr>
+            <a:picLocks noChangeAspect="1"/>
+          </p:cNvPicPr>
+          <p:nvPr/>
+        </p:nvPicPr>
+        <p:blipFill>
+          <a:blip r:embed="rId4">
+            <a:extLst>
+              <a:ext uri="{96DAC541-7B7A-43D3-8B79-37D633B846F1}">
+                <asvg:svgBlip xmlns:asvg="http://schemas.microsoft.com/office/drawing/2016/SVG/main" r:embed="rId5"/>
+              </a:ext>
+            </a:extLst>
+          </a:blip>
+          <a:stretch>
+            <a:fillRect/>
+          </a:stretch>
+        </p:blipFill>
+        <p:spPr>
+          <a:xfrm>
+            <a:off x="4114992" y="781128"/>
+            <a:ext cx="4028160" cy="4028160"/>
+          </a:xfrm>
+          <a:prstGeom prst="rect">
+            <a:avLst/>
+          </a:prstGeom>
+        </p:spPr>
+      </p:pic>
+      <p:sp>
+        <p:nvSpPr>
+          <p:cNvPr id="2" name="Rectángulo 1">
+            <a:extLst>
+              <a:ext uri="{FF2B5EF4-FFF2-40B4-BE49-F238E27FC236}">
+                <a16:creationId xmlns:a16="http://schemas.microsoft.com/office/drawing/2014/main" id="{07C09E62-6B3B-47A0-07A6-C10AD7D244C0}"/>
+              </a:ext>
+            </a:extLst>
+          </p:cNvPr>
+          <p:cNvSpPr/>
+          <p:nvPr/>
+        </p:nvSpPr>
+        <p:spPr>
+          <a:xfrm>
+            <a:off x="8924124" y="4504104"/>
+            <a:ext cx="2333928" cy="1220040"/>
+          </a:xfrm>
+          <a:prstGeom prst="rect">
+            <a:avLst/>
+          </a:prstGeom>
+          <a:noFill/>
+          <a:ln>
+            <a:noFill/>
+          </a:ln>
+        </p:spPr>
+        <p:style>
+          <a:lnRef idx="2">
+            <a:schemeClr val="accent1">
+              <a:shade val="15000"/>
+            </a:schemeClr>
+          </a:lnRef>
+          <a:fillRef idx="1">
+            <a:schemeClr val="accent1"/>
+          </a:fillRef>
+          <a:effectRef idx="0">
+            <a:schemeClr val="accent1"/>
+          </a:effectRef>
+          <a:fontRef idx="minor">
+            <a:schemeClr val="lt1"/>
+          </a:fontRef>
+        </p:style>
+        <p:txBody>
+          <a:bodyPr rtlCol="0" anchor="ctr"/>
+          <a:lstStyle/>
+          <a:p>
+            <a:pPr algn="ctr"/>
+            <a:r>
+              <a:rPr lang="es-ES" sz="3600" dirty="0">
+                <a:solidFill>
+                  <a:schemeClr val="tx1"/>
+                </a:solidFill>
+                <a:latin typeface="8-bit Operator+ 8" panose="02060503000000000000" pitchFamily="18" charset="0"/>
+              </a:rPr>
+              <a:t>2do lugar</a:t>
+            </a:r>
+            <a:endParaRPr lang="es-CR" sz="3600" dirty="0">
+              <a:solidFill>
+                <a:schemeClr val="tx1"/>
+              </a:solidFill>
+              <a:latin typeface="8-bit Operator+ 8" panose="02060503000000000000" pitchFamily="18" charset="0"/>
+            </a:endParaRPr>
+          </a:p>
+        </p:txBody>
+      </p:sp>
+    </p:spTree>
+    <p:extLst>
+      <p:ext uri="{BB962C8B-B14F-4D97-AF65-F5344CB8AC3E}">
+        <p14:creationId xmlns:p14="http://schemas.microsoft.com/office/powerpoint/2010/main" val="615952599"/>
+      </p:ext>
+    </p:extLst>
+  </p:cSld>
+  <p:clrMapOvr>
+    <a:masterClrMapping/>
+  </p:clrMapOvr>
+</p:sld>
+</file>
+
+<file path=ppt/slides/slide16.xml><?xml version="1.0" encoding="utf-8"?>
+<p:sld xmlns:a="http://schemas.openxmlformats.org/drawingml/2006/main" xmlns:r="http://schemas.openxmlformats.org/officeDocument/2006/relationships" xmlns:p="http://schemas.openxmlformats.org/presentationml/2006/main">
+  <p:cSld>
+    <p:spTree>
+      <p:nvGrpSpPr>
+        <p:cNvPr id="1" name="">
+          <a:extLst>
+            <a:ext uri="{FF2B5EF4-FFF2-40B4-BE49-F238E27FC236}">
+              <a16:creationId xmlns:a16="http://schemas.microsoft.com/office/drawing/2014/main" id="{9DD48EBB-C2E4-4ABE-675C-5B771D726121}"/>
+            </a:ext>
+          </a:extLst>
+        </p:cNvPr>
+        <p:cNvGrpSpPr/>
+        <p:nvPr/>
+      </p:nvGrpSpPr>
+      <p:grpSpPr>
+        <a:xfrm>
+          <a:off x="0" y="0"/>
+          <a:ext cx="0" cy="0"/>
+          <a:chOff x="0" y="0"/>
+          <a:chExt cx="0" cy="0"/>
+        </a:xfrm>
+      </p:grpSpPr>
+      <p:pic>
+        <p:nvPicPr>
+          <p:cNvPr id="11" name="Gráfico 10" descr="Señal de negación con relleno sólido">
+            <a:extLst>
+              <a:ext uri="{FF2B5EF4-FFF2-40B4-BE49-F238E27FC236}">
+                <a16:creationId xmlns:a16="http://schemas.microsoft.com/office/drawing/2014/main" id="{997F895A-97D3-4437-C13D-DDDF0030880C}"/>
+              </a:ext>
+            </a:extLst>
+          </p:cNvPr>
+          <p:cNvPicPr>
+            <a:picLocks noChangeAspect="1"/>
+          </p:cNvPicPr>
+          <p:nvPr/>
+        </p:nvPicPr>
+        <p:blipFill>
+          <a:blip r:embed="rId2">
+            <a:extLst>
+              <a:ext uri="{96DAC541-7B7A-43D3-8B79-37D633B846F1}">
+                <asvg:svgBlip xmlns:asvg="http://schemas.microsoft.com/office/drawing/2016/SVG/main" r:embed="rId3"/>
+              </a:ext>
+            </a:extLst>
+          </a:blip>
+          <a:stretch>
+            <a:fillRect/>
+          </a:stretch>
+        </p:blipFill>
+        <p:spPr>
+          <a:xfrm>
+            <a:off x="4081920" y="781128"/>
+            <a:ext cx="4028160" cy="4028160"/>
+          </a:xfrm>
+          <a:prstGeom prst="rect">
+            <a:avLst/>
+          </a:prstGeom>
+        </p:spPr>
+      </p:pic>
+      <p:sp>
+        <p:nvSpPr>
+          <p:cNvPr id="2" name="Rectángulo 1">
+            <a:extLst>
+              <a:ext uri="{FF2B5EF4-FFF2-40B4-BE49-F238E27FC236}">
+                <a16:creationId xmlns:a16="http://schemas.microsoft.com/office/drawing/2014/main" id="{34DFEAAD-EF12-2469-A189-364AAE319759}"/>
+              </a:ext>
+            </a:extLst>
+          </p:cNvPr>
+          <p:cNvSpPr/>
+          <p:nvPr/>
+        </p:nvSpPr>
+        <p:spPr>
+          <a:xfrm>
+            <a:off x="3514974" y="4494960"/>
+            <a:ext cx="5162052" cy="1677240"/>
+          </a:xfrm>
+          <a:prstGeom prst="rect">
+            <a:avLst/>
+          </a:prstGeom>
+          <a:noFill/>
+          <a:ln>
+            <a:noFill/>
+          </a:ln>
+        </p:spPr>
+        <p:style>
+          <a:lnRef idx="2">
+            <a:schemeClr val="accent1">
+              <a:shade val="15000"/>
+            </a:schemeClr>
+          </a:lnRef>
+          <a:fillRef idx="1">
+            <a:schemeClr val="accent1"/>
+          </a:fillRef>
+          <a:effectRef idx="0">
+            <a:schemeClr val="accent1"/>
+          </a:effectRef>
+          <a:fontRef idx="minor">
+            <a:schemeClr val="lt1"/>
+          </a:fontRef>
+        </p:style>
+        <p:txBody>
+          <a:bodyPr rtlCol="0" anchor="ctr"/>
+          <a:lstStyle/>
+          <a:p>
+            <a:pPr algn="ctr"/>
+            <a:r>
+              <a:rPr lang="es-ES" sz="7200" dirty="0">
+                <a:solidFill>
+                  <a:schemeClr val="tx1"/>
+                </a:solidFill>
+                <a:latin typeface="8-bit Operator+ 8" panose="02060503000000000000" pitchFamily="18" charset="0"/>
+              </a:rPr>
+              <a:t>¡GANADOR!</a:t>
+            </a:r>
+            <a:endParaRPr lang="es-CR" sz="7200" dirty="0">
+              <a:solidFill>
+                <a:schemeClr val="tx1"/>
+              </a:solidFill>
+              <a:latin typeface="8-bit Operator+ 8" panose="02060503000000000000" pitchFamily="18" charset="0"/>
+            </a:endParaRPr>
+          </a:p>
+        </p:txBody>
+      </p:sp>
+    </p:spTree>
+    <p:extLst>
+      <p:ext uri="{BB962C8B-B14F-4D97-AF65-F5344CB8AC3E}">
+        <p14:creationId xmlns:p14="http://schemas.microsoft.com/office/powerpoint/2010/main" val="1480794879"/>
+      </p:ext>
+    </p:extLst>
+  </p:cSld>
+  <p:clrMapOvr>
+    <a:masterClrMapping/>
+  </p:clrMapOvr>
+</p:sld>
+</file>
+
+<file path=ppt/slides/slide17.xml><?xml version="1.0" encoding="utf-8"?>
+<p:sld xmlns:a="http://schemas.openxmlformats.org/drawingml/2006/main" xmlns:r="http://schemas.openxmlformats.org/officeDocument/2006/relationships" xmlns:p="http://schemas.openxmlformats.org/presentationml/2006/main">
+  <p:cSld>
+    <p:spTree>
+      <p:nvGrpSpPr>
+        <p:cNvPr id="1" name="">
+          <a:extLst>
+            <a:ext uri="{FF2B5EF4-FFF2-40B4-BE49-F238E27FC236}">
+              <a16:creationId xmlns:a16="http://schemas.microsoft.com/office/drawing/2014/main" id="{F72E39E9-2A5D-C129-9AB8-2AC7AC54B36A}"/>
+            </a:ext>
+          </a:extLst>
+        </p:cNvPr>
+        <p:cNvGrpSpPr/>
+        <p:nvPr/>
+      </p:nvGrpSpPr>
+      <p:grpSpPr>
+        <a:xfrm>
+          <a:off x="0" y="0"/>
+          <a:ext cx="0" cy="0"/>
+          <a:chOff x="0" y="0"/>
+          <a:chExt cx="0" cy="0"/>
+        </a:xfrm>
+      </p:grpSpPr>
+      <p:sp>
+        <p:nvSpPr>
+          <p:cNvPr id="2" name="Rectángulo 1">
+            <a:extLst>
+              <a:ext uri="{FF2B5EF4-FFF2-40B4-BE49-F238E27FC236}">
+                <a16:creationId xmlns:a16="http://schemas.microsoft.com/office/drawing/2014/main" id="{C6266FB2-446D-9519-D457-4445EC28274A}"/>
+              </a:ext>
+            </a:extLst>
+          </p:cNvPr>
+          <p:cNvSpPr/>
+          <p:nvPr/>
+        </p:nvSpPr>
+        <p:spPr>
+          <a:xfrm>
+            <a:off x="3514974" y="4494960"/>
+            <a:ext cx="5162052" cy="1677240"/>
+          </a:xfrm>
+          <a:prstGeom prst="rect">
+            <a:avLst/>
+          </a:prstGeom>
+          <a:noFill/>
+          <a:ln>
+            <a:noFill/>
+          </a:ln>
+        </p:spPr>
+        <p:style>
+          <a:lnRef idx="2">
+            <a:schemeClr val="accent1">
+              <a:shade val="15000"/>
+            </a:schemeClr>
+          </a:lnRef>
+          <a:fillRef idx="1">
+            <a:schemeClr val="accent1"/>
+          </a:fillRef>
+          <a:effectRef idx="0">
+            <a:schemeClr val="accent1"/>
+          </a:effectRef>
+          <a:fontRef idx="minor">
+            <a:schemeClr val="lt1"/>
+          </a:fontRef>
+        </p:style>
+        <p:txBody>
+          <a:bodyPr rtlCol="0" anchor="ctr"/>
+          <a:lstStyle/>
+          <a:p>
+            <a:pPr algn="ctr"/>
+            <a:r>
+              <a:rPr lang="es-ES" sz="7200" dirty="0">
+                <a:solidFill>
+                  <a:schemeClr val="tx1"/>
+                </a:solidFill>
+                <a:latin typeface="8-bit Operator+ 8" panose="02060503000000000000" pitchFamily="18" charset="0"/>
+              </a:rPr>
+              <a:t>¡GANADOR!</a:t>
+            </a:r>
+            <a:endParaRPr lang="es-CR" sz="7200" dirty="0">
+              <a:solidFill>
+                <a:schemeClr val="tx1"/>
+              </a:solidFill>
+              <a:latin typeface="8-bit Operator+ 8" panose="02060503000000000000" pitchFamily="18" charset="0"/>
+            </a:endParaRPr>
+          </a:p>
+        </p:txBody>
+      </p:sp>
+      <p:pic>
+        <p:nvPicPr>
+          <p:cNvPr id="5" name="Imagen 4">
+            <a:extLst>
+              <a:ext uri="{FF2B5EF4-FFF2-40B4-BE49-F238E27FC236}">
+                <a16:creationId xmlns:a16="http://schemas.microsoft.com/office/drawing/2014/main" id="{B95A764E-5545-A3FF-52C0-7FEEFFCB4FAB}"/>
+              </a:ext>
+            </a:extLst>
+          </p:cNvPr>
+          <p:cNvPicPr>
+            <a:picLocks noChangeAspect="1"/>
+          </p:cNvPicPr>
+          <p:nvPr/>
+        </p:nvPicPr>
+        <p:blipFill>
+          <a:blip r:embed="rId2"/>
+          <a:stretch>
+            <a:fillRect/>
+          </a:stretch>
+        </p:blipFill>
+        <p:spPr>
+          <a:xfrm>
+            <a:off x="4498709" y="1834758"/>
+            <a:ext cx="3194581" cy="3188484"/>
+          </a:xfrm>
+          <a:prstGeom prst="rect">
+            <a:avLst/>
+          </a:prstGeom>
+        </p:spPr>
+      </p:pic>
+    </p:spTree>
+    <p:extLst>
+      <p:ext uri="{BB962C8B-B14F-4D97-AF65-F5344CB8AC3E}">
+        <p14:creationId xmlns:p14="http://schemas.microsoft.com/office/powerpoint/2010/main" val="372839521"/>
+      </p:ext>
+    </p:extLst>
+  </p:cSld>
+  <p:clrMapOvr>
+    <a:masterClrMapping/>
+  </p:clrMapOvr>
+</p:sld>
+</file>
+
+<file path=ppt/slides/slide2.xml><?xml version="1.0" encoding="utf-8"?>
+<p:sld xmlns:a="http://schemas.openxmlformats.org/drawingml/2006/main" xmlns:r="http://schemas.openxmlformats.org/officeDocument/2006/relationships" xmlns:p="http://schemas.openxmlformats.org/presentationml/2006/main">
+  <p:cSld>
+    <p:spTree>
+      <p:nvGrpSpPr>
+        <p:cNvPr id="1" name="">
+          <a:extLst>
+            <a:ext uri="{FF2B5EF4-FFF2-40B4-BE49-F238E27FC236}">
+              <a16:creationId xmlns:a16="http://schemas.microsoft.com/office/drawing/2014/main" id="{0489D63C-8F8C-B729-40E7-7F7A519ACAB9}"/>
+            </a:ext>
+          </a:extLst>
+        </p:cNvPr>
+        <p:cNvGrpSpPr/>
+        <p:nvPr/>
+      </p:nvGrpSpPr>
+      <p:grpSpPr>
+        <a:xfrm>
+          <a:off x="0" y="0"/>
+          <a:ext cx="0" cy="0"/>
+          <a:chOff x="0" y="0"/>
+          <a:chExt cx="0" cy="0"/>
+        </a:xfrm>
+      </p:grpSpPr>
+      <p:sp>
+        <p:nvSpPr>
+          <p:cNvPr id="10" name="Rectángulo 9">
+            <a:extLst>
+              <a:ext uri="{FF2B5EF4-FFF2-40B4-BE49-F238E27FC236}">
+                <a16:creationId xmlns:a16="http://schemas.microsoft.com/office/drawing/2014/main" id="{B1EA3144-6BA8-CF28-1033-72A7CE8F4B69}"/>
+              </a:ext>
+            </a:extLst>
+          </p:cNvPr>
+          <p:cNvSpPr/>
+          <p:nvPr/>
+        </p:nvSpPr>
+        <p:spPr>
+          <a:xfrm>
+            <a:off x="1016508" y="-355600"/>
+            <a:ext cx="5144430" cy="6828536"/>
+          </a:xfrm>
+          <a:prstGeom prst="rect">
+            <a:avLst/>
+          </a:prstGeom>
+          <a:solidFill>
+            <a:schemeClr val="bg2">
+              <a:lumMod val="90000"/>
+            </a:schemeClr>
+          </a:solidFill>
+          <a:ln w="88900">
+            <a:solidFill>
+              <a:schemeClr val="tx1"/>
+            </a:solidFill>
+          </a:ln>
+        </p:spPr>
+        <p:style>
+          <a:lnRef idx="2">
+            <a:schemeClr val="accent1">
+              <a:shade val="15000"/>
+            </a:schemeClr>
+          </a:lnRef>
+          <a:fillRef idx="1">
+            <a:schemeClr val="accent1"/>
+          </a:fillRef>
+          <a:effectRef idx="0">
+            <a:schemeClr val="accent1"/>
+          </a:effectRef>
+          <a:fontRef idx="minor">
+            <a:schemeClr val="lt1"/>
+          </a:fontRef>
+        </p:style>
+        <p:txBody>
+          <a:bodyPr rtlCol="0" anchor="ctr"/>
+          <a:lstStyle/>
+          <a:p>
+            <a:pPr algn="ctr"/>
+            <a:endParaRPr lang="es-CR"/>
+          </a:p>
+        </p:txBody>
+      </p:sp>
+      <p:sp>
+        <p:nvSpPr>
+          <p:cNvPr id="2" name="Rectángulo 1">
+            <a:extLst>
+              <a:ext uri="{FF2B5EF4-FFF2-40B4-BE49-F238E27FC236}">
+                <a16:creationId xmlns:a16="http://schemas.microsoft.com/office/drawing/2014/main" id="{332E9A59-FBAF-217F-6481-66E4D84414D9}"/>
+              </a:ext>
+            </a:extLst>
+          </p:cNvPr>
+          <p:cNvSpPr/>
+          <p:nvPr/>
+        </p:nvSpPr>
+        <p:spPr>
+          <a:xfrm>
+            <a:off x="2121408" y="3117088"/>
+            <a:ext cx="2934630" cy="3328416"/>
+          </a:xfrm>
+          <a:prstGeom prst="rect">
+            <a:avLst/>
+          </a:prstGeom>
+          <a:solidFill>
+            <a:schemeClr val="tx1"/>
+          </a:solidFill>
+          <a:ln w="88900">
+            <a:solidFill>
+              <a:schemeClr val="tx1"/>
+            </a:solidFill>
+          </a:ln>
+        </p:spPr>
+        <p:style>
+          <a:lnRef idx="2">
+            <a:schemeClr val="accent1">
+              <a:shade val="15000"/>
+            </a:schemeClr>
+          </a:lnRef>
+          <a:fillRef idx="1">
+            <a:schemeClr val="accent1"/>
+          </a:fillRef>
+          <a:effectRef idx="0">
+            <a:schemeClr val="accent1"/>
+          </a:effectRef>
+          <a:fontRef idx="minor">
+            <a:schemeClr val="lt1"/>
+          </a:fontRef>
+        </p:style>
+        <p:txBody>
+          <a:bodyPr rtlCol="0" anchor="ctr"/>
+          <a:lstStyle/>
+          <a:p>
+            <a:pPr algn="ctr"/>
+            <a:endParaRPr lang="es-CR"/>
+          </a:p>
+        </p:txBody>
+      </p:sp>
+      <p:sp>
+        <p:nvSpPr>
+          <p:cNvPr id="3" name="Elipse 2">
+            <a:extLst>
+              <a:ext uri="{FF2B5EF4-FFF2-40B4-BE49-F238E27FC236}">
+                <a16:creationId xmlns:a16="http://schemas.microsoft.com/office/drawing/2014/main" id="{5E98CB02-AC77-0C4F-02C6-C6F0DA8E9CF4}"/>
+              </a:ext>
+            </a:extLst>
+          </p:cNvPr>
+          <p:cNvSpPr/>
+          <p:nvPr/>
+        </p:nvSpPr>
+        <p:spPr>
+          <a:xfrm>
+            <a:off x="2354283" y="3684016"/>
+            <a:ext cx="2468880" cy="2414016"/>
+          </a:xfrm>
+          <a:prstGeom prst="ellipse">
+            <a:avLst/>
+          </a:prstGeom>
+          <a:solidFill>
+            <a:srgbClr val="00B050"/>
+          </a:solidFill>
+          <a:ln w="88900">
+            <a:solidFill>
+              <a:schemeClr val="tx1"/>
+            </a:solidFill>
+          </a:ln>
+        </p:spPr>
+        <p:style>
+          <a:lnRef idx="2">
+            <a:schemeClr val="accent1">
+              <a:shade val="15000"/>
+            </a:schemeClr>
+          </a:lnRef>
+          <a:fillRef idx="1">
+            <a:schemeClr val="accent1"/>
+          </a:fillRef>
+          <a:effectRef idx="0">
+            <a:schemeClr val="accent1"/>
+          </a:effectRef>
+          <a:fontRef idx="minor">
+            <a:schemeClr val="lt1"/>
+          </a:fontRef>
+        </p:style>
+        <p:txBody>
+          <a:bodyPr rtlCol="0" anchor="ctr"/>
+          <a:lstStyle/>
+          <a:p>
+            <a:pPr algn="ctr"/>
+            <a:endParaRPr lang="es-CR"/>
+          </a:p>
+        </p:txBody>
+      </p:sp>
+      <p:sp>
+        <p:nvSpPr>
+          <p:cNvPr id="6" name="Rectángulo 5">
+            <a:extLst>
+              <a:ext uri="{FF2B5EF4-FFF2-40B4-BE49-F238E27FC236}">
+                <a16:creationId xmlns:a16="http://schemas.microsoft.com/office/drawing/2014/main" id="{2FF722D7-80B0-A2D4-49FD-10BFCB914BB8}"/>
+              </a:ext>
+            </a:extLst>
+          </p:cNvPr>
+          <p:cNvSpPr/>
+          <p:nvPr/>
+        </p:nvSpPr>
+        <p:spPr>
+          <a:xfrm>
+            <a:off x="2121408" y="3117088"/>
+            <a:ext cx="2934630" cy="3328416"/>
+          </a:xfrm>
+          <a:prstGeom prst="rect">
+            <a:avLst/>
+          </a:prstGeom>
+          <a:solidFill>
+            <a:srgbClr val="000000">
+              <a:alpha val="50196"/>
+            </a:srgbClr>
+          </a:solidFill>
+          <a:ln w="88900">
+            <a:solidFill>
+              <a:schemeClr val="tx1"/>
+            </a:solidFill>
+          </a:ln>
+        </p:spPr>
+        <p:style>
+          <a:lnRef idx="2">
+            <a:schemeClr val="accent1">
+              <a:shade val="15000"/>
+            </a:schemeClr>
+          </a:lnRef>
+          <a:fillRef idx="1">
+            <a:schemeClr val="accent1"/>
+          </a:fillRef>
+          <a:effectRef idx="0">
+            <a:schemeClr val="accent1"/>
+          </a:effectRef>
+          <a:fontRef idx="minor">
+            <a:schemeClr val="lt1"/>
+          </a:fontRef>
+        </p:style>
+        <p:txBody>
+          <a:bodyPr rtlCol="0" anchor="ctr"/>
+          <a:lstStyle/>
+          <a:p>
+            <a:pPr algn="ctr"/>
+            <a:endParaRPr lang="es-CR"/>
+          </a:p>
+        </p:txBody>
+      </p:sp>
+      <p:sp>
+        <p:nvSpPr>
+          <p:cNvPr id="4" name="Elipse 3">
+            <a:extLst>
+              <a:ext uri="{FF2B5EF4-FFF2-40B4-BE49-F238E27FC236}">
+                <a16:creationId xmlns:a16="http://schemas.microsoft.com/office/drawing/2014/main" id="{BF41374A-602C-9278-A4BB-B7B8575F758A}"/>
+              </a:ext>
+            </a:extLst>
+          </p:cNvPr>
+          <p:cNvSpPr/>
+          <p:nvPr/>
+        </p:nvSpPr>
+        <p:spPr>
+          <a:xfrm>
+            <a:off x="2354283" y="72644"/>
+            <a:ext cx="2468880" cy="2414016"/>
+          </a:xfrm>
+          <a:prstGeom prst="ellipse">
+            <a:avLst/>
+          </a:prstGeom>
+          <a:solidFill>
+            <a:srgbClr val="00B050"/>
+          </a:solidFill>
+          <a:ln w="88900">
+            <a:solidFill>
+              <a:schemeClr val="tx1"/>
+            </a:solidFill>
+          </a:ln>
+        </p:spPr>
+        <p:style>
+          <a:lnRef idx="2">
+            <a:schemeClr val="accent1">
+              <a:shade val="15000"/>
+            </a:schemeClr>
+          </a:lnRef>
+          <a:fillRef idx="1">
+            <a:schemeClr val="accent1"/>
+          </a:fillRef>
+          <a:effectRef idx="0">
+            <a:schemeClr val="accent1"/>
+          </a:effectRef>
+          <a:fontRef idx="minor">
+            <a:schemeClr val="lt1"/>
+          </a:fontRef>
+        </p:style>
+        <p:txBody>
+          <a:bodyPr rtlCol="0" anchor="ctr"/>
+          <a:lstStyle/>
+          <a:p>
+            <a:pPr algn="ctr"/>
+            <a:endParaRPr lang="es-CR"/>
+          </a:p>
+        </p:txBody>
+      </p:sp>
+      <p:sp>
+        <p:nvSpPr>
+          <p:cNvPr id="5" name="Rectángulo 4">
+            <a:extLst>
+              <a:ext uri="{FF2B5EF4-FFF2-40B4-BE49-F238E27FC236}">
+                <a16:creationId xmlns:a16="http://schemas.microsoft.com/office/drawing/2014/main" id="{975D3F48-DC68-C7B3-DE74-780073F5A2AC}"/>
+              </a:ext>
+            </a:extLst>
+          </p:cNvPr>
+          <p:cNvSpPr/>
+          <p:nvPr/>
+        </p:nvSpPr>
+        <p:spPr>
+          <a:xfrm>
+            <a:off x="3581400" y="-274828"/>
+            <a:ext cx="2579538" cy="3328416"/>
+          </a:xfrm>
+          <a:prstGeom prst="rect">
+            <a:avLst/>
+          </a:prstGeom>
+          <a:solidFill>
+            <a:schemeClr val="bg2">
+              <a:lumMod val="90000"/>
+            </a:schemeClr>
+          </a:solidFill>
+          <a:ln w="88900">
+            <a:solidFill>
+              <a:schemeClr val="tx1"/>
+            </a:solidFill>
+          </a:ln>
+        </p:spPr>
+        <p:style>
+          <a:lnRef idx="2">
+            <a:schemeClr val="accent1">
+              <a:shade val="15000"/>
+            </a:schemeClr>
+          </a:lnRef>
+          <a:fillRef idx="1">
+            <a:schemeClr val="accent1"/>
+          </a:fillRef>
+          <a:effectRef idx="0">
+            <a:schemeClr val="accent1"/>
+          </a:effectRef>
+          <a:fontRef idx="minor">
+            <a:schemeClr val="lt1"/>
+          </a:fontRef>
+        </p:style>
+        <p:txBody>
+          <a:bodyPr rtlCol="0" anchor="ctr"/>
+          <a:lstStyle/>
+          <a:p>
+            <a:pPr algn="ctr"/>
+            <a:endParaRPr lang="es-CR"/>
+          </a:p>
+        </p:txBody>
+      </p:sp>
+    </p:spTree>
+    <p:extLst>
+      <p:ext uri="{BB962C8B-B14F-4D97-AF65-F5344CB8AC3E}">
+        <p14:creationId xmlns:p14="http://schemas.microsoft.com/office/powerpoint/2010/main" val="1990770312"/>
+      </p:ext>
+    </p:extLst>
+  </p:cSld>
+  <p:clrMapOvr>
+    <a:masterClrMapping/>
+  </p:clrMapOvr>
+</p:sld>
+</file>
+
+<file path=ppt/slides/slide3.xml><?xml version="1.0" encoding="utf-8"?>
+<p:sld xmlns:a="http://schemas.openxmlformats.org/drawingml/2006/main" xmlns:r="http://schemas.openxmlformats.org/officeDocument/2006/relationships" xmlns:p="http://schemas.openxmlformats.org/presentationml/2006/main">
+  <p:cSld>
+    <p:spTree>
+      <p:nvGrpSpPr>
+        <p:cNvPr id="1" name="">
+          <a:extLst>
+            <a:ext uri="{FF2B5EF4-FFF2-40B4-BE49-F238E27FC236}">
+              <a16:creationId xmlns:a16="http://schemas.microsoft.com/office/drawing/2014/main" id="{18127AA5-8CD9-2571-B442-D78EC0683153}"/>
+            </a:ext>
+          </a:extLst>
+        </p:cNvPr>
+        <p:cNvGrpSpPr/>
+        <p:nvPr/>
+      </p:nvGrpSpPr>
+      <p:grpSpPr>
+        <a:xfrm>
+          <a:off x="0" y="0"/>
+          <a:ext cx="0" cy="0"/>
+          <a:chOff x="0" y="0"/>
+          <a:chExt cx="0" cy="0"/>
+        </a:xfrm>
+      </p:grpSpPr>
+      <p:sp>
+        <p:nvSpPr>
+          <p:cNvPr id="10" name="Rectángulo 9">
+            <a:extLst>
+              <a:ext uri="{FF2B5EF4-FFF2-40B4-BE49-F238E27FC236}">
+                <a16:creationId xmlns:a16="http://schemas.microsoft.com/office/drawing/2014/main" id="{20DFB60F-6FBB-87A8-3242-2DC12ADE0322}"/>
+              </a:ext>
+            </a:extLst>
+          </p:cNvPr>
+          <p:cNvSpPr/>
+          <p:nvPr/>
+        </p:nvSpPr>
+        <p:spPr>
+          <a:xfrm>
+            <a:off x="-945642" y="0"/>
+            <a:ext cx="5144430" cy="6828536"/>
+          </a:xfrm>
+          <a:prstGeom prst="rect">
+            <a:avLst/>
+          </a:prstGeom>
+          <a:solidFill>
+            <a:schemeClr val="bg2">
+              <a:lumMod val="90000"/>
+            </a:schemeClr>
+          </a:solidFill>
+          <a:ln w="88900">
+            <a:solidFill>
+              <a:schemeClr val="tx1"/>
+            </a:solidFill>
+          </a:ln>
+        </p:spPr>
+        <p:style>
+          <a:lnRef idx="2">
+            <a:schemeClr val="accent1">
+              <a:shade val="15000"/>
+            </a:schemeClr>
+          </a:lnRef>
+          <a:fillRef idx="1">
+            <a:schemeClr val="accent1"/>
+          </a:fillRef>
+          <a:effectRef idx="0">
+            <a:schemeClr val="accent1"/>
+          </a:effectRef>
+          <a:fontRef idx="minor">
+            <a:schemeClr val="lt1"/>
+          </a:fontRef>
+        </p:style>
+        <p:txBody>
+          <a:bodyPr rtlCol="0" anchor="ctr"/>
+          <a:lstStyle/>
+          <a:p>
+            <a:pPr algn="ctr"/>
+            <a:endParaRPr lang="es-CR"/>
+          </a:p>
+        </p:txBody>
+      </p:sp>
+      <p:sp>
+        <p:nvSpPr>
+          <p:cNvPr id="2" name="Rectángulo 1">
+            <a:extLst>
+              <a:ext uri="{FF2B5EF4-FFF2-40B4-BE49-F238E27FC236}">
+                <a16:creationId xmlns:a16="http://schemas.microsoft.com/office/drawing/2014/main" id="{78332C76-989F-EF30-DB23-38BE2A1529F7}"/>
+              </a:ext>
+            </a:extLst>
+          </p:cNvPr>
+          <p:cNvSpPr/>
+          <p:nvPr/>
+        </p:nvSpPr>
+        <p:spPr>
+          <a:xfrm>
+            <a:off x="159258" y="3472688"/>
+            <a:ext cx="2934630" cy="3328416"/>
+          </a:xfrm>
+          <a:prstGeom prst="rect">
+            <a:avLst/>
+          </a:prstGeom>
+          <a:solidFill>
+            <a:schemeClr val="tx1"/>
+          </a:solidFill>
+          <a:ln w="88900">
+            <a:solidFill>
+              <a:schemeClr val="tx1"/>
+            </a:solidFill>
+          </a:ln>
+        </p:spPr>
+        <p:style>
+          <a:lnRef idx="2">
+            <a:schemeClr val="accent1">
+              <a:shade val="15000"/>
+            </a:schemeClr>
+          </a:lnRef>
+          <a:fillRef idx="1">
+            <a:schemeClr val="accent1"/>
+          </a:fillRef>
+          <a:effectRef idx="0">
+            <a:schemeClr val="accent1"/>
+          </a:effectRef>
+          <a:fontRef idx="minor">
+            <a:schemeClr val="lt1"/>
+          </a:fontRef>
+        </p:style>
+        <p:txBody>
+          <a:bodyPr rtlCol="0" anchor="ctr"/>
+          <a:lstStyle/>
+          <a:p>
+            <a:pPr algn="ctr"/>
+            <a:endParaRPr lang="es-CR"/>
+          </a:p>
+        </p:txBody>
+      </p:sp>
+      <p:sp>
+        <p:nvSpPr>
+          <p:cNvPr id="4" name="Elipse 3">
+            <a:extLst>
+              <a:ext uri="{FF2B5EF4-FFF2-40B4-BE49-F238E27FC236}">
+                <a16:creationId xmlns:a16="http://schemas.microsoft.com/office/drawing/2014/main" id="{BACD2B4D-9952-76A1-47C1-06F13CDC1945}"/>
+              </a:ext>
+            </a:extLst>
+          </p:cNvPr>
+          <p:cNvSpPr/>
+          <p:nvPr/>
+        </p:nvSpPr>
+        <p:spPr>
+          <a:xfrm>
+            <a:off x="4706958" y="2265680"/>
+            <a:ext cx="2468880" cy="2414016"/>
+          </a:xfrm>
+          <a:prstGeom prst="ellipse">
+            <a:avLst/>
+          </a:prstGeom>
+          <a:solidFill>
+            <a:srgbClr val="00B050"/>
+          </a:solidFill>
+          <a:ln w="88900">
+            <a:solidFill>
+              <a:schemeClr val="tx1"/>
+            </a:solidFill>
+          </a:ln>
+        </p:spPr>
+        <p:style>
+          <a:lnRef idx="2">
+            <a:schemeClr val="accent1">
+              <a:shade val="15000"/>
+            </a:schemeClr>
+          </a:lnRef>
+          <a:fillRef idx="1">
+            <a:schemeClr val="accent1"/>
+          </a:fillRef>
+          <a:effectRef idx="0">
+            <a:schemeClr val="accent1"/>
+          </a:effectRef>
+          <a:fontRef idx="minor">
+            <a:schemeClr val="lt1"/>
+          </a:fontRef>
+        </p:style>
+        <p:txBody>
+          <a:bodyPr rtlCol="0" anchor="ctr"/>
+          <a:lstStyle/>
+          <a:p>
+            <a:pPr algn="ctr"/>
+            <a:endParaRPr lang="es-CR"/>
+          </a:p>
+        </p:txBody>
+      </p:sp>
+      <p:sp>
+        <p:nvSpPr>
+          <p:cNvPr id="7" name="Rectángulo 6">
+            <a:extLst>
+              <a:ext uri="{FF2B5EF4-FFF2-40B4-BE49-F238E27FC236}">
+                <a16:creationId xmlns:a16="http://schemas.microsoft.com/office/drawing/2014/main" id="{ECF66682-778B-7CC2-9A31-ED912B689F80}"/>
+              </a:ext>
+            </a:extLst>
+          </p:cNvPr>
+          <p:cNvSpPr/>
+          <p:nvPr/>
+        </p:nvSpPr>
+        <p:spPr>
+          <a:xfrm>
+            <a:off x="8788908" y="3391916"/>
+            <a:ext cx="2934630" cy="3328416"/>
+          </a:xfrm>
+          <a:prstGeom prst="rect">
+            <a:avLst/>
+          </a:prstGeom>
+          <a:solidFill>
+            <a:srgbClr val="000000">
+              <a:alpha val="50196"/>
+            </a:srgbClr>
+          </a:solidFill>
+          <a:ln w="88900">
+            <a:solidFill>
+              <a:schemeClr val="tx1"/>
+            </a:solidFill>
+          </a:ln>
+        </p:spPr>
+        <p:style>
+          <a:lnRef idx="2">
+            <a:schemeClr val="accent1">
+              <a:shade val="15000"/>
+            </a:schemeClr>
+          </a:lnRef>
+          <a:fillRef idx="1">
+            <a:schemeClr val="accent1"/>
+          </a:fillRef>
+          <a:effectRef idx="0">
+            <a:schemeClr val="accent1"/>
+          </a:effectRef>
+          <a:fontRef idx="minor">
+            <a:schemeClr val="lt1"/>
+          </a:fontRef>
+        </p:style>
+        <p:txBody>
+          <a:bodyPr rtlCol="0" anchor="ctr"/>
+          <a:lstStyle/>
+          <a:p>
+            <a:pPr algn="ctr"/>
+            <a:endParaRPr lang="es-CR"/>
+          </a:p>
+        </p:txBody>
+      </p:sp>
+      <p:sp>
+        <p:nvSpPr>
+          <p:cNvPr id="8" name="Rectángulo 7">
+            <a:extLst>
+              <a:ext uri="{FF2B5EF4-FFF2-40B4-BE49-F238E27FC236}">
+                <a16:creationId xmlns:a16="http://schemas.microsoft.com/office/drawing/2014/main" id="{C287CEAA-FA26-B11E-476B-DE03642400A4}"/>
+              </a:ext>
+            </a:extLst>
+          </p:cNvPr>
+          <p:cNvSpPr/>
+          <p:nvPr/>
+        </p:nvSpPr>
+        <p:spPr>
+          <a:xfrm>
+            <a:off x="7684008" y="85852"/>
+            <a:ext cx="5144430" cy="3328416"/>
+          </a:xfrm>
+          <a:prstGeom prst="rect">
+            <a:avLst/>
+          </a:prstGeom>
+          <a:solidFill>
+            <a:schemeClr val="bg2">
+              <a:lumMod val="90000"/>
+            </a:schemeClr>
+          </a:solidFill>
+          <a:ln w="88900">
+            <a:solidFill>
+              <a:schemeClr val="tx1"/>
+            </a:solidFill>
+          </a:ln>
+        </p:spPr>
+        <p:style>
+          <a:lnRef idx="2">
+            <a:schemeClr val="accent1">
+              <a:shade val="15000"/>
+            </a:schemeClr>
+          </a:lnRef>
+          <a:fillRef idx="1">
+            <a:schemeClr val="accent1"/>
+          </a:fillRef>
+          <a:effectRef idx="0">
+            <a:schemeClr val="accent1"/>
+          </a:effectRef>
+          <a:fontRef idx="minor">
+            <a:schemeClr val="lt1"/>
+          </a:fontRef>
+        </p:style>
+        <p:txBody>
+          <a:bodyPr rtlCol="0" anchor="ctr"/>
+          <a:lstStyle/>
+          <a:p>
+            <a:pPr algn="ctr"/>
+            <a:endParaRPr lang="es-CR"/>
+          </a:p>
+        </p:txBody>
+      </p:sp>
+      <p:sp>
+        <p:nvSpPr>
+          <p:cNvPr id="9" name="Rectángulo 8">
+            <a:extLst>
+              <a:ext uri="{FF2B5EF4-FFF2-40B4-BE49-F238E27FC236}">
+                <a16:creationId xmlns:a16="http://schemas.microsoft.com/office/drawing/2014/main" id="{D64FE2F6-C80D-6BBA-398D-AF807820FCD9}"/>
+              </a:ext>
+            </a:extLst>
+          </p:cNvPr>
+          <p:cNvSpPr/>
+          <p:nvPr/>
+        </p:nvSpPr>
+        <p:spPr>
+          <a:xfrm>
+            <a:off x="1711917" y="515546"/>
+            <a:ext cx="2763942" cy="748501"/>
+          </a:xfrm>
+          <a:prstGeom prst="rect">
+            <a:avLst/>
+          </a:prstGeom>
+          <a:solidFill>
+            <a:schemeClr val="tx1"/>
+          </a:solidFill>
+          <a:ln w="88900">
+            <a:solidFill>
+              <a:schemeClr val="tx1"/>
+            </a:solidFill>
+          </a:ln>
+        </p:spPr>
+        <p:style>
+          <a:lnRef idx="2">
+            <a:schemeClr val="accent1">
+              <a:shade val="15000"/>
+            </a:schemeClr>
+          </a:lnRef>
+          <a:fillRef idx="1">
+            <a:schemeClr val="accent1"/>
+          </a:fillRef>
+          <a:effectRef idx="0">
+            <a:schemeClr val="accent1"/>
+          </a:effectRef>
+          <a:fontRef idx="minor">
+            <a:schemeClr val="lt1"/>
+          </a:fontRef>
+        </p:style>
+        <p:txBody>
+          <a:bodyPr rtlCol="0" anchor="ctr"/>
+          <a:lstStyle/>
+          <a:p>
+            <a:pPr algn="ctr"/>
+            <a:r>
+              <a:rPr lang="es-ES" sz="4400" dirty="0">
+                <a:latin typeface="8-bit Operator+ 8" panose="02060503000000000000" pitchFamily="18" charset="0"/>
+              </a:rPr>
+              <a:t>&lt;&lt;Antes</a:t>
+            </a:r>
+            <a:endParaRPr lang="es-CR" sz="4400" dirty="0">
+              <a:latin typeface="8-bit Operator+ 8" panose="02060503000000000000" pitchFamily="18" charset="0"/>
+            </a:endParaRPr>
+          </a:p>
+        </p:txBody>
+      </p:sp>
+      <p:sp>
+        <p:nvSpPr>
+          <p:cNvPr id="11" name="Rectángulo 10">
+            <a:extLst>
+              <a:ext uri="{FF2B5EF4-FFF2-40B4-BE49-F238E27FC236}">
+                <a16:creationId xmlns:a16="http://schemas.microsoft.com/office/drawing/2014/main" id="{21FE47DC-EDE8-7B68-B445-6875FAAD7365}"/>
+              </a:ext>
+            </a:extLst>
+          </p:cNvPr>
+          <p:cNvSpPr/>
+          <p:nvPr/>
+        </p:nvSpPr>
+        <p:spPr>
+          <a:xfrm>
+            <a:off x="6856346" y="515546"/>
+            <a:ext cx="3278253" cy="748501"/>
+          </a:xfrm>
+          <a:prstGeom prst="rect">
+            <a:avLst/>
+          </a:prstGeom>
+          <a:solidFill>
+            <a:schemeClr val="tx1"/>
+          </a:solidFill>
+          <a:ln w="88900">
+            <a:solidFill>
+              <a:schemeClr val="tx1"/>
+            </a:solidFill>
+          </a:ln>
+        </p:spPr>
+        <p:style>
+          <a:lnRef idx="2">
+            <a:schemeClr val="accent1">
+              <a:shade val="15000"/>
+            </a:schemeClr>
+          </a:lnRef>
+          <a:fillRef idx="1">
+            <a:schemeClr val="accent1"/>
+          </a:fillRef>
+          <a:effectRef idx="0">
+            <a:schemeClr val="accent1"/>
+          </a:effectRef>
+          <a:fontRef idx="minor">
+            <a:schemeClr val="lt1"/>
+          </a:fontRef>
+        </p:style>
+        <p:txBody>
+          <a:bodyPr rtlCol="0" anchor="ctr"/>
+          <a:lstStyle/>
+          <a:p>
+            <a:pPr algn="ctr"/>
+            <a:r>
+              <a:rPr lang="es-ES" sz="4400" dirty="0">
+                <a:latin typeface="8-bit Operator+ 8" panose="02060503000000000000" pitchFamily="18" charset="0"/>
+              </a:rPr>
+              <a:t>Después&gt;&gt;</a:t>
+            </a:r>
+            <a:endParaRPr lang="es-CR" sz="4400" dirty="0">
+              <a:latin typeface="8-bit Operator+ 8" panose="02060503000000000000" pitchFamily="18" charset="0"/>
+            </a:endParaRPr>
+          </a:p>
+        </p:txBody>
+      </p:sp>
+    </p:spTree>
+    <p:extLst>
+      <p:ext uri="{BB962C8B-B14F-4D97-AF65-F5344CB8AC3E}">
+        <p14:creationId xmlns:p14="http://schemas.microsoft.com/office/powerpoint/2010/main" val="3079666767"/>
+      </p:ext>
+    </p:extLst>
+  </p:cSld>
+  <p:clrMapOvr>
+    <a:masterClrMapping/>
+  </p:clrMapOvr>
+</p:sld>
+</file>
+
+<file path=ppt/slides/slide4.xml><?xml version="1.0" encoding="utf-8"?>
+<p:sld xmlns:a="http://schemas.openxmlformats.org/drawingml/2006/main" xmlns:r="http://schemas.openxmlformats.org/officeDocument/2006/relationships" xmlns:p="http://schemas.openxmlformats.org/presentationml/2006/main">
+  <p:cSld>
+    <p:spTree>
+      <p:nvGrpSpPr>
+        <p:cNvPr id="1" name="">
+          <a:extLst>
+            <a:ext uri="{FF2B5EF4-FFF2-40B4-BE49-F238E27FC236}">
+              <a16:creationId xmlns:a16="http://schemas.microsoft.com/office/drawing/2014/main" id="{A0974382-3692-0F64-567C-1326A4527CA0}"/>
+            </a:ext>
+          </a:extLst>
+        </p:cNvPr>
+        <p:cNvGrpSpPr/>
+        <p:nvPr/>
+      </p:nvGrpSpPr>
+      <p:grpSpPr>
+        <a:xfrm>
+          <a:off x="0" y="0"/>
+          <a:ext cx="0" cy="0"/>
+          <a:chOff x="0" y="0"/>
+          <a:chExt cx="0" cy="0"/>
+        </a:xfrm>
+      </p:grpSpPr>
+      <p:sp>
+        <p:nvSpPr>
+          <p:cNvPr id="10" name="Rectángulo 9">
+            <a:extLst>
+              <a:ext uri="{FF2B5EF4-FFF2-40B4-BE49-F238E27FC236}">
+                <a16:creationId xmlns:a16="http://schemas.microsoft.com/office/drawing/2014/main" id="{3BD83AFE-71C3-3D6F-7BE7-D77DE3FE15EB}"/>
+              </a:ext>
+            </a:extLst>
+          </p:cNvPr>
+          <p:cNvSpPr/>
+          <p:nvPr/>
+        </p:nvSpPr>
+        <p:spPr>
+          <a:xfrm>
+            <a:off x="1016508" y="-355600"/>
+            <a:ext cx="5144430" cy="6828536"/>
+          </a:xfrm>
+          <a:prstGeom prst="rect">
+            <a:avLst/>
+          </a:prstGeom>
+          <a:solidFill>
+            <a:schemeClr val="bg2">
+              <a:lumMod val="90000"/>
+            </a:schemeClr>
+          </a:solidFill>
+          <a:ln w="88900">
+            <a:solidFill>
+              <a:schemeClr val="tx1"/>
+            </a:solidFill>
+          </a:ln>
+        </p:spPr>
+        <p:style>
+          <a:lnRef idx="2">
+            <a:schemeClr val="accent1">
+              <a:shade val="15000"/>
+            </a:schemeClr>
+          </a:lnRef>
+          <a:fillRef idx="1">
+            <a:schemeClr val="accent1"/>
+          </a:fillRef>
+          <a:effectRef idx="0">
+            <a:schemeClr val="accent1"/>
+          </a:effectRef>
+          <a:fontRef idx="minor">
+            <a:schemeClr val="lt1"/>
+          </a:fontRef>
+        </p:style>
+        <p:txBody>
+          <a:bodyPr rtlCol="0" anchor="ctr"/>
+          <a:lstStyle/>
+          <a:p>
+            <a:pPr algn="ctr"/>
+            <a:endParaRPr lang="es-CR"/>
+          </a:p>
+        </p:txBody>
+      </p:sp>
+      <p:sp>
+        <p:nvSpPr>
+          <p:cNvPr id="2" name="Rectángulo 1">
+            <a:extLst>
+              <a:ext uri="{FF2B5EF4-FFF2-40B4-BE49-F238E27FC236}">
+                <a16:creationId xmlns:a16="http://schemas.microsoft.com/office/drawing/2014/main" id="{9FD4216C-901D-FC92-F893-5FC58BDE4733}"/>
+              </a:ext>
+            </a:extLst>
+          </p:cNvPr>
+          <p:cNvSpPr/>
+          <p:nvPr/>
+        </p:nvSpPr>
+        <p:spPr>
+          <a:xfrm>
+            <a:off x="2121408" y="3117088"/>
+            <a:ext cx="2934630" cy="3328416"/>
+          </a:xfrm>
+          <a:prstGeom prst="rect">
+            <a:avLst/>
+          </a:prstGeom>
+          <a:solidFill>
+            <a:schemeClr val="tx1"/>
+          </a:solidFill>
+          <a:ln w="88900">
+            <a:solidFill>
+              <a:schemeClr val="tx1"/>
+            </a:solidFill>
+          </a:ln>
+        </p:spPr>
+        <p:style>
+          <a:lnRef idx="2">
+            <a:schemeClr val="accent1">
+              <a:shade val="15000"/>
+            </a:schemeClr>
+          </a:lnRef>
+          <a:fillRef idx="1">
+            <a:schemeClr val="accent1"/>
+          </a:fillRef>
+          <a:effectRef idx="0">
+            <a:schemeClr val="accent1"/>
+          </a:effectRef>
+          <a:fontRef idx="minor">
+            <a:schemeClr val="lt1"/>
+          </a:fontRef>
+        </p:style>
+        <p:txBody>
+          <a:bodyPr rtlCol="0" anchor="ctr"/>
+          <a:lstStyle/>
+          <a:p>
+            <a:pPr algn="ctr"/>
+            <a:endParaRPr lang="es-CR"/>
+          </a:p>
+        </p:txBody>
+      </p:sp>
+      <p:sp>
+        <p:nvSpPr>
+          <p:cNvPr id="3" name="Elipse 2">
+            <a:extLst>
+              <a:ext uri="{FF2B5EF4-FFF2-40B4-BE49-F238E27FC236}">
+                <a16:creationId xmlns:a16="http://schemas.microsoft.com/office/drawing/2014/main" id="{37C2C0A1-616E-AB5B-F310-D2F88C16B279}"/>
+              </a:ext>
+            </a:extLst>
+          </p:cNvPr>
+          <p:cNvSpPr/>
+          <p:nvPr/>
+        </p:nvSpPr>
+        <p:spPr>
+          <a:xfrm>
+            <a:off x="2354283" y="3684016"/>
+            <a:ext cx="2468880" cy="2414016"/>
+          </a:xfrm>
+          <a:prstGeom prst="ellipse">
+            <a:avLst/>
+          </a:prstGeom>
+          <a:solidFill>
+            <a:srgbClr val="00B050"/>
+          </a:solidFill>
+          <a:ln w="88900">
+            <a:solidFill>
+              <a:schemeClr val="tx1"/>
+            </a:solidFill>
+          </a:ln>
+        </p:spPr>
+        <p:style>
+          <a:lnRef idx="2">
+            <a:schemeClr val="accent1">
+              <a:shade val="15000"/>
+            </a:schemeClr>
+          </a:lnRef>
+          <a:fillRef idx="1">
+            <a:schemeClr val="accent1"/>
+          </a:fillRef>
+          <a:effectRef idx="0">
+            <a:schemeClr val="accent1"/>
+          </a:effectRef>
+          <a:fontRef idx="minor">
+            <a:schemeClr val="lt1"/>
+          </a:fontRef>
+        </p:style>
+        <p:txBody>
+          <a:bodyPr rtlCol="0" anchor="ctr"/>
+          <a:lstStyle/>
+          <a:p>
+            <a:pPr algn="ctr"/>
+            <a:endParaRPr lang="es-CR"/>
+          </a:p>
+        </p:txBody>
+      </p:sp>
+      <p:sp>
+        <p:nvSpPr>
+          <p:cNvPr id="4" name="Elipse 3">
+            <a:extLst>
+              <a:ext uri="{FF2B5EF4-FFF2-40B4-BE49-F238E27FC236}">
+                <a16:creationId xmlns:a16="http://schemas.microsoft.com/office/drawing/2014/main" id="{47B2D020-C7D0-A791-7A3F-4CB2B326DF59}"/>
+              </a:ext>
+            </a:extLst>
+          </p:cNvPr>
+          <p:cNvSpPr/>
+          <p:nvPr/>
+        </p:nvSpPr>
+        <p:spPr>
+          <a:xfrm>
+            <a:off x="2354283" y="72644"/>
+            <a:ext cx="2468880" cy="2414016"/>
+          </a:xfrm>
+          <a:prstGeom prst="ellipse">
+            <a:avLst/>
+          </a:prstGeom>
+          <a:solidFill>
+            <a:srgbClr val="00B050"/>
+          </a:solidFill>
+          <a:ln w="88900">
+            <a:solidFill>
+              <a:schemeClr val="tx1"/>
+            </a:solidFill>
+          </a:ln>
+        </p:spPr>
+        <p:style>
+          <a:lnRef idx="2">
+            <a:schemeClr val="accent1">
+              <a:shade val="15000"/>
+            </a:schemeClr>
+          </a:lnRef>
+          <a:fillRef idx="1">
+            <a:schemeClr val="accent1"/>
+          </a:fillRef>
+          <a:effectRef idx="0">
+            <a:schemeClr val="accent1"/>
+          </a:effectRef>
+          <a:fontRef idx="minor">
+            <a:schemeClr val="lt1"/>
+          </a:fontRef>
+        </p:style>
+        <p:txBody>
+          <a:bodyPr rtlCol="0" anchor="ctr"/>
+          <a:lstStyle/>
+          <a:p>
+            <a:pPr algn="ctr"/>
+            <a:endParaRPr lang="es-CR"/>
+          </a:p>
+        </p:txBody>
+      </p:sp>
+      <p:sp>
+        <p:nvSpPr>
+          <p:cNvPr id="7" name="Elipse 6">
+            <a:extLst>
+              <a:ext uri="{FF2B5EF4-FFF2-40B4-BE49-F238E27FC236}">
+                <a16:creationId xmlns:a16="http://schemas.microsoft.com/office/drawing/2014/main" id="{C17D6107-2E6B-3A46-5B00-78C5F7958EFF}"/>
+              </a:ext>
+            </a:extLst>
+          </p:cNvPr>
+          <p:cNvSpPr/>
+          <p:nvPr/>
+        </p:nvSpPr>
+        <p:spPr>
+          <a:xfrm>
+            <a:off x="2354283" y="1846580"/>
+            <a:ext cx="2468880" cy="2414016"/>
+          </a:xfrm>
+          <a:prstGeom prst="ellipse">
+            <a:avLst/>
+          </a:prstGeom>
+          <a:solidFill>
+            <a:srgbClr val="00B050"/>
+          </a:solidFill>
+          <a:ln w="88900">
+            <a:solidFill>
+              <a:schemeClr val="tx1"/>
+            </a:solidFill>
+          </a:ln>
+        </p:spPr>
+        <p:style>
+          <a:lnRef idx="2">
+            <a:schemeClr val="accent1">
+              <a:shade val="15000"/>
+            </a:schemeClr>
+          </a:lnRef>
+          <a:fillRef idx="1">
+            <a:schemeClr val="accent1"/>
+          </a:fillRef>
+          <a:effectRef idx="0">
+            <a:schemeClr val="accent1"/>
+          </a:effectRef>
+          <a:fontRef idx="minor">
+            <a:schemeClr val="lt1"/>
+          </a:fontRef>
+        </p:style>
+        <p:txBody>
+          <a:bodyPr rtlCol="0" anchor="ctr"/>
+          <a:lstStyle/>
+          <a:p>
+            <a:pPr algn="ctr"/>
+            <a:endParaRPr lang="es-CR"/>
+          </a:p>
+        </p:txBody>
+      </p:sp>
+      <p:sp>
+        <p:nvSpPr>
+          <p:cNvPr id="6" name="Rectángulo 5">
+            <a:extLst>
+              <a:ext uri="{FF2B5EF4-FFF2-40B4-BE49-F238E27FC236}">
+                <a16:creationId xmlns:a16="http://schemas.microsoft.com/office/drawing/2014/main" id="{A0EBED60-6BF3-787C-4CF3-E7C681646355}"/>
+              </a:ext>
+            </a:extLst>
+          </p:cNvPr>
+          <p:cNvSpPr/>
+          <p:nvPr/>
+        </p:nvSpPr>
+        <p:spPr>
+          <a:xfrm>
+            <a:off x="2121408" y="3117088"/>
+            <a:ext cx="2934630" cy="3328416"/>
+          </a:xfrm>
+          <a:prstGeom prst="rect">
+            <a:avLst/>
+          </a:prstGeom>
+          <a:solidFill>
+            <a:srgbClr val="000000">
+              <a:alpha val="50196"/>
+            </a:srgbClr>
+          </a:solidFill>
+          <a:ln w="88900">
+            <a:solidFill>
+              <a:schemeClr val="tx1"/>
+            </a:solidFill>
+          </a:ln>
+        </p:spPr>
+        <p:style>
+          <a:lnRef idx="2">
+            <a:schemeClr val="accent1">
+              <a:shade val="15000"/>
+            </a:schemeClr>
+          </a:lnRef>
+          <a:fillRef idx="1">
+            <a:schemeClr val="accent1"/>
+          </a:fillRef>
+          <a:effectRef idx="0">
+            <a:schemeClr val="accent1"/>
+          </a:effectRef>
+          <a:fontRef idx="minor">
+            <a:schemeClr val="lt1"/>
+          </a:fontRef>
+        </p:style>
+        <p:txBody>
+          <a:bodyPr rtlCol="0" anchor="ctr"/>
+          <a:lstStyle/>
+          <a:p>
+            <a:pPr algn="ctr"/>
+            <a:endParaRPr lang="es-CR"/>
+          </a:p>
+        </p:txBody>
+      </p:sp>
+      <p:sp>
+        <p:nvSpPr>
+          <p:cNvPr id="5" name="Rectángulo 4">
+            <a:extLst>
+              <a:ext uri="{FF2B5EF4-FFF2-40B4-BE49-F238E27FC236}">
+                <a16:creationId xmlns:a16="http://schemas.microsoft.com/office/drawing/2014/main" id="{32BD7526-2D16-BB60-8D5D-C6292DCADB2D}"/>
+              </a:ext>
+            </a:extLst>
+          </p:cNvPr>
+          <p:cNvSpPr/>
+          <p:nvPr/>
+        </p:nvSpPr>
+        <p:spPr>
+          <a:xfrm>
+            <a:off x="1181100" y="-122428"/>
+            <a:ext cx="4914900" cy="3328416"/>
+          </a:xfrm>
+          <a:prstGeom prst="rect">
+            <a:avLst/>
+          </a:prstGeom>
+          <a:solidFill>
+            <a:schemeClr val="bg2">
+              <a:lumMod val="90000"/>
+            </a:schemeClr>
+          </a:solidFill>
+          <a:ln w="88900">
+            <a:noFill/>
+          </a:ln>
+        </p:spPr>
+        <p:style>
+          <a:lnRef idx="2">
+            <a:schemeClr val="accent1">
+              <a:shade val="15000"/>
+            </a:schemeClr>
+          </a:lnRef>
+          <a:fillRef idx="1">
+            <a:schemeClr val="accent1"/>
+          </a:fillRef>
+          <a:effectRef idx="0">
+            <a:schemeClr val="accent1"/>
+          </a:effectRef>
+          <a:fontRef idx="minor">
+            <a:schemeClr val="lt1"/>
+          </a:fontRef>
+        </p:style>
+        <p:txBody>
+          <a:bodyPr rtlCol="0" anchor="ctr"/>
+          <a:lstStyle/>
+          <a:p>
+            <a:pPr algn="ctr"/>
+            <a:endParaRPr lang="es-CR"/>
+          </a:p>
+        </p:txBody>
+      </p:sp>
+    </p:spTree>
+    <p:extLst>
+      <p:ext uri="{BB962C8B-B14F-4D97-AF65-F5344CB8AC3E}">
+        <p14:creationId xmlns:p14="http://schemas.microsoft.com/office/powerpoint/2010/main" val="2851746067"/>
+      </p:ext>
+    </p:extLst>
+  </p:cSld>
+  <p:clrMapOvr>
+    <a:masterClrMapping/>
+  </p:clrMapOvr>
+</p:sld>
+</file>
+
+<file path=ppt/slides/slide5.xml><?xml version="1.0" encoding="utf-8"?>
+<p:sld xmlns:a="http://schemas.openxmlformats.org/drawingml/2006/main" xmlns:r="http://schemas.openxmlformats.org/officeDocument/2006/relationships" xmlns:p="http://schemas.openxmlformats.org/presentationml/2006/main">
+  <p:cSld>
+    <p:spTree>
+      <p:nvGrpSpPr>
+        <p:cNvPr id="1" name="">
+          <a:extLst>
+            <a:ext uri="{FF2B5EF4-FFF2-40B4-BE49-F238E27FC236}">
+              <a16:creationId xmlns:a16="http://schemas.microsoft.com/office/drawing/2014/main" id="{E544D1C2-3BC2-D881-031B-0D6879F84DEC}"/>
+            </a:ext>
+          </a:extLst>
+        </p:cNvPr>
+        <p:cNvGrpSpPr/>
+        <p:nvPr/>
+      </p:nvGrpSpPr>
+      <p:grpSpPr>
+        <a:xfrm>
+          <a:off x="0" y="0"/>
+          <a:ext cx="0" cy="0"/>
+          <a:chOff x="0" y="0"/>
+          <a:chExt cx="0" cy="0"/>
+        </a:xfrm>
+      </p:grpSpPr>
+      <p:sp>
+        <p:nvSpPr>
+          <p:cNvPr id="4" name="Rectángulo 3">
+            <a:extLst>
+              <a:ext uri="{FF2B5EF4-FFF2-40B4-BE49-F238E27FC236}">
+                <a16:creationId xmlns:a16="http://schemas.microsoft.com/office/drawing/2014/main" id="{88A450C8-A3A6-4278-B033-6A6DD786B347}"/>
+              </a:ext>
+            </a:extLst>
+          </p:cNvPr>
+          <p:cNvSpPr/>
+          <p:nvPr/>
+        </p:nvSpPr>
+        <p:spPr>
+          <a:xfrm>
+            <a:off x="3153750" y="1027394"/>
+            <a:ext cx="1602000" cy="1600200"/>
+          </a:xfrm>
+          <a:prstGeom prst="rect">
+            <a:avLst/>
+          </a:prstGeom>
+          <a:solidFill>
+            <a:srgbClr val="FF6600"/>
+          </a:solidFill>
+          <a:ln w="88900">
+            <a:solidFill>
+              <a:schemeClr val="tx1"/>
+            </a:solidFill>
+          </a:ln>
+        </p:spPr>
+        <p:style>
+          <a:lnRef idx="2">
+            <a:schemeClr val="accent1">
+              <a:shade val="15000"/>
+            </a:schemeClr>
+          </a:lnRef>
+          <a:fillRef idx="1">
+            <a:schemeClr val="accent1"/>
+          </a:fillRef>
+          <a:effectRef idx="0">
+            <a:schemeClr val="accent1"/>
+          </a:effectRef>
+          <a:fontRef idx="minor">
+            <a:schemeClr val="lt1"/>
+          </a:fontRef>
+        </p:style>
+        <p:txBody>
+          <a:bodyPr rtlCol="0" anchor="ctr"/>
+          <a:lstStyle/>
+          <a:p>
+            <a:pPr algn="ctr"/>
+            <a:endParaRPr lang="es-CR"/>
+          </a:p>
+        </p:txBody>
+      </p:sp>
+      <p:sp>
+        <p:nvSpPr>
+          <p:cNvPr id="5" name="Rectángulo 4">
+            <a:extLst>
+              <a:ext uri="{FF2B5EF4-FFF2-40B4-BE49-F238E27FC236}">
+                <a16:creationId xmlns:a16="http://schemas.microsoft.com/office/drawing/2014/main" id="{B3A1B075-5D69-48E5-75C9-8A057230F729}"/>
+              </a:ext>
+            </a:extLst>
+          </p:cNvPr>
+          <p:cNvSpPr/>
+          <p:nvPr/>
+        </p:nvSpPr>
+        <p:spPr>
+          <a:xfrm>
+            <a:off x="905850" y="1027394"/>
+            <a:ext cx="1602000" cy="1600200"/>
+          </a:xfrm>
+          <a:prstGeom prst="rect">
+            <a:avLst/>
+          </a:prstGeom>
+          <a:solidFill>
+            <a:srgbClr val="FF0000"/>
+          </a:solidFill>
+          <a:ln w="88900">
+            <a:solidFill>
+              <a:schemeClr val="tx1"/>
+            </a:solidFill>
+          </a:ln>
+        </p:spPr>
+        <p:style>
+          <a:lnRef idx="2">
+            <a:schemeClr val="accent1">
+              <a:shade val="15000"/>
+            </a:schemeClr>
+          </a:lnRef>
+          <a:fillRef idx="1">
+            <a:schemeClr val="accent1"/>
+          </a:fillRef>
+          <a:effectRef idx="0">
+            <a:schemeClr val="accent1"/>
+          </a:effectRef>
+          <a:fontRef idx="minor">
+            <a:schemeClr val="lt1"/>
+          </a:fontRef>
+        </p:style>
+        <p:txBody>
+          <a:bodyPr rtlCol="0" anchor="ctr"/>
+          <a:lstStyle/>
+          <a:p>
+            <a:pPr algn="ctr"/>
+            <a:endParaRPr lang="es-CR"/>
+          </a:p>
+        </p:txBody>
+      </p:sp>
+      <p:sp>
+        <p:nvSpPr>
+          <p:cNvPr id="8" name="Rectángulo 7">
+            <a:extLst>
+              <a:ext uri="{FF2B5EF4-FFF2-40B4-BE49-F238E27FC236}">
+                <a16:creationId xmlns:a16="http://schemas.microsoft.com/office/drawing/2014/main" id="{726C5706-EAF9-6F3C-2356-A60E477E03B7}"/>
+              </a:ext>
+            </a:extLst>
+          </p:cNvPr>
+          <p:cNvSpPr/>
+          <p:nvPr/>
+        </p:nvSpPr>
+        <p:spPr>
+          <a:xfrm>
+            <a:off x="5401650" y="1027394"/>
+            <a:ext cx="1602000" cy="1600200"/>
+          </a:xfrm>
+          <a:prstGeom prst="rect">
+            <a:avLst/>
+          </a:prstGeom>
+          <a:solidFill>
+            <a:srgbClr val="00B050"/>
+          </a:solidFill>
+          <a:ln w="88900">
+            <a:solidFill>
+              <a:schemeClr val="tx1"/>
+            </a:solidFill>
+          </a:ln>
+        </p:spPr>
+        <p:style>
+          <a:lnRef idx="2">
+            <a:schemeClr val="accent1">
+              <a:shade val="15000"/>
+            </a:schemeClr>
+          </a:lnRef>
+          <a:fillRef idx="1">
+            <a:schemeClr val="accent1"/>
+          </a:fillRef>
+          <a:effectRef idx="0">
+            <a:schemeClr val="accent1"/>
+          </a:effectRef>
+          <a:fontRef idx="minor">
+            <a:schemeClr val="lt1"/>
+          </a:fontRef>
+        </p:style>
+        <p:txBody>
+          <a:bodyPr rtlCol="0" anchor="ctr"/>
+          <a:lstStyle/>
+          <a:p>
+            <a:pPr algn="ctr"/>
+            <a:endParaRPr lang="es-CR"/>
+          </a:p>
+        </p:txBody>
+      </p:sp>
+      <p:sp>
+        <p:nvSpPr>
+          <p:cNvPr id="9" name="Rectángulo 8">
+            <a:extLst>
+              <a:ext uri="{FF2B5EF4-FFF2-40B4-BE49-F238E27FC236}">
+                <a16:creationId xmlns:a16="http://schemas.microsoft.com/office/drawing/2014/main" id="{8526A8A5-E9F8-46B6-BE87-2EBA6B90B022}"/>
+              </a:ext>
+            </a:extLst>
+          </p:cNvPr>
+          <p:cNvSpPr/>
+          <p:nvPr/>
+        </p:nvSpPr>
+        <p:spPr>
+          <a:xfrm>
+            <a:off x="7649550" y="1027394"/>
+            <a:ext cx="1602000" cy="1600200"/>
+          </a:xfrm>
+          <a:prstGeom prst="rect">
+            <a:avLst/>
+          </a:prstGeom>
+          <a:solidFill>
+            <a:srgbClr val="00FFDF"/>
+          </a:solidFill>
+          <a:ln w="88900">
+            <a:solidFill>
+              <a:schemeClr val="tx1"/>
+            </a:solidFill>
+          </a:ln>
+        </p:spPr>
+        <p:style>
+          <a:lnRef idx="2">
+            <a:schemeClr val="accent1">
+              <a:shade val="15000"/>
+            </a:schemeClr>
+          </a:lnRef>
+          <a:fillRef idx="1">
+            <a:schemeClr val="accent1"/>
+          </a:fillRef>
+          <a:effectRef idx="0">
+            <a:schemeClr val="accent1"/>
+          </a:effectRef>
+          <a:fontRef idx="minor">
+            <a:schemeClr val="lt1"/>
+          </a:fontRef>
+        </p:style>
+        <p:txBody>
+          <a:bodyPr rtlCol="0" anchor="ctr"/>
+          <a:lstStyle/>
+          <a:p>
+            <a:pPr algn="ctr"/>
+            <a:endParaRPr lang="es-CR"/>
+          </a:p>
+        </p:txBody>
+      </p:sp>
+      <p:sp>
+        <p:nvSpPr>
+          <p:cNvPr id="10" name="Rectángulo 9">
+            <a:extLst>
+              <a:ext uri="{FF2B5EF4-FFF2-40B4-BE49-F238E27FC236}">
+                <a16:creationId xmlns:a16="http://schemas.microsoft.com/office/drawing/2014/main" id="{C12C80F9-67F5-5F6C-0736-F94C08EEF585}"/>
+              </a:ext>
+            </a:extLst>
+          </p:cNvPr>
+          <p:cNvSpPr/>
+          <p:nvPr/>
+        </p:nvSpPr>
+        <p:spPr>
+          <a:xfrm>
+            <a:off x="9897450" y="1027394"/>
+            <a:ext cx="1602000" cy="1600200"/>
+          </a:xfrm>
+          <a:prstGeom prst="rect">
+            <a:avLst/>
+          </a:prstGeom>
+          <a:solidFill>
+            <a:srgbClr val="76FF00"/>
+          </a:solidFill>
+          <a:ln w="88900">
+            <a:solidFill>
+              <a:schemeClr val="tx1"/>
+            </a:solidFill>
+          </a:ln>
+        </p:spPr>
+        <p:style>
+          <a:lnRef idx="2">
+            <a:schemeClr val="accent1">
+              <a:shade val="15000"/>
+            </a:schemeClr>
+          </a:lnRef>
+          <a:fillRef idx="1">
+            <a:schemeClr val="accent1"/>
+          </a:fillRef>
+          <a:effectRef idx="0">
+            <a:schemeClr val="accent1"/>
+          </a:effectRef>
+          <a:fontRef idx="minor">
+            <a:schemeClr val="lt1"/>
+          </a:fontRef>
+        </p:style>
+        <p:txBody>
+          <a:bodyPr rtlCol="0" anchor="ctr"/>
+          <a:lstStyle/>
+          <a:p>
+            <a:pPr algn="ctr"/>
+            <a:endParaRPr lang="es-CR"/>
+          </a:p>
+        </p:txBody>
+      </p:sp>
+      <p:sp>
+        <p:nvSpPr>
+          <p:cNvPr id="11" name="Rectángulo 10">
+            <a:extLst>
+              <a:ext uri="{FF2B5EF4-FFF2-40B4-BE49-F238E27FC236}">
+                <a16:creationId xmlns:a16="http://schemas.microsoft.com/office/drawing/2014/main" id="{BB12523D-E8F5-DCDB-F5DD-7C09D007414B}"/>
+              </a:ext>
+            </a:extLst>
+          </p:cNvPr>
+          <p:cNvSpPr/>
+          <p:nvPr/>
+        </p:nvSpPr>
+        <p:spPr>
+          <a:xfrm>
+            <a:off x="905850" y="3237194"/>
+            <a:ext cx="1602000" cy="1600200"/>
+          </a:xfrm>
+          <a:prstGeom prst="rect">
+            <a:avLst/>
+          </a:prstGeom>
+          <a:solidFill>
+            <a:srgbClr val="4380FF"/>
+          </a:solidFill>
+          <a:ln w="88900">
+            <a:solidFill>
+              <a:schemeClr val="tx1"/>
+            </a:solidFill>
+          </a:ln>
+        </p:spPr>
+        <p:style>
+          <a:lnRef idx="2">
+            <a:schemeClr val="accent1">
+              <a:shade val="15000"/>
+            </a:schemeClr>
+          </a:lnRef>
+          <a:fillRef idx="1">
+            <a:schemeClr val="accent1"/>
+          </a:fillRef>
+          <a:effectRef idx="0">
+            <a:schemeClr val="accent1"/>
+          </a:effectRef>
+          <a:fontRef idx="minor">
+            <a:schemeClr val="lt1"/>
+          </a:fontRef>
+        </p:style>
+        <p:txBody>
+          <a:bodyPr rtlCol="0" anchor="ctr"/>
+          <a:lstStyle/>
+          <a:p>
+            <a:pPr algn="ctr"/>
+            <a:endParaRPr lang="es-CR"/>
+          </a:p>
+        </p:txBody>
+      </p:sp>
+    </p:spTree>
+    <p:extLst>
+      <p:ext uri="{BB962C8B-B14F-4D97-AF65-F5344CB8AC3E}">
+        <p14:creationId xmlns:p14="http://schemas.microsoft.com/office/powerpoint/2010/main" val="3646456076"/>
+      </p:ext>
+    </p:extLst>
+  </p:cSld>
+  <p:clrMapOvr>
+    <a:masterClrMapping/>
+  </p:clrMapOvr>
+</p:sld>
+</file>
+
+<file path=ppt/slides/slide6.xml><?xml version="1.0" encoding="utf-8"?>
+<p:sld xmlns:a="http://schemas.openxmlformats.org/drawingml/2006/main" xmlns:r="http://schemas.openxmlformats.org/officeDocument/2006/relationships" xmlns:p="http://schemas.openxmlformats.org/presentationml/2006/main">
+  <p:cSld>
+    <p:spTree>
+      <p:nvGrpSpPr>
+        <p:cNvPr id="1" name="">
+          <a:extLst>
+            <a:ext uri="{FF2B5EF4-FFF2-40B4-BE49-F238E27FC236}">
+              <a16:creationId xmlns:a16="http://schemas.microsoft.com/office/drawing/2014/main" id="{69C534C2-BF5D-B6D1-0EE0-F1A0EA05E948}"/>
+            </a:ext>
+          </a:extLst>
+        </p:cNvPr>
+        <p:cNvGrpSpPr/>
+        <p:nvPr/>
+      </p:nvGrpSpPr>
+      <p:grpSpPr>
+        <a:xfrm>
+          <a:off x="0" y="0"/>
+          <a:ext cx="0" cy="0"/>
+          <a:chOff x="0" y="0"/>
+          <a:chExt cx="0" cy="0"/>
+        </a:xfrm>
+      </p:grpSpPr>
+      <p:sp>
+        <p:nvSpPr>
+          <p:cNvPr id="2" name="Rectángulo 1">
+            <a:extLst>
+              <a:ext uri="{FF2B5EF4-FFF2-40B4-BE49-F238E27FC236}">
+                <a16:creationId xmlns:a16="http://schemas.microsoft.com/office/drawing/2014/main" id="{69A53B07-5057-4EC2-41E7-B03AEA49018D}"/>
+              </a:ext>
+            </a:extLst>
+          </p:cNvPr>
+          <p:cNvSpPr/>
+          <p:nvPr/>
+        </p:nvSpPr>
+        <p:spPr>
+          <a:xfrm>
+            <a:off x="2225475" y="1465544"/>
+            <a:ext cx="7741050" cy="1600200"/>
+          </a:xfrm>
+          <a:prstGeom prst="rect">
+            <a:avLst/>
+          </a:prstGeom>
+          <a:gradFill>
+            <a:gsLst>
+              <a:gs pos="0">
+                <a:srgbClr val="FF6600"/>
+              </a:gs>
+              <a:gs pos="50000">
+                <a:srgbClr val="00FFDF"/>
+              </a:gs>
+            </a:gsLst>
+            <a:lin ang="0" scaled="0"/>
+          </a:gradFill>
+          <a:ln w="88900">
+            <a:solidFill>
+              <a:schemeClr val="tx1"/>
+            </a:solidFill>
+          </a:ln>
+        </p:spPr>
+        <p:style>
+          <a:lnRef idx="2">
+            <a:schemeClr val="accent1">
+              <a:shade val="15000"/>
+            </a:schemeClr>
+          </a:lnRef>
+          <a:fillRef idx="1">
+            <a:schemeClr val="accent1"/>
+          </a:fillRef>
+          <a:effectRef idx="0">
+            <a:schemeClr val="accent1"/>
+          </a:effectRef>
+          <a:fontRef idx="minor">
+            <a:schemeClr val="lt1"/>
+          </a:fontRef>
+        </p:style>
+        <p:txBody>
+          <a:bodyPr rtlCol="0" anchor="ctr"/>
+          <a:lstStyle/>
+          <a:p>
+            <a:pPr algn="ctr"/>
+            <a:endParaRPr lang="es-CR"/>
+          </a:p>
+        </p:txBody>
+      </p:sp>
+      <p:sp>
+        <p:nvSpPr>
+          <p:cNvPr id="3" name="Rectángulo 2">
+            <a:extLst>
+              <a:ext uri="{FF2B5EF4-FFF2-40B4-BE49-F238E27FC236}">
+                <a16:creationId xmlns:a16="http://schemas.microsoft.com/office/drawing/2014/main" id="{BB3B674B-02F2-BF1F-03B6-B5EBF287F38A}"/>
+              </a:ext>
+            </a:extLst>
+          </p:cNvPr>
+          <p:cNvSpPr/>
+          <p:nvPr/>
+        </p:nvSpPr>
+        <p:spPr>
+          <a:xfrm>
+            <a:off x="2225475" y="4718849"/>
+            <a:ext cx="7741050" cy="1600200"/>
+          </a:xfrm>
+          <a:prstGeom prst="rect">
+            <a:avLst/>
+          </a:prstGeom>
+          <a:gradFill>
+            <a:gsLst>
+              <a:gs pos="0">
+                <a:srgbClr val="FF6600"/>
+              </a:gs>
+              <a:gs pos="50000">
+                <a:srgbClr val="76FF00"/>
+              </a:gs>
+            </a:gsLst>
+            <a:lin ang="0" scaled="0"/>
+          </a:gradFill>
+          <a:ln w="88900">
+            <a:solidFill>
+              <a:schemeClr val="tx1"/>
+            </a:solidFill>
+          </a:ln>
+        </p:spPr>
+        <p:style>
+          <a:lnRef idx="2">
+            <a:schemeClr val="accent1">
+              <a:shade val="15000"/>
+            </a:schemeClr>
+          </a:lnRef>
+          <a:fillRef idx="1">
+            <a:schemeClr val="accent1"/>
+          </a:fillRef>
+          <a:effectRef idx="0">
+            <a:schemeClr val="accent1"/>
+          </a:effectRef>
+          <a:fontRef idx="minor">
+            <a:schemeClr val="lt1"/>
+          </a:fontRef>
+        </p:style>
+        <p:txBody>
+          <a:bodyPr rtlCol="0" anchor="ctr"/>
+          <a:lstStyle/>
+          <a:p>
+            <a:pPr algn="ctr"/>
+            <a:endParaRPr lang="es-CR"/>
+          </a:p>
+        </p:txBody>
+      </p:sp>
+      <p:sp>
+        <p:nvSpPr>
+          <p:cNvPr id="4" name="Rectángulo 3">
+            <a:extLst>
+              <a:ext uri="{FF2B5EF4-FFF2-40B4-BE49-F238E27FC236}">
+                <a16:creationId xmlns:a16="http://schemas.microsoft.com/office/drawing/2014/main" id="{1F4F050C-14E2-8460-F5C1-F6C1899D9DD5}"/>
+              </a:ext>
+            </a:extLst>
+          </p:cNvPr>
+          <p:cNvSpPr/>
+          <p:nvPr/>
+        </p:nvSpPr>
+        <p:spPr>
+          <a:xfrm>
+            <a:off x="623475" y="4718849"/>
+            <a:ext cx="1602000" cy="1600200"/>
+          </a:xfrm>
+          <a:prstGeom prst="rect">
+            <a:avLst/>
+          </a:prstGeom>
+          <a:solidFill>
+            <a:srgbClr val="FF0000"/>
+          </a:solidFill>
+          <a:ln w="88900">
+            <a:solidFill>
+              <a:schemeClr val="tx1"/>
+            </a:solidFill>
+          </a:ln>
+        </p:spPr>
+        <p:style>
+          <a:lnRef idx="2">
+            <a:schemeClr val="accent1">
+              <a:shade val="15000"/>
+            </a:schemeClr>
+          </a:lnRef>
+          <a:fillRef idx="1">
+            <a:schemeClr val="accent1"/>
+          </a:fillRef>
+          <a:effectRef idx="0">
+            <a:schemeClr val="accent1"/>
+          </a:effectRef>
+          <a:fontRef idx="minor">
+            <a:schemeClr val="lt1"/>
+          </a:fontRef>
+        </p:style>
+        <p:txBody>
+          <a:bodyPr rtlCol="0" anchor="ctr"/>
+          <a:lstStyle/>
+          <a:p>
+            <a:pPr algn="ctr"/>
+            <a:endParaRPr lang="es-CR"/>
+          </a:p>
+        </p:txBody>
+      </p:sp>
+      <p:sp>
+        <p:nvSpPr>
+          <p:cNvPr id="5" name="Rectángulo 4">
+            <a:extLst>
+              <a:ext uri="{FF2B5EF4-FFF2-40B4-BE49-F238E27FC236}">
+                <a16:creationId xmlns:a16="http://schemas.microsoft.com/office/drawing/2014/main" id="{D4FF46F2-36D9-BD22-CB64-6B9FA96EC4A8}"/>
+              </a:ext>
+            </a:extLst>
+          </p:cNvPr>
+          <p:cNvSpPr/>
+          <p:nvPr/>
+        </p:nvSpPr>
+        <p:spPr>
+          <a:xfrm>
+            <a:off x="623475" y="1465544"/>
+            <a:ext cx="1602000" cy="1600200"/>
+          </a:xfrm>
+          <a:prstGeom prst="rect">
+            <a:avLst/>
+          </a:prstGeom>
+          <a:solidFill>
+            <a:srgbClr val="FF0000"/>
+          </a:solidFill>
+          <a:ln w="88900">
+            <a:solidFill>
+              <a:schemeClr val="tx1"/>
+            </a:solidFill>
+          </a:ln>
+        </p:spPr>
+        <p:style>
+          <a:lnRef idx="2">
+            <a:schemeClr val="accent1">
+              <a:shade val="15000"/>
+            </a:schemeClr>
+          </a:lnRef>
+          <a:fillRef idx="1">
+            <a:schemeClr val="accent1"/>
+          </a:fillRef>
+          <a:effectRef idx="0">
+            <a:schemeClr val="accent1"/>
+          </a:effectRef>
+          <a:fontRef idx="minor">
+            <a:schemeClr val="lt1"/>
+          </a:fontRef>
+        </p:style>
+        <p:txBody>
+          <a:bodyPr rtlCol="0" anchor="ctr"/>
+          <a:lstStyle/>
+          <a:p>
+            <a:pPr algn="ctr"/>
+            <a:endParaRPr lang="es-CR"/>
+          </a:p>
+        </p:txBody>
+      </p:sp>
+      <p:sp>
+        <p:nvSpPr>
+          <p:cNvPr id="6" name="Rectángulo 5">
+            <a:extLst>
+              <a:ext uri="{FF2B5EF4-FFF2-40B4-BE49-F238E27FC236}">
+                <a16:creationId xmlns:a16="http://schemas.microsoft.com/office/drawing/2014/main" id="{DB41F380-7B9C-45E4-ECE6-1E3E36A22733}"/>
+              </a:ext>
+            </a:extLst>
+          </p:cNvPr>
+          <p:cNvSpPr/>
+          <p:nvPr/>
+        </p:nvSpPr>
+        <p:spPr>
+          <a:xfrm>
+            <a:off x="9966525" y="1465544"/>
+            <a:ext cx="1602000" cy="1600200"/>
+          </a:xfrm>
+          <a:prstGeom prst="rect">
+            <a:avLst/>
+          </a:prstGeom>
+          <a:solidFill>
+            <a:srgbClr val="00FFDF"/>
+          </a:solidFill>
+          <a:ln w="88900">
+            <a:solidFill>
+              <a:schemeClr val="tx1"/>
+            </a:solidFill>
+          </a:ln>
+        </p:spPr>
+        <p:style>
+          <a:lnRef idx="2">
+            <a:schemeClr val="accent1">
+              <a:shade val="15000"/>
+            </a:schemeClr>
+          </a:lnRef>
+          <a:fillRef idx="1">
+            <a:schemeClr val="accent1"/>
+          </a:fillRef>
+          <a:effectRef idx="0">
+            <a:schemeClr val="accent1"/>
+          </a:effectRef>
+          <a:fontRef idx="minor">
+            <a:schemeClr val="lt1"/>
+          </a:fontRef>
+        </p:style>
+        <p:txBody>
+          <a:bodyPr rtlCol="0" anchor="ctr"/>
+          <a:lstStyle/>
+          <a:p>
+            <a:pPr algn="ctr"/>
+            <a:endParaRPr lang="es-CR"/>
+          </a:p>
+        </p:txBody>
+      </p:sp>
+      <p:sp>
+        <p:nvSpPr>
+          <p:cNvPr id="7" name="Rectángulo 6">
+            <a:extLst>
+              <a:ext uri="{FF2B5EF4-FFF2-40B4-BE49-F238E27FC236}">
+                <a16:creationId xmlns:a16="http://schemas.microsoft.com/office/drawing/2014/main" id="{EC21A6DD-2648-D591-91DA-BB149A80E049}"/>
+              </a:ext>
+            </a:extLst>
+          </p:cNvPr>
+          <p:cNvSpPr/>
+          <p:nvPr/>
+        </p:nvSpPr>
+        <p:spPr>
+          <a:xfrm>
+            <a:off x="9966525" y="4718849"/>
+            <a:ext cx="1602000" cy="1600200"/>
+          </a:xfrm>
+          <a:prstGeom prst="rect">
+            <a:avLst/>
+          </a:prstGeom>
+          <a:solidFill>
+            <a:srgbClr val="00B050"/>
+          </a:solidFill>
+          <a:ln w="88900">
+            <a:solidFill>
+              <a:schemeClr val="tx1"/>
+            </a:solidFill>
+          </a:ln>
+        </p:spPr>
+        <p:style>
+          <a:lnRef idx="2">
+            <a:schemeClr val="accent1">
+              <a:shade val="15000"/>
+            </a:schemeClr>
+          </a:lnRef>
+          <a:fillRef idx="1">
+            <a:schemeClr val="accent1"/>
+          </a:fillRef>
+          <a:effectRef idx="0">
+            <a:schemeClr val="accent1"/>
+          </a:effectRef>
+          <a:fontRef idx="minor">
+            <a:schemeClr val="lt1"/>
+          </a:fontRef>
+        </p:style>
+        <p:txBody>
+          <a:bodyPr rtlCol="0" anchor="ctr"/>
+          <a:lstStyle/>
+          <a:p>
+            <a:pPr algn="ctr"/>
+            <a:endParaRPr lang="es-CR" dirty="0"/>
+          </a:p>
+        </p:txBody>
+      </p:sp>
+      <p:sp>
+        <p:nvSpPr>
+          <p:cNvPr id="8" name="Rectángulo 7">
+            <a:extLst>
+              <a:ext uri="{FF2B5EF4-FFF2-40B4-BE49-F238E27FC236}">
+                <a16:creationId xmlns:a16="http://schemas.microsoft.com/office/drawing/2014/main" id="{1A5E1DB3-732D-ACC3-C89F-F48EB4819D94}"/>
+              </a:ext>
+            </a:extLst>
+          </p:cNvPr>
+          <p:cNvSpPr/>
+          <p:nvPr/>
+        </p:nvSpPr>
+        <p:spPr>
+          <a:xfrm>
+            <a:off x="1644555" y="3711701"/>
+            <a:ext cx="2763942" cy="748501"/>
+          </a:xfrm>
+          <a:prstGeom prst="rect">
+            <a:avLst/>
+          </a:prstGeom>
+          <a:solidFill>
+            <a:schemeClr val="tx1"/>
+          </a:solidFill>
+          <a:ln w="88900">
+            <a:solidFill>
+              <a:schemeClr val="tx1"/>
+            </a:solidFill>
+          </a:ln>
+        </p:spPr>
+        <p:style>
+          <a:lnRef idx="2">
+            <a:schemeClr val="accent1">
+              <a:shade val="15000"/>
+            </a:schemeClr>
+          </a:lnRef>
+          <a:fillRef idx="1">
+            <a:schemeClr val="accent1"/>
+          </a:fillRef>
+          <a:effectRef idx="0">
+            <a:schemeClr val="accent1"/>
+          </a:effectRef>
+          <a:fontRef idx="minor">
+            <a:schemeClr val="lt1"/>
+          </a:fontRef>
+        </p:style>
+        <p:txBody>
+          <a:bodyPr rtlCol="0" anchor="ctr"/>
+          <a:lstStyle/>
+          <a:p>
+            <a:pPr algn="ctr"/>
+            <a:r>
+              <a:rPr lang="es-ES" sz="4400" dirty="0">
+                <a:latin typeface="8-bit Operator+ 8" panose="02060503000000000000" pitchFamily="18" charset="0"/>
+              </a:rPr>
+              <a:t>Energía</a:t>
+            </a:r>
+            <a:endParaRPr lang="es-CR" sz="4400" dirty="0">
+              <a:latin typeface="8-bit Operator+ 8" panose="02060503000000000000" pitchFamily="18" charset="0"/>
+            </a:endParaRPr>
+          </a:p>
+        </p:txBody>
+      </p:sp>
+      <p:sp>
+        <p:nvSpPr>
+          <p:cNvPr id="9" name="Rectángulo 8">
+            <a:extLst>
+              <a:ext uri="{FF2B5EF4-FFF2-40B4-BE49-F238E27FC236}">
+                <a16:creationId xmlns:a16="http://schemas.microsoft.com/office/drawing/2014/main" id="{9AC91E23-677E-244B-FBA6-1A41DE554520}"/>
+              </a:ext>
+            </a:extLst>
+          </p:cNvPr>
+          <p:cNvSpPr/>
+          <p:nvPr/>
+        </p:nvSpPr>
+        <p:spPr>
+          <a:xfrm>
+            <a:off x="1644555" y="458396"/>
+            <a:ext cx="2763942" cy="748501"/>
+          </a:xfrm>
+          <a:prstGeom prst="rect">
+            <a:avLst/>
+          </a:prstGeom>
+          <a:solidFill>
+            <a:schemeClr val="tx1"/>
+          </a:solidFill>
+          <a:ln w="88900">
+            <a:solidFill>
+              <a:schemeClr val="tx1"/>
+            </a:solidFill>
+          </a:ln>
+        </p:spPr>
+        <p:style>
+          <a:lnRef idx="2">
+            <a:schemeClr val="accent1">
+              <a:shade val="15000"/>
+            </a:schemeClr>
+          </a:lnRef>
+          <a:fillRef idx="1">
+            <a:schemeClr val="accent1"/>
+          </a:fillRef>
+          <a:effectRef idx="0">
+            <a:schemeClr val="accent1"/>
+          </a:effectRef>
+          <a:fontRef idx="minor">
+            <a:schemeClr val="lt1"/>
+          </a:fontRef>
+        </p:style>
+        <p:txBody>
+          <a:bodyPr rtlCol="0" anchor="ctr"/>
+          <a:lstStyle/>
+          <a:p>
+            <a:pPr algn="ctr"/>
+            <a:r>
+              <a:rPr lang="es-ES" sz="4400" dirty="0">
+                <a:latin typeface="8-bit Operator+ 8" panose="02060503000000000000" pitchFamily="18" charset="0"/>
+              </a:rPr>
+              <a:t>Hambre</a:t>
+            </a:r>
+            <a:endParaRPr lang="es-CR" sz="4400" dirty="0">
+              <a:latin typeface="8-bit Operator+ 8" panose="02060503000000000000" pitchFamily="18" charset="0"/>
+            </a:endParaRPr>
+          </a:p>
+        </p:txBody>
+      </p:sp>
+    </p:spTree>
+    <p:extLst>
+      <p:ext uri="{BB962C8B-B14F-4D97-AF65-F5344CB8AC3E}">
+        <p14:creationId xmlns:p14="http://schemas.microsoft.com/office/powerpoint/2010/main" val="2771488259"/>
+      </p:ext>
+    </p:extLst>
+  </p:cSld>
+  <p:clrMapOvr>
+    <a:masterClrMapping/>
+  </p:clrMapOvr>
+</p:sld>
+</file>
+
+<file path=ppt/slides/slide7.xml><?xml version="1.0" encoding="utf-8"?>
+<p:sld xmlns:a="http://schemas.openxmlformats.org/drawingml/2006/main" xmlns:r="http://schemas.openxmlformats.org/officeDocument/2006/relationships" xmlns:p="http://schemas.openxmlformats.org/presentationml/2006/main">
+  <p:cSld>
+    <p:spTree>
+      <p:nvGrpSpPr>
+        <p:cNvPr id="1" name=""/>
+        <p:cNvGrpSpPr/>
+        <p:nvPr/>
+      </p:nvGrpSpPr>
+      <p:grpSpPr>
+        <a:xfrm>
+          <a:off x="0" y="0"/>
+          <a:ext cx="0" cy="0"/>
+          <a:chOff x="0" y="0"/>
+          <a:chExt cx="0" cy="0"/>
+        </a:xfrm>
+      </p:grpSpPr>
+      <p:sp>
+        <p:nvSpPr>
+          <p:cNvPr id="2" name="Rectángulo 1">
+            <a:extLst>
+              <a:ext uri="{FF2B5EF4-FFF2-40B4-BE49-F238E27FC236}">
+                <a16:creationId xmlns:a16="http://schemas.microsoft.com/office/drawing/2014/main" id="{39B79B21-5EE8-15CA-734C-90E044ED1DAF}"/>
+              </a:ext>
+            </a:extLst>
+          </p:cNvPr>
+          <p:cNvSpPr/>
+          <p:nvPr/>
+        </p:nvSpPr>
+        <p:spPr>
+          <a:xfrm>
+            <a:off x="1283208" y="1027394"/>
+            <a:ext cx="8604504" cy="1600200"/>
+          </a:xfrm>
+          <a:prstGeom prst="rect">
+            <a:avLst/>
+          </a:prstGeom>
+          <a:gradFill>
+            <a:gsLst>
+              <a:gs pos="0">
+                <a:srgbClr val="FF0000"/>
+              </a:gs>
+              <a:gs pos="100000">
+                <a:srgbClr val="00FFDF"/>
+              </a:gs>
+            </a:gsLst>
+            <a:lin ang="0" scaled="0"/>
+          </a:gradFill>
+          <a:ln w="88900">
+            <a:solidFill>
+              <a:schemeClr val="tx1"/>
+            </a:solidFill>
+          </a:ln>
+        </p:spPr>
+        <p:style>
+          <a:lnRef idx="2">
+            <a:schemeClr val="accent1">
+              <a:shade val="15000"/>
+            </a:schemeClr>
+          </a:lnRef>
+          <a:fillRef idx="1">
+            <a:schemeClr val="accent1"/>
+          </a:fillRef>
+          <a:effectRef idx="0">
+            <a:schemeClr val="accent1"/>
+          </a:effectRef>
+          <a:fontRef idx="minor">
+            <a:schemeClr val="lt1"/>
+          </a:fontRef>
+        </p:style>
+        <p:txBody>
+          <a:bodyPr rtlCol="0" anchor="ctr"/>
+          <a:lstStyle/>
+          <a:p>
+            <a:pPr algn="ctr"/>
+            <a:endParaRPr lang="es-CR"/>
+          </a:p>
+        </p:txBody>
+      </p:sp>
+      <p:sp>
+        <p:nvSpPr>
+          <p:cNvPr id="3" name="Rectángulo 2">
+            <a:extLst>
+              <a:ext uri="{FF2B5EF4-FFF2-40B4-BE49-F238E27FC236}">
+                <a16:creationId xmlns:a16="http://schemas.microsoft.com/office/drawing/2014/main" id="{F1B47DD1-9BB7-B89B-DA1F-8ADD19CB863F}"/>
+              </a:ext>
+            </a:extLst>
+          </p:cNvPr>
+          <p:cNvSpPr/>
+          <p:nvPr/>
+        </p:nvSpPr>
+        <p:spPr>
+          <a:xfrm>
+            <a:off x="1283208" y="3429000"/>
+            <a:ext cx="8604504" cy="1600200"/>
+          </a:xfrm>
+          <a:prstGeom prst="rect">
+            <a:avLst/>
+          </a:prstGeom>
+          <a:gradFill>
+            <a:gsLst>
+              <a:gs pos="0">
+                <a:srgbClr val="FF0000"/>
+              </a:gs>
+              <a:gs pos="100000">
+                <a:srgbClr val="76FF00"/>
+              </a:gs>
+            </a:gsLst>
+            <a:lin ang="0" scaled="0"/>
+          </a:gradFill>
+          <a:ln w="88900">
+            <a:solidFill>
+              <a:schemeClr val="tx1"/>
+            </a:solidFill>
+          </a:ln>
+        </p:spPr>
+        <p:style>
+          <a:lnRef idx="2">
+            <a:schemeClr val="accent1">
+              <a:shade val="15000"/>
+            </a:schemeClr>
+          </a:lnRef>
+          <a:fillRef idx="1">
+            <a:schemeClr val="accent1"/>
+          </a:fillRef>
+          <a:effectRef idx="0">
+            <a:schemeClr val="accent1"/>
+          </a:effectRef>
+          <a:fontRef idx="minor">
+            <a:schemeClr val="lt1"/>
+          </a:fontRef>
+        </p:style>
+        <p:txBody>
+          <a:bodyPr rtlCol="0" anchor="ctr"/>
+          <a:lstStyle/>
+          <a:p>
+            <a:pPr algn="ctr"/>
+            <a:endParaRPr lang="es-CR"/>
+          </a:p>
+        </p:txBody>
+      </p:sp>
+    </p:spTree>
+    <p:extLst>
+      <p:ext uri="{BB962C8B-B14F-4D97-AF65-F5344CB8AC3E}">
+        <p14:creationId xmlns:p14="http://schemas.microsoft.com/office/powerpoint/2010/main" val="1532521925"/>
+      </p:ext>
+    </p:extLst>
+  </p:cSld>
+  <p:clrMapOvr>
+    <a:masterClrMapping/>
+  </p:clrMapOvr>
+</p:sld>
+</file>
+
+<file path=ppt/slides/slide8.xml><?xml version="1.0" encoding="utf-8"?>
+<p:sld xmlns:a="http://schemas.openxmlformats.org/drawingml/2006/main" xmlns:r="http://schemas.openxmlformats.org/officeDocument/2006/relationships" xmlns:p="http://schemas.openxmlformats.org/presentationml/2006/main">
+  <p:cSld>
+    <p:spTree>
+      <p:nvGrpSpPr>
+        <p:cNvPr id="1" name="">
+          <a:extLst>
+            <a:ext uri="{FF2B5EF4-FFF2-40B4-BE49-F238E27FC236}">
+              <a16:creationId xmlns:a16="http://schemas.microsoft.com/office/drawing/2014/main" id="{51652DF1-F268-B606-12F8-E9335268E023}"/>
+            </a:ext>
+          </a:extLst>
+        </p:cNvPr>
+        <p:cNvGrpSpPr/>
+        <p:nvPr/>
+      </p:nvGrpSpPr>
+      <p:grpSpPr>
+        <a:xfrm>
+          <a:off x="0" y="0"/>
+          <a:ext cx="0" cy="0"/>
+          <a:chOff x="0" y="0"/>
+          <a:chExt cx="0" cy="0"/>
+        </a:xfrm>
+      </p:grpSpPr>
+      <p:sp>
+        <p:nvSpPr>
+          <p:cNvPr id="2" name="Rectángulo 1">
+            <a:extLst>
+              <a:ext uri="{FF2B5EF4-FFF2-40B4-BE49-F238E27FC236}">
+                <a16:creationId xmlns:a16="http://schemas.microsoft.com/office/drawing/2014/main" id="{89137E62-EEC4-B88A-B54E-58888EA4CF8A}"/>
+              </a:ext>
+            </a:extLst>
+          </p:cNvPr>
+          <p:cNvSpPr/>
+          <p:nvPr/>
+        </p:nvSpPr>
+        <p:spPr>
+          <a:xfrm>
+            <a:off x="1283208" y="1027394"/>
+            <a:ext cx="8604504" cy="1600200"/>
+          </a:xfrm>
+          <a:prstGeom prst="rect">
+            <a:avLst/>
+          </a:prstGeom>
+          <a:gradFill>
+            <a:gsLst>
+              <a:gs pos="0">
+                <a:srgbClr val="FF0000"/>
+              </a:gs>
+              <a:gs pos="50000">
+                <a:srgbClr val="00FFDF"/>
+              </a:gs>
+            </a:gsLst>
+            <a:lin ang="0" scaled="0"/>
+          </a:gradFill>
+          <a:ln w="88900">
+            <a:solidFill>
+              <a:schemeClr val="tx1"/>
+            </a:solidFill>
+          </a:ln>
+        </p:spPr>
+        <p:style>
+          <a:lnRef idx="2">
+            <a:schemeClr val="accent1">
+              <a:shade val="15000"/>
+            </a:schemeClr>
+          </a:lnRef>
+          <a:fillRef idx="1">
+            <a:schemeClr val="accent1"/>
+          </a:fillRef>
+          <a:effectRef idx="0">
+            <a:schemeClr val="accent1"/>
+          </a:effectRef>
+          <a:fontRef idx="minor">
+            <a:schemeClr val="lt1"/>
+          </a:fontRef>
+        </p:style>
+        <p:txBody>
+          <a:bodyPr rtlCol="0" anchor="ctr"/>
+          <a:lstStyle/>
+          <a:p>
+            <a:pPr algn="ctr"/>
+            <a:endParaRPr lang="es-CR"/>
+          </a:p>
+        </p:txBody>
+      </p:sp>
+      <p:sp>
+        <p:nvSpPr>
+          <p:cNvPr id="3" name="Rectángulo 2">
+            <a:extLst>
+              <a:ext uri="{FF2B5EF4-FFF2-40B4-BE49-F238E27FC236}">
+                <a16:creationId xmlns:a16="http://schemas.microsoft.com/office/drawing/2014/main" id="{272E7DE4-D816-4F20-F5FE-A30F872F584A}"/>
+              </a:ext>
+            </a:extLst>
+          </p:cNvPr>
+          <p:cNvSpPr/>
+          <p:nvPr/>
+        </p:nvSpPr>
+        <p:spPr>
+          <a:xfrm>
+            <a:off x="1283208" y="3429000"/>
+            <a:ext cx="8604504" cy="1600200"/>
+          </a:xfrm>
+          <a:prstGeom prst="rect">
+            <a:avLst/>
+          </a:prstGeom>
+          <a:gradFill>
+            <a:gsLst>
+              <a:gs pos="0">
+                <a:srgbClr val="FF0000"/>
+              </a:gs>
+              <a:gs pos="50000">
+                <a:srgbClr val="76FF00"/>
+              </a:gs>
+            </a:gsLst>
+            <a:lin ang="0" scaled="0"/>
+          </a:gradFill>
+          <a:ln w="88900">
+            <a:solidFill>
+              <a:schemeClr val="tx1"/>
+            </a:solidFill>
+          </a:ln>
+        </p:spPr>
+        <p:style>
+          <a:lnRef idx="2">
+            <a:schemeClr val="accent1">
+              <a:shade val="15000"/>
+            </a:schemeClr>
+          </a:lnRef>
+          <a:fillRef idx="1">
+            <a:schemeClr val="accent1"/>
+          </a:fillRef>
+          <a:effectRef idx="0">
+            <a:schemeClr val="accent1"/>
+          </a:effectRef>
+          <a:fontRef idx="minor">
+            <a:schemeClr val="lt1"/>
+          </a:fontRef>
+        </p:style>
+        <p:txBody>
+          <a:bodyPr rtlCol="0" anchor="ctr"/>
+          <a:lstStyle/>
+          <a:p>
+            <a:pPr algn="ctr"/>
+            <a:endParaRPr lang="es-CR"/>
+          </a:p>
+        </p:txBody>
+      </p:sp>
+    </p:spTree>
+    <p:extLst>
+      <p:ext uri="{BB962C8B-B14F-4D97-AF65-F5344CB8AC3E}">
+        <p14:creationId xmlns:p14="http://schemas.microsoft.com/office/powerpoint/2010/main" val="383456091"/>
+      </p:ext>
+    </p:extLst>
+  </p:cSld>
+  <p:clrMapOvr>
+    <a:masterClrMapping/>
+  </p:clrMapOvr>
+</p:sld>
+</file>
+
+<file path=ppt/slides/slide9.xml><?xml version="1.0" encoding="utf-8"?>
+<p:sld xmlns:a="http://schemas.openxmlformats.org/drawingml/2006/main" xmlns:r="http://schemas.openxmlformats.org/officeDocument/2006/relationships" xmlns:p="http://schemas.openxmlformats.org/presentationml/2006/main">
+  <p:cSld>
+    <p:spTree>
+      <p:nvGrpSpPr>
+        <p:cNvPr id="1" name="">
+          <a:extLst>
+            <a:ext uri="{FF2B5EF4-FFF2-40B4-BE49-F238E27FC236}">
+              <a16:creationId xmlns:a16="http://schemas.microsoft.com/office/drawing/2014/main" id="{6838BFD1-A7E0-861D-7347-70631E7B17BC}"/>
+            </a:ext>
+          </a:extLst>
+        </p:cNvPr>
+        <p:cNvGrpSpPr/>
+        <p:nvPr/>
+      </p:nvGrpSpPr>
+      <p:grpSpPr>
+        <a:xfrm>
+          <a:off x="0" y="0"/>
+          <a:ext cx="0" cy="0"/>
+          <a:chOff x="0" y="0"/>
+          <a:chExt cx="0" cy="0"/>
+        </a:xfrm>
+      </p:grpSpPr>
+      <p:sp>
+        <p:nvSpPr>
+          <p:cNvPr id="2" name="Rectángulo 1">
+            <a:extLst>
+              <a:ext uri="{FF2B5EF4-FFF2-40B4-BE49-F238E27FC236}">
+                <a16:creationId xmlns:a16="http://schemas.microsoft.com/office/drawing/2014/main" id="{6F05AF94-4BB2-9A09-BE2F-B5B71EA1EA9E}"/>
+              </a:ext>
+            </a:extLst>
+          </p:cNvPr>
+          <p:cNvSpPr/>
+          <p:nvPr/>
+        </p:nvSpPr>
+        <p:spPr>
+          <a:xfrm>
+            <a:off x="1283208" y="1027394"/>
+            <a:ext cx="8604504" cy="1600200"/>
+          </a:xfrm>
+          <a:prstGeom prst="rect">
+            <a:avLst/>
+          </a:prstGeom>
+          <a:gradFill>
+            <a:gsLst>
+              <a:gs pos="0">
+                <a:srgbClr val="FF0000"/>
+              </a:gs>
+              <a:gs pos="25000">
+                <a:srgbClr val="00FFDF"/>
+              </a:gs>
+            </a:gsLst>
+            <a:lin ang="0" scaled="0"/>
+          </a:gradFill>
+          <a:ln w="88900">
+            <a:solidFill>
+              <a:schemeClr val="tx1"/>
+            </a:solidFill>
+          </a:ln>
+        </p:spPr>
+        <p:style>
+          <a:lnRef idx="2">
+            <a:schemeClr val="accent1">
+              <a:shade val="15000"/>
+            </a:schemeClr>
+          </a:lnRef>
+          <a:fillRef idx="1">
+            <a:schemeClr val="accent1"/>
+          </a:fillRef>
+          <a:effectRef idx="0">
+            <a:schemeClr val="accent1"/>
+          </a:effectRef>
+          <a:fontRef idx="minor">
+            <a:schemeClr val="lt1"/>
+          </a:fontRef>
+        </p:style>
+        <p:txBody>
+          <a:bodyPr rtlCol="0" anchor="ctr"/>
+          <a:lstStyle/>
+          <a:p>
+            <a:pPr algn="ctr"/>
+            <a:endParaRPr lang="es-CR"/>
+          </a:p>
+        </p:txBody>
+      </p:sp>
+      <p:sp>
+        <p:nvSpPr>
+          <p:cNvPr id="3" name="Rectángulo 2">
+            <a:extLst>
+              <a:ext uri="{FF2B5EF4-FFF2-40B4-BE49-F238E27FC236}">
+                <a16:creationId xmlns:a16="http://schemas.microsoft.com/office/drawing/2014/main" id="{CB5C3B00-ED90-0D83-F0C5-07406791724C}"/>
+              </a:ext>
+            </a:extLst>
+          </p:cNvPr>
+          <p:cNvSpPr/>
+          <p:nvPr/>
+        </p:nvSpPr>
+        <p:spPr>
+          <a:xfrm>
+            <a:off x="1283208" y="3429000"/>
+            <a:ext cx="8604504" cy="1600200"/>
+          </a:xfrm>
+          <a:prstGeom prst="rect">
+            <a:avLst/>
+          </a:prstGeom>
+          <a:gradFill>
+            <a:gsLst>
+              <a:gs pos="0">
+                <a:srgbClr val="FF0000"/>
+              </a:gs>
+              <a:gs pos="25000">
+                <a:srgbClr val="76FF00"/>
+              </a:gs>
+            </a:gsLst>
+            <a:lin ang="0" scaled="0"/>
+          </a:gradFill>
+          <a:ln w="88900">
+            <a:solidFill>
+              <a:schemeClr val="tx1"/>
+            </a:solidFill>
+          </a:ln>
+        </p:spPr>
+        <p:style>
+          <a:lnRef idx="2">
+            <a:schemeClr val="accent1">
+              <a:shade val="15000"/>
+            </a:schemeClr>
+          </a:lnRef>
+          <a:fillRef idx="1">
+            <a:schemeClr val="accent1"/>
+          </a:fillRef>
+          <a:effectRef idx="0">
+            <a:schemeClr val="accent1"/>
+          </a:effectRef>
+          <a:fontRef idx="minor">
+            <a:schemeClr val="lt1"/>
+          </a:fontRef>
+        </p:style>
+        <p:txBody>
+          <a:bodyPr rtlCol="0" anchor="ctr"/>
+          <a:lstStyle/>
+          <a:p>
+            <a:pPr algn="ctr"/>
+            <a:endParaRPr lang="es-CR"/>
+          </a:p>
+        </p:txBody>
+      </p:sp>
+    </p:spTree>
+    <p:extLst>
+      <p:ext uri="{BB962C8B-B14F-4D97-AF65-F5344CB8AC3E}">
+        <p14:creationId xmlns:p14="http://schemas.microsoft.com/office/powerpoint/2010/main" val="444509655"/>
       </p:ext>
     </p:extLst>
   </p:cSld>

--- a/Documentacion/Sprites o imagenes/Sprites.pptx
+++ b/Documentacion/Sprites o imagenes/Sprites.pptx
@@ -5,26 +5,28 @@
     <p:sldMasterId id="2147483648" r:id="rId1"/>
   </p:sldMasterIdLst>
   <p:notesMasterIdLst>
-    <p:notesMasterId r:id="rId19"/>
+    <p:notesMasterId r:id="rId21"/>
   </p:notesMasterIdLst>
   <p:sldIdLst>
-    <p:sldId id="269" r:id="rId2"/>
-    <p:sldId id="270" r:id="rId3"/>
-    <p:sldId id="271" r:id="rId4"/>
-    <p:sldId id="272" r:id="rId5"/>
-    <p:sldId id="268" r:id="rId6"/>
-    <p:sldId id="267" r:id="rId7"/>
-    <p:sldId id="263" r:id="rId8"/>
-    <p:sldId id="264" r:id="rId9"/>
-    <p:sldId id="265" r:id="rId10"/>
-    <p:sldId id="266" r:id="rId11"/>
-    <p:sldId id="262" r:id="rId12"/>
-    <p:sldId id="261" r:id="rId13"/>
-    <p:sldId id="256" r:id="rId14"/>
-    <p:sldId id="257" r:id="rId15"/>
-    <p:sldId id="258" r:id="rId16"/>
-    <p:sldId id="259" r:id="rId17"/>
-    <p:sldId id="260" r:id="rId18"/>
+    <p:sldId id="273" r:id="rId2"/>
+    <p:sldId id="274" r:id="rId3"/>
+    <p:sldId id="269" r:id="rId4"/>
+    <p:sldId id="270" r:id="rId5"/>
+    <p:sldId id="271" r:id="rId6"/>
+    <p:sldId id="272" r:id="rId7"/>
+    <p:sldId id="268" r:id="rId8"/>
+    <p:sldId id="267" r:id="rId9"/>
+    <p:sldId id="263" r:id="rId10"/>
+    <p:sldId id="264" r:id="rId11"/>
+    <p:sldId id="265" r:id="rId12"/>
+    <p:sldId id="266" r:id="rId13"/>
+    <p:sldId id="262" r:id="rId14"/>
+    <p:sldId id="261" r:id="rId15"/>
+    <p:sldId id="256" r:id="rId16"/>
+    <p:sldId id="257" r:id="rId17"/>
+    <p:sldId id="258" r:id="rId18"/>
+    <p:sldId id="259" r:id="rId19"/>
+    <p:sldId id="260" r:id="rId20"/>
   </p:sldIdLst>
   <p:sldSz cx="12192000" cy="6858000"/>
   <p:notesSz cx="6858000" cy="9144000"/>
@@ -126,6 +128,12 @@
   <p:extLst>
     <p:ext uri="{521415D9-36F7-43E2-AB2F-B90AF26B5E84}">
       <p14:sectionLst xmlns:p14="http://schemas.microsoft.com/office/powerpoint/2010/main">
+        <p14:section name="Sprites" id="{F3BB8E3E-2E35-413D-80E8-BA90BD46A46A}">
+          <p14:sldIdLst>
+            <p14:sldId id="273"/>
+            <p14:sldId id="274"/>
+          </p14:sldIdLst>
+        </p14:section>
         <p14:section name="Puerta" id="{7C311C67-4489-4678-AFCA-EFD95D4510B3}">
           <p14:sldIdLst>
             <p14:sldId id="269"/>
@@ -262,7 +270,7 @@
           <a:p>
             <a:fld id="{019ED992-5630-49CB-AAB3-1739CCFCA183}" type="datetimeFigureOut">
               <a:rPr lang="es-CR" smtClean="0"/>
-              <a:t>3/11/2024</a:t>
+              <a:t>5/11/2024</a:t>
             </a:fld>
             <a:endParaRPr lang="es-CR"/>
           </a:p>
@@ -595,7 +603,7 @@
           <a:p>
             <a:fld id="{31023962-D872-411F-99A7-2359604E1F56}" type="slidenum">
               <a:rPr lang="es-CR" smtClean="0"/>
-              <a:t>11</a:t>
+              <a:t>13</a:t>
             </a:fld>
             <a:endParaRPr lang="es-CR"/>
           </a:p>
@@ -763,7 +771,7 @@
           <a:p>
             <a:fld id="{2184BA85-EC42-4704-A8A2-A215E817F459}" type="datetimeFigureOut">
               <a:rPr lang="es-CR" smtClean="0"/>
-              <a:t>3/11/2024</a:t>
+              <a:t>5/11/2024</a:t>
             </a:fld>
             <a:endParaRPr lang="es-CR"/>
           </a:p>
@@ -963,7 +971,7 @@
           <a:p>
             <a:fld id="{2184BA85-EC42-4704-A8A2-A215E817F459}" type="datetimeFigureOut">
               <a:rPr lang="es-CR" smtClean="0"/>
-              <a:t>3/11/2024</a:t>
+              <a:t>5/11/2024</a:t>
             </a:fld>
             <a:endParaRPr lang="es-CR"/>
           </a:p>
@@ -1173,7 +1181,7 @@
           <a:p>
             <a:fld id="{2184BA85-EC42-4704-A8A2-A215E817F459}" type="datetimeFigureOut">
               <a:rPr lang="es-CR" smtClean="0"/>
-              <a:t>3/11/2024</a:t>
+              <a:t>5/11/2024</a:t>
             </a:fld>
             <a:endParaRPr lang="es-CR"/>
           </a:p>
@@ -1373,7 +1381,7 @@
           <a:p>
             <a:fld id="{2184BA85-EC42-4704-A8A2-A215E817F459}" type="datetimeFigureOut">
               <a:rPr lang="es-CR" smtClean="0"/>
-              <a:t>3/11/2024</a:t>
+              <a:t>5/11/2024</a:t>
             </a:fld>
             <a:endParaRPr lang="es-CR"/>
           </a:p>
@@ -1649,7 +1657,7 @@
           <a:p>
             <a:fld id="{2184BA85-EC42-4704-A8A2-A215E817F459}" type="datetimeFigureOut">
               <a:rPr lang="es-CR" smtClean="0"/>
-              <a:t>3/11/2024</a:t>
+              <a:t>5/11/2024</a:t>
             </a:fld>
             <a:endParaRPr lang="es-CR"/>
           </a:p>
@@ -1917,7 +1925,7 @@
           <a:p>
             <a:fld id="{2184BA85-EC42-4704-A8A2-A215E817F459}" type="datetimeFigureOut">
               <a:rPr lang="es-CR" smtClean="0"/>
-              <a:t>3/11/2024</a:t>
+              <a:t>5/11/2024</a:t>
             </a:fld>
             <a:endParaRPr lang="es-CR"/>
           </a:p>
@@ -2332,7 +2340,7 @@
           <a:p>
             <a:fld id="{2184BA85-EC42-4704-A8A2-A215E817F459}" type="datetimeFigureOut">
               <a:rPr lang="es-CR" smtClean="0"/>
-              <a:t>3/11/2024</a:t>
+              <a:t>5/11/2024</a:t>
             </a:fld>
             <a:endParaRPr lang="es-CR"/>
           </a:p>
@@ -2474,7 +2482,7 @@
           <a:p>
             <a:fld id="{2184BA85-EC42-4704-A8A2-A215E817F459}" type="datetimeFigureOut">
               <a:rPr lang="es-CR" smtClean="0"/>
-              <a:t>3/11/2024</a:t>
+              <a:t>5/11/2024</a:t>
             </a:fld>
             <a:endParaRPr lang="es-CR"/>
           </a:p>
@@ -2587,7 +2595,7 @@
           <a:p>
             <a:fld id="{2184BA85-EC42-4704-A8A2-A215E817F459}" type="datetimeFigureOut">
               <a:rPr lang="es-CR" smtClean="0"/>
-              <a:t>3/11/2024</a:t>
+              <a:t>5/11/2024</a:t>
             </a:fld>
             <a:endParaRPr lang="es-CR"/>
           </a:p>
@@ -2900,7 +2908,7 @@
           <a:p>
             <a:fld id="{2184BA85-EC42-4704-A8A2-A215E817F459}" type="datetimeFigureOut">
               <a:rPr lang="es-CR" smtClean="0"/>
-              <a:t>3/11/2024</a:t>
+              <a:t>5/11/2024</a:t>
             </a:fld>
             <a:endParaRPr lang="es-CR"/>
           </a:p>
@@ -3189,7 +3197,7 @@
           <a:p>
             <a:fld id="{2184BA85-EC42-4704-A8A2-A215E817F459}" type="datetimeFigureOut">
               <a:rPr lang="es-CR" smtClean="0"/>
-              <a:t>3/11/2024</a:t>
+              <a:t>5/11/2024</a:t>
             </a:fld>
             <a:endParaRPr lang="es-CR"/>
           </a:p>
@@ -3432,7 +3440,7 @@
           <a:p>
             <a:fld id="{2184BA85-EC42-4704-A8A2-A215E817F459}" type="datetimeFigureOut">
               <a:rPr lang="es-CR" smtClean="0"/>
-              <a:t>3/11/2024</a:t>
+              <a:t>5/11/2024</a:t>
             </a:fld>
             <a:endParaRPr lang="es-CR"/>
           </a:p>
@@ -3837,10 +3845,364 @@
   <p:cSld>
     <p:spTree>
       <p:nvGrpSpPr>
+        <p:cNvPr id="1" name=""/>
+        <p:cNvGrpSpPr/>
+        <p:nvPr/>
+      </p:nvGrpSpPr>
+      <p:grpSpPr>
+        <a:xfrm>
+          <a:off x="0" y="0"/>
+          <a:ext cx="0" cy="0"/>
+          <a:chOff x="0" y="0"/>
+          <a:chExt cx="0" cy="0"/>
+        </a:xfrm>
+      </p:grpSpPr>
+      <p:sp>
+        <p:nvSpPr>
+          <p:cNvPr id="2" name="Elipse 1">
+            <a:extLst>
+              <a:ext uri="{FF2B5EF4-FFF2-40B4-BE49-F238E27FC236}">
+                <a16:creationId xmlns:a16="http://schemas.microsoft.com/office/drawing/2014/main" id="{03FD5854-3717-11A3-B060-2592F9F124EA}"/>
+              </a:ext>
+            </a:extLst>
+          </p:cNvPr>
+          <p:cNvSpPr/>
+          <p:nvPr/>
+        </p:nvSpPr>
+        <p:spPr>
+          <a:xfrm>
+            <a:off x="2470065" y="875115"/>
+            <a:ext cx="2415600" cy="2414016"/>
+          </a:xfrm>
+          <a:prstGeom prst="ellipse">
+            <a:avLst/>
+          </a:prstGeom>
+          <a:solidFill>
+            <a:srgbClr val="00B050"/>
+          </a:solidFill>
+          <a:ln w="190500">
+            <a:solidFill>
+              <a:schemeClr val="tx1"/>
+            </a:solidFill>
+          </a:ln>
+        </p:spPr>
+        <p:style>
+          <a:lnRef idx="2">
+            <a:schemeClr val="accent1">
+              <a:shade val="15000"/>
+            </a:schemeClr>
+          </a:lnRef>
+          <a:fillRef idx="1">
+            <a:schemeClr val="accent1"/>
+          </a:fillRef>
+          <a:effectRef idx="0">
+            <a:schemeClr val="accent1"/>
+          </a:effectRef>
+          <a:fontRef idx="minor">
+            <a:schemeClr val="lt1"/>
+          </a:fontRef>
+        </p:style>
+        <p:txBody>
+          <a:bodyPr rtlCol="0" anchor="ctr"/>
+          <a:lstStyle/>
+          <a:p>
+            <a:pPr algn="ctr"/>
+            <a:endParaRPr lang="es-CR"/>
+          </a:p>
+        </p:txBody>
+      </p:sp>
+      <p:sp>
+        <p:nvSpPr>
+          <p:cNvPr id="3" name="Rectángulo 2">
+            <a:extLst>
+              <a:ext uri="{FF2B5EF4-FFF2-40B4-BE49-F238E27FC236}">
+                <a16:creationId xmlns:a16="http://schemas.microsoft.com/office/drawing/2014/main" id="{AE948BC0-1EAB-CEE0-86FF-670CD6608825}"/>
+              </a:ext>
+            </a:extLst>
+          </p:cNvPr>
+          <p:cNvSpPr/>
+          <p:nvPr/>
+        </p:nvSpPr>
+        <p:spPr>
+          <a:xfrm>
+            <a:off x="3509590" y="1590675"/>
+            <a:ext cx="100385" cy="150282"/>
+          </a:xfrm>
+          <a:prstGeom prst="rect">
+            <a:avLst/>
+          </a:prstGeom>
+          <a:solidFill>
+            <a:schemeClr val="tx1"/>
+          </a:solidFill>
+          <a:ln w="190500">
+            <a:solidFill>
+              <a:schemeClr val="tx1"/>
+            </a:solidFill>
+          </a:ln>
+        </p:spPr>
+        <p:style>
+          <a:lnRef idx="2">
+            <a:schemeClr val="accent1">
+              <a:shade val="15000"/>
+            </a:schemeClr>
+          </a:lnRef>
+          <a:fillRef idx="1">
+            <a:schemeClr val="accent1"/>
+          </a:fillRef>
+          <a:effectRef idx="0">
+            <a:schemeClr val="accent1"/>
+          </a:effectRef>
+          <a:fontRef idx="minor">
+            <a:schemeClr val="lt1"/>
+          </a:fontRef>
+        </p:style>
+        <p:txBody>
+          <a:bodyPr rtlCol="0" anchor="ctr"/>
+          <a:lstStyle/>
+          <a:p>
+            <a:pPr algn="ctr"/>
+            <a:endParaRPr lang="es-CR"/>
+          </a:p>
+        </p:txBody>
+      </p:sp>
+      <p:sp>
+        <p:nvSpPr>
+          <p:cNvPr id="4" name="Rectángulo 3">
+            <a:extLst>
+              <a:ext uri="{FF2B5EF4-FFF2-40B4-BE49-F238E27FC236}">
+                <a16:creationId xmlns:a16="http://schemas.microsoft.com/office/drawing/2014/main" id="{61D1F642-A9BF-B359-8B28-E0AA9C8C298C}"/>
+              </a:ext>
+            </a:extLst>
+          </p:cNvPr>
+          <p:cNvSpPr/>
+          <p:nvPr/>
+        </p:nvSpPr>
+        <p:spPr>
+          <a:xfrm>
+            <a:off x="4097242" y="1590675"/>
+            <a:ext cx="100385" cy="150282"/>
+          </a:xfrm>
+          <a:prstGeom prst="rect">
+            <a:avLst/>
+          </a:prstGeom>
+          <a:solidFill>
+            <a:schemeClr val="tx1"/>
+          </a:solidFill>
+          <a:ln w="190500">
+            <a:solidFill>
+              <a:schemeClr val="tx1"/>
+            </a:solidFill>
+          </a:ln>
+        </p:spPr>
+        <p:style>
+          <a:lnRef idx="2">
+            <a:schemeClr val="accent1">
+              <a:shade val="15000"/>
+            </a:schemeClr>
+          </a:lnRef>
+          <a:fillRef idx="1">
+            <a:schemeClr val="accent1"/>
+          </a:fillRef>
+          <a:effectRef idx="0">
+            <a:schemeClr val="accent1"/>
+          </a:effectRef>
+          <a:fontRef idx="minor">
+            <a:schemeClr val="lt1"/>
+          </a:fontRef>
+        </p:style>
+        <p:txBody>
+          <a:bodyPr rtlCol="0" anchor="ctr"/>
+          <a:lstStyle/>
+          <a:p>
+            <a:pPr algn="ctr"/>
+            <a:endParaRPr lang="es-CR"/>
+          </a:p>
+        </p:txBody>
+      </p:sp>
+      <p:sp>
+        <p:nvSpPr>
+          <p:cNvPr id="5" name="Elipse 4">
+            <a:extLst>
+              <a:ext uri="{FF2B5EF4-FFF2-40B4-BE49-F238E27FC236}">
+                <a16:creationId xmlns:a16="http://schemas.microsoft.com/office/drawing/2014/main" id="{99A96E8F-5209-F73F-EA24-903747778A71}"/>
+              </a:ext>
+            </a:extLst>
+          </p:cNvPr>
+          <p:cNvSpPr/>
+          <p:nvPr/>
+        </p:nvSpPr>
+        <p:spPr>
+          <a:xfrm>
+            <a:off x="6096000" y="875115"/>
+            <a:ext cx="2415600" cy="2414016"/>
+          </a:xfrm>
+          <a:prstGeom prst="ellipse">
+            <a:avLst/>
+          </a:prstGeom>
+          <a:solidFill>
+            <a:srgbClr val="00B050"/>
+          </a:solidFill>
+          <a:ln w="190500">
+            <a:solidFill>
+              <a:schemeClr val="tx1"/>
+            </a:solidFill>
+          </a:ln>
+        </p:spPr>
+        <p:style>
+          <a:lnRef idx="2">
+            <a:schemeClr val="accent1">
+              <a:shade val="15000"/>
+            </a:schemeClr>
+          </a:lnRef>
+          <a:fillRef idx="1">
+            <a:schemeClr val="accent1"/>
+          </a:fillRef>
+          <a:effectRef idx="0">
+            <a:schemeClr val="accent1"/>
+          </a:effectRef>
+          <a:fontRef idx="minor">
+            <a:schemeClr val="lt1"/>
+          </a:fontRef>
+        </p:style>
+        <p:txBody>
+          <a:bodyPr rtlCol="0" anchor="ctr"/>
+          <a:lstStyle/>
+          <a:p>
+            <a:pPr algn="ctr"/>
+            <a:endParaRPr lang="es-CR"/>
+          </a:p>
+        </p:txBody>
+      </p:sp>
+      <p:sp>
+        <p:nvSpPr>
+          <p:cNvPr id="6" name="Rectángulo 5">
+            <a:extLst>
+              <a:ext uri="{FF2B5EF4-FFF2-40B4-BE49-F238E27FC236}">
+                <a16:creationId xmlns:a16="http://schemas.microsoft.com/office/drawing/2014/main" id="{236E5132-5C0A-C4AB-96E7-836C384A8825}"/>
+              </a:ext>
+            </a:extLst>
+          </p:cNvPr>
+          <p:cNvSpPr/>
+          <p:nvPr/>
+        </p:nvSpPr>
+        <p:spPr>
+          <a:xfrm>
+            <a:off x="6746905" y="1590675"/>
+            <a:ext cx="100385" cy="150282"/>
+          </a:xfrm>
+          <a:prstGeom prst="rect">
+            <a:avLst/>
+          </a:prstGeom>
+          <a:solidFill>
+            <a:schemeClr val="tx1"/>
+          </a:solidFill>
+          <a:ln w="190500">
+            <a:solidFill>
+              <a:schemeClr val="tx1"/>
+            </a:solidFill>
+          </a:ln>
+        </p:spPr>
+        <p:style>
+          <a:lnRef idx="2">
+            <a:schemeClr val="accent1">
+              <a:shade val="15000"/>
+            </a:schemeClr>
+          </a:lnRef>
+          <a:fillRef idx="1">
+            <a:schemeClr val="accent1"/>
+          </a:fillRef>
+          <a:effectRef idx="0">
+            <a:schemeClr val="accent1"/>
+          </a:effectRef>
+          <a:fontRef idx="minor">
+            <a:schemeClr val="lt1"/>
+          </a:fontRef>
+        </p:style>
+        <p:txBody>
+          <a:bodyPr rtlCol="0" anchor="ctr"/>
+          <a:lstStyle/>
+          <a:p>
+            <a:pPr algn="ctr"/>
+            <a:endParaRPr lang="es-CR"/>
+          </a:p>
+        </p:txBody>
+      </p:sp>
+      <p:sp>
+        <p:nvSpPr>
+          <p:cNvPr id="7" name="Rectángulo 6">
+            <a:extLst>
+              <a:ext uri="{FF2B5EF4-FFF2-40B4-BE49-F238E27FC236}">
+                <a16:creationId xmlns:a16="http://schemas.microsoft.com/office/drawing/2014/main" id="{E8397C4E-8D72-5A61-1E18-B23A5D231B6A}"/>
+              </a:ext>
+            </a:extLst>
+          </p:cNvPr>
+          <p:cNvSpPr/>
+          <p:nvPr/>
+        </p:nvSpPr>
+        <p:spPr>
+          <a:xfrm>
+            <a:off x="7334557" y="1590675"/>
+            <a:ext cx="100385" cy="150282"/>
+          </a:xfrm>
+          <a:prstGeom prst="rect">
+            <a:avLst/>
+          </a:prstGeom>
+          <a:solidFill>
+            <a:schemeClr val="tx1"/>
+          </a:solidFill>
+          <a:ln w="190500">
+            <a:solidFill>
+              <a:schemeClr val="tx1"/>
+            </a:solidFill>
+          </a:ln>
+        </p:spPr>
+        <p:style>
+          <a:lnRef idx="2">
+            <a:schemeClr val="accent1">
+              <a:shade val="15000"/>
+            </a:schemeClr>
+          </a:lnRef>
+          <a:fillRef idx="1">
+            <a:schemeClr val="accent1"/>
+          </a:fillRef>
+          <a:effectRef idx="0">
+            <a:schemeClr val="accent1"/>
+          </a:effectRef>
+          <a:fontRef idx="minor">
+            <a:schemeClr val="lt1"/>
+          </a:fontRef>
+        </p:style>
+        <p:txBody>
+          <a:bodyPr rtlCol="0" anchor="ctr"/>
+          <a:lstStyle/>
+          <a:p>
+            <a:pPr algn="ctr"/>
+            <a:endParaRPr lang="es-CR"/>
+          </a:p>
+        </p:txBody>
+      </p:sp>
+    </p:spTree>
+    <p:extLst>
+      <p:ext uri="{BB962C8B-B14F-4D97-AF65-F5344CB8AC3E}">
+        <p14:creationId xmlns:p14="http://schemas.microsoft.com/office/powerpoint/2010/main" val="4236609548"/>
+      </p:ext>
+    </p:extLst>
+  </p:cSld>
+  <p:clrMapOvr>
+    <a:masterClrMapping/>
+  </p:clrMapOvr>
+</p:sld>
+</file>
+
+<file path=ppt/slides/slide10.xml><?xml version="1.0" encoding="utf-8"?>
+<p:sld xmlns:a="http://schemas.openxmlformats.org/drawingml/2006/main" xmlns:r="http://schemas.openxmlformats.org/officeDocument/2006/relationships" xmlns:p="http://schemas.openxmlformats.org/presentationml/2006/main">
+  <p:cSld>
+    <p:spTree>
+      <p:nvGrpSpPr>
         <p:cNvPr id="1" name="">
           <a:extLst>
             <a:ext uri="{FF2B5EF4-FFF2-40B4-BE49-F238E27FC236}">
-              <a16:creationId xmlns:a16="http://schemas.microsoft.com/office/drawing/2014/main" id="{A8A10AB9-90EB-BB85-D29E-8B83A13CB3D8}"/>
+              <a16:creationId xmlns:a16="http://schemas.microsoft.com/office/drawing/2014/main" id="{51652DF1-F268-B606-12F8-E9335268E023}"/>
             </a:ext>
           </a:extLst>
         </p:cNvPr>
@@ -3857,10 +4219,10 @@
       </p:grpSpPr>
       <p:sp>
         <p:nvSpPr>
-          <p:cNvPr id="10" name="Rectángulo 9">
-            <a:extLst>
-              <a:ext uri="{FF2B5EF4-FFF2-40B4-BE49-F238E27FC236}">
-                <a16:creationId xmlns:a16="http://schemas.microsoft.com/office/drawing/2014/main" id="{57EA8348-3152-7E94-8BCF-C73FC841BCB2}"/>
+          <p:cNvPr id="2" name="Rectángulo 1">
+            <a:extLst>
+              <a:ext uri="{FF2B5EF4-FFF2-40B4-BE49-F238E27FC236}">
+                <a16:creationId xmlns:a16="http://schemas.microsoft.com/office/drawing/2014/main" id="{89137E62-EEC4-B88A-B54E-58888EA4CF8A}"/>
               </a:ext>
             </a:extLst>
           </p:cNvPr>
@@ -3869,17 +4231,23 @@
         </p:nvSpPr>
         <p:spPr>
           <a:xfrm>
-            <a:off x="1869018" y="387314"/>
-            <a:ext cx="5144430" cy="4358422"/>
+            <a:off x="1283208" y="1027394"/>
+            <a:ext cx="8604504" cy="1600200"/>
           </a:xfrm>
           <a:prstGeom prst="rect">
             <a:avLst/>
           </a:prstGeom>
-          <a:solidFill>
-            <a:schemeClr val="bg2">
-              <a:lumMod val="90000"/>
-            </a:schemeClr>
-          </a:solidFill>
+          <a:gradFill>
+            <a:gsLst>
+              <a:gs pos="0">
+                <a:srgbClr val="FF0000"/>
+              </a:gs>
+              <a:gs pos="50000">
+                <a:srgbClr val="00FFDF"/>
+              </a:gs>
+            </a:gsLst>
+            <a:lin ang="0" scaled="0"/>
+          </a:gradFill>
           <a:ln w="88900">
             <a:solidFill>
               <a:schemeClr val="tx1"/>
@@ -3913,10 +4281,10 @@
       </p:sp>
       <p:sp>
         <p:nvSpPr>
-          <p:cNvPr id="2" name="Rectángulo 1">
-            <a:extLst>
-              <a:ext uri="{FF2B5EF4-FFF2-40B4-BE49-F238E27FC236}">
-                <a16:creationId xmlns:a16="http://schemas.microsoft.com/office/drawing/2014/main" id="{4B38CBA2-C690-25FF-13B5-FA62627C2870}"/>
+          <p:cNvPr id="3" name="Rectángulo 2">
+            <a:extLst>
+              <a:ext uri="{FF2B5EF4-FFF2-40B4-BE49-F238E27FC236}">
+                <a16:creationId xmlns:a16="http://schemas.microsoft.com/office/drawing/2014/main" id="{272E7DE4-D816-4F20-F5FE-A30F872F584A}"/>
               </a:ext>
             </a:extLst>
           </p:cNvPr>
@@ -3925,15 +4293,23 @@
         </p:nvSpPr>
         <p:spPr>
           <a:xfrm>
-            <a:off x="2973918" y="1389888"/>
-            <a:ext cx="2934630" cy="3328416"/>
+            <a:off x="1283208" y="3429000"/>
+            <a:ext cx="8604504" cy="1600200"/>
           </a:xfrm>
           <a:prstGeom prst="rect">
             <a:avLst/>
           </a:prstGeom>
-          <a:solidFill>
-            <a:schemeClr val="tx1"/>
-          </a:solidFill>
+          <a:gradFill>
+            <a:gsLst>
+              <a:gs pos="0">
+                <a:srgbClr val="FF0000"/>
+              </a:gs>
+              <a:gs pos="50000">
+                <a:srgbClr val="76FF00"/>
+              </a:gs>
+            </a:gsLst>
+            <a:lin ang="0" scaled="0"/>
+          </a:gradFill>
           <a:ln w="88900">
             <a:solidFill>
               <a:schemeClr val="tx1"/>
@@ -3965,120 +4341,10 @@
           </a:p>
         </p:txBody>
       </p:sp>
-      <p:sp>
-        <p:nvSpPr>
-          <p:cNvPr id="3" name="Elipse 2">
-            <a:extLst>
-              <a:ext uri="{FF2B5EF4-FFF2-40B4-BE49-F238E27FC236}">
-                <a16:creationId xmlns:a16="http://schemas.microsoft.com/office/drawing/2014/main" id="{D57CD0E5-FC11-3F1E-19F5-2F734D118291}"/>
-              </a:ext>
-            </a:extLst>
-          </p:cNvPr>
-          <p:cNvSpPr/>
-          <p:nvPr/>
-        </p:nvSpPr>
-        <p:spPr>
-          <a:xfrm>
-            <a:off x="3209544" y="2221992"/>
-            <a:ext cx="2468880" cy="2414016"/>
-          </a:xfrm>
-          <a:prstGeom prst="ellipse">
-            <a:avLst/>
-          </a:prstGeom>
-          <a:solidFill>
-            <a:srgbClr val="00B050"/>
-          </a:solidFill>
-          <a:ln w="88900">
-            <a:solidFill>
-              <a:schemeClr val="tx1"/>
-            </a:solidFill>
-          </a:ln>
-        </p:spPr>
-        <p:style>
-          <a:lnRef idx="2">
-            <a:schemeClr val="accent1">
-              <a:shade val="15000"/>
-            </a:schemeClr>
-          </a:lnRef>
-          <a:fillRef idx="1">
-            <a:schemeClr val="accent1"/>
-          </a:fillRef>
-          <a:effectRef idx="0">
-            <a:schemeClr val="accent1"/>
-          </a:effectRef>
-          <a:fontRef idx="minor">
-            <a:schemeClr val="lt1"/>
-          </a:fontRef>
-        </p:style>
-        <p:txBody>
-          <a:bodyPr rtlCol="0" anchor="ctr"/>
-          <a:lstStyle/>
-          <a:p>
-            <a:pPr algn="ctr"/>
-            <a:endParaRPr lang="es-CR"/>
-          </a:p>
-        </p:txBody>
-      </p:sp>
-      <p:sp>
-        <p:nvSpPr>
-          <p:cNvPr id="6" name="Rectángulo 5">
-            <a:extLst>
-              <a:ext uri="{FF2B5EF4-FFF2-40B4-BE49-F238E27FC236}">
-                <a16:creationId xmlns:a16="http://schemas.microsoft.com/office/drawing/2014/main" id="{A5A37A8D-F1A0-949C-DD9D-4242F7B808DD}"/>
-              </a:ext>
-            </a:extLst>
-          </p:cNvPr>
-          <p:cNvSpPr/>
-          <p:nvPr/>
-        </p:nvSpPr>
-        <p:spPr>
-          <a:xfrm>
-            <a:off x="2973918" y="1389888"/>
-            <a:ext cx="2934630" cy="3328416"/>
-          </a:xfrm>
-          <a:prstGeom prst="rect">
-            <a:avLst/>
-          </a:prstGeom>
-          <a:solidFill>
-            <a:srgbClr val="000000">
-              <a:alpha val="50196"/>
-            </a:srgbClr>
-          </a:solidFill>
-          <a:ln w="88900">
-            <a:solidFill>
-              <a:schemeClr val="tx1"/>
-            </a:solidFill>
-          </a:ln>
-        </p:spPr>
-        <p:style>
-          <a:lnRef idx="2">
-            <a:schemeClr val="accent1">
-              <a:shade val="15000"/>
-            </a:schemeClr>
-          </a:lnRef>
-          <a:fillRef idx="1">
-            <a:schemeClr val="accent1"/>
-          </a:fillRef>
-          <a:effectRef idx="0">
-            <a:schemeClr val="accent1"/>
-          </a:effectRef>
-          <a:fontRef idx="minor">
-            <a:schemeClr val="lt1"/>
-          </a:fontRef>
-        </p:style>
-        <p:txBody>
-          <a:bodyPr rtlCol="0" anchor="ctr"/>
-          <a:lstStyle/>
-          <a:p>
-            <a:pPr algn="ctr"/>
-            <a:endParaRPr lang="es-CR"/>
-          </a:p>
-        </p:txBody>
-      </p:sp>
     </p:spTree>
     <p:extLst>
       <p:ext uri="{BB962C8B-B14F-4D97-AF65-F5344CB8AC3E}">
-        <p14:creationId xmlns:p14="http://schemas.microsoft.com/office/powerpoint/2010/main" val="2743271760"/>
+        <p14:creationId xmlns:p14="http://schemas.microsoft.com/office/powerpoint/2010/main" val="383456091"/>
       </p:ext>
     </p:extLst>
   </p:cSld>
@@ -4088,7 +4354,167 @@
 </p:sld>
 </file>
 
-<file path=ppt/slides/slide10.xml><?xml version="1.0" encoding="utf-8"?>
+<file path=ppt/slides/slide11.xml><?xml version="1.0" encoding="utf-8"?>
+<p:sld xmlns:a="http://schemas.openxmlformats.org/drawingml/2006/main" xmlns:r="http://schemas.openxmlformats.org/officeDocument/2006/relationships" xmlns:p="http://schemas.openxmlformats.org/presentationml/2006/main">
+  <p:cSld>
+    <p:spTree>
+      <p:nvGrpSpPr>
+        <p:cNvPr id="1" name="">
+          <a:extLst>
+            <a:ext uri="{FF2B5EF4-FFF2-40B4-BE49-F238E27FC236}">
+              <a16:creationId xmlns:a16="http://schemas.microsoft.com/office/drawing/2014/main" id="{6838BFD1-A7E0-861D-7347-70631E7B17BC}"/>
+            </a:ext>
+          </a:extLst>
+        </p:cNvPr>
+        <p:cNvGrpSpPr/>
+        <p:nvPr/>
+      </p:nvGrpSpPr>
+      <p:grpSpPr>
+        <a:xfrm>
+          <a:off x="0" y="0"/>
+          <a:ext cx="0" cy="0"/>
+          <a:chOff x="0" y="0"/>
+          <a:chExt cx="0" cy="0"/>
+        </a:xfrm>
+      </p:grpSpPr>
+      <p:sp>
+        <p:nvSpPr>
+          <p:cNvPr id="2" name="Rectángulo 1">
+            <a:extLst>
+              <a:ext uri="{FF2B5EF4-FFF2-40B4-BE49-F238E27FC236}">
+                <a16:creationId xmlns:a16="http://schemas.microsoft.com/office/drawing/2014/main" id="{6F05AF94-4BB2-9A09-BE2F-B5B71EA1EA9E}"/>
+              </a:ext>
+            </a:extLst>
+          </p:cNvPr>
+          <p:cNvSpPr/>
+          <p:nvPr/>
+        </p:nvSpPr>
+        <p:spPr>
+          <a:xfrm>
+            <a:off x="1283208" y="1027394"/>
+            <a:ext cx="8604504" cy="1600200"/>
+          </a:xfrm>
+          <a:prstGeom prst="rect">
+            <a:avLst/>
+          </a:prstGeom>
+          <a:gradFill>
+            <a:gsLst>
+              <a:gs pos="0">
+                <a:srgbClr val="FF0000"/>
+              </a:gs>
+              <a:gs pos="25000">
+                <a:srgbClr val="00FFDF"/>
+              </a:gs>
+            </a:gsLst>
+            <a:lin ang="0" scaled="0"/>
+          </a:gradFill>
+          <a:ln w="88900">
+            <a:solidFill>
+              <a:schemeClr val="tx1"/>
+            </a:solidFill>
+          </a:ln>
+        </p:spPr>
+        <p:style>
+          <a:lnRef idx="2">
+            <a:schemeClr val="accent1">
+              <a:shade val="15000"/>
+            </a:schemeClr>
+          </a:lnRef>
+          <a:fillRef idx="1">
+            <a:schemeClr val="accent1"/>
+          </a:fillRef>
+          <a:effectRef idx="0">
+            <a:schemeClr val="accent1"/>
+          </a:effectRef>
+          <a:fontRef idx="minor">
+            <a:schemeClr val="lt1"/>
+          </a:fontRef>
+        </p:style>
+        <p:txBody>
+          <a:bodyPr rtlCol="0" anchor="ctr"/>
+          <a:lstStyle/>
+          <a:p>
+            <a:pPr algn="ctr"/>
+            <a:endParaRPr lang="es-CR"/>
+          </a:p>
+        </p:txBody>
+      </p:sp>
+      <p:sp>
+        <p:nvSpPr>
+          <p:cNvPr id="3" name="Rectángulo 2">
+            <a:extLst>
+              <a:ext uri="{FF2B5EF4-FFF2-40B4-BE49-F238E27FC236}">
+                <a16:creationId xmlns:a16="http://schemas.microsoft.com/office/drawing/2014/main" id="{CB5C3B00-ED90-0D83-F0C5-07406791724C}"/>
+              </a:ext>
+            </a:extLst>
+          </p:cNvPr>
+          <p:cNvSpPr/>
+          <p:nvPr/>
+        </p:nvSpPr>
+        <p:spPr>
+          <a:xfrm>
+            <a:off x="1283208" y="3429000"/>
+            <a:ext cx="8604504" cy="1600200"/>
+          </a:xfrm>
+          <a:prstGeom prst="rect">
+            <a:avLst/>
+          </a:prstGeom>
+          <a:gradFill>
+            <a:gsLst>
+              <a:gs pos="0">
+                <a:srgbClr val="FF0000"/>
+              </a:gs>
+              <a:gs pos="25000">
+                <a:srgbClr val="76FF00"/>
+              </a:gs>
+            </a:gsLst>
+            <a:lin ang="0" scaled="0"/>
+          </a:gradFill>
+          <a:ln w="88900">
+            <a:solidFill>
+              <a:schemeClr val="tx1"/>
+            </a:solidFill>
+          </a:ln>
+        </p:spPr>
+        <p:style>
+          <a:lnRef idx="2">
+            <a:schemeClr val="accent1">
+              <a:shade val="15000"/>
+            </a:schemeClr>
+          </a:lnRef>
+          <a:fillRef idx="1">
+            <a:schemeClr val="accent1"/>
+          </a:fillRef>
+          <a:effectRef idx="0">
+            <a:schemeClr val="accent1"/>
+          </a:effectRef>
+          <a:fontRef idx="minor">
+            <a:schemeClr val="lt1"/>
+          </a:fontRef>
+        </p:style>
+        <p:txBody>
+          <a:bodyPr rtlCol="0" anchor="ctr"/>
+          <a:lstStyle/>
+          <a:p>
+            <a:pPr algn="ctr"/>
+            <a:endParaRPr lang="es-CR"/>
+          </a:p>
+        </p:txBody>
+      </p:sp>
+    </p:spTree>
+    <p:extLst>
+      <p:ext uri="{BB962C8B-B14F-4D97-AF65-F5344CB8AC3E}">
+        <p14:creationId xmlns:p14="http://schemas.microsoft.com/office/powerpoint/2010/main" val="444509655"/>
+      </p:ext>
+    </p:extLst>
+  </p:cSld>
+  <p:clrMapOvr>
+    <a:masterClrMapping/>
+  </p:clrMapOvr>
+</p:sld>
+</file>
+
+<file path=ppt/slides/slide12.xml><?xml version="1.0" encoding="utf-8"?>
 <p:sld xmlns:a="http://schemas.openxmlformats.org/drawingml/2006/main" xmlns:r="http://schemas.openxmlformats.org/officeDocument/2006/relationships" xmlns:p="http://schemas.openxmlformats.org/presentationml/2006/main">
   <p:cSld>
     <p:spTree>
@@ -4248,7 +4674,7 @@
 </p:sld>
 </file>
 
-<file path=ppt/slides/slide11.xml><?xml version="1.0" encoding="utf-8"?>
+<file path=ppt/slides/slide13.xml><?xml version="1.0" encoding="utf-8"?>
 <p:sld xmlns:a="http://schemas.openxmlformats.org/drawingml/2006/main" xmlns:r="http://schemas.openxmlformats.org/officeDocument/2006/relationships" xmlns:p="http://schemas.openxmlformats.org/presentationml/2006/main">
   <p:cSld>
     <p:bg>
@@ -4770,7 +5196,7 @@
 </p:sld>
 </file>
 
-<file path=ppt/slides/slide12.xml><?xml version="1.0" encoding="utf-8"?>
+<file path=ppt/slides/slide14.xml><?xml version="1.0" encoding="utf-8"?>
 <p:sld xmlns:a="http://schemas.openxmlformats.org/drawingml/2006/main" xmlns:r="http://schemas.openxmlformats.org/officeDocument/2006/relationships" xmlns:p="http://schemas.openxmlformats.org/presentationml/2006/main">
   <p:cSld>
     <p:spTree>
@@ -5064,7 +5490,7 @@
 </p:sld>
 </file>
 
-<file path=ppt/slides/slide13.xml><?xml version="1.0" encoding="utf-8"?>
+<file path=ppt/slides/slide15.xml><?xml version="1.0" encoding="utf-8"?>
 <p:sld xmlns:a="http://schemas.openxmlformats.org/drawingml/2006/main" xmlns:r="http://schemas.openxmlformats.org/officeDocument/2006/relationships" xmlns:p="http://schemas.openxmlformats.org/presentationml/2006/main">
   <p:cSld>
     <p:spTree>
@@ -5654,7 +6080,7 @@
 </p:sld>
 </file>
 
-<file path=ppt/slides/slide14.xml><?xml version="1.0" encoding="utf-8"?>
+<file path=ppt/slides/slide16.xml><?xml version="1.0" encoding="utf-8"?>
 <p:sld xmlns:a="http://schemas.openxmlformats.org/drawingml/2006/main" xmlns:r="http://schemas.openxmlformats.org/officeDocument/2006/relationships" xmlns:p="http://schemas.openxmlformats.org/presentationml/2006/main">
   <p:cSld>
     <p:spTree>
@@ -5862,7 +6288,7 @@
 </p:sld>
 </file>
 
-<file path=ppt/slides/slide15.xml><?xml version="1.0" encoding="utf-8"?>
+<file path=ppt/slides/slide17.xml><?xml version="1.0" encoding="utf-8"?>
 <p:sld xmlns:a="http://schemas.openxmlformats.org/drawingml/2006/main" xmlns:r="http://schemas.openxmlformats.org/officeDocument/2006/relationships" xmlns:p="http://schemas.openxmlformats.org/presentationml/2006/main">
   <p:cSld>
     <p:spTree>
@@ -6034,7 +6460,7 @@
 </p:sld>
 </file>
 
-<file path=ppt/slides/slide16.xml><?xml version="1.0" encoding="utf-8"?>
+<file path=ppt/slides/slide18.xml><?xml version="1.0" encoding="utf-8"?>
 <p:sld xmlns:a="http://schemas.openxmlformats.org/drawingml/2006/main" xmlns:r="http://schemas.openxmlformats.org/officeDocument/2006/relationships" xmlns:p="http://schemas.openxmlformats.org/presentationml/2006/main">
   <p:cSld>
     <p:spTree>
@@ -6170,7 +6596,7 @@
 </p:sld>
 </file>
 
-<file path=ppt/slides/slide17.xml><?xml version="1.0" encoding="utf-8"?>
+<file path=ppt/slides/slide19.xml><?xml version="1.0" encoding="utf-8"?>
 <p:sld xmlns:a="http://schemas.openxmlformats.org/drawingml/2006/main" xmlns:r="http://schemas.openxmlformats.org/officeDocument/2006/relationships" xmlns:p="http://schemas.openxmlformats.org/presentationml/2006/main">
   <p:cSld>
     <p:spTree>
@@ -6308,6 +6734,784 @@
         <p:cNvPr id="1" name="">
           <a:extLst>
             <a:ext uri="{FF2B5EF4-FFF2-40B4-BE49-F238E27FC236}">
+              <a16:creationId xmlns:a16="http://schemas.microsoft.com/office/drawing/2014/main" id="{1D48F5DD-8989-3FE6-F3C2-828C3F93F0B7}"/>
+            </a:ext>
+          </a:extLst>
+        </p:cNvPr>
+        <p:cNvGrpSpPr/>
+        <p:nvPr/>
+      </p:nvGrpSpPr>
+      <p:grpSpPr>
+        <a:xfrm>
+          <a:off x="0" y="0"/>
+          <a:ext cx="0" cy="0"/>
+          <a:chOff x="0" y="0"/>
+          <a:chExt cx="0" cy="0"/>
+        </a:xfrm>
+      </p:grpSpPr>
+      <p:sp>
+        <p:nvSpPr>
+          <p:cNvPr id="2" name="Elipse 1">
+            <a:extLst>
+              <a:ext uri="{FF2B5EF4-FFF2-40B4-BE49-F238E27FC236}">
+                <a16:creationId xmlns:a16="http://schemas.microsoft.com/office/drawing/2014/main" id="{BB54F970-8A7E-EA8F-FF80-D304E50DB746}"/>
+              </a:ext>
+            </a:extLst>
+          </p:cNvPr>
+          <p:cNvSpPr/>
+          <p:nvPr/>
+        </p:nvSpPr>
+        <p:spPr>
+          <a:xfrm>
+            <a:off x="2470065" y="875115"/>
+            <a:ext cx="2415600" cy="2414016"/>
+          </a:xfrm>
+          <a:prstGeom prst="ellipse">
+            <a:avLst/>
+          </a:prstGeom>
+          <a:solidFill>
+            <a:srgbClr val="00B050"/>
+          </a:solidFill>
+          <a:ln w="190500">
+            <a:solidFill>
+              <a:schemeClr val="tx1"/>
+            </a:solidFill>
+          </a:ln>
+        </p:spPr>
+        <p:style>
+          <a:lnRef idx="2">
+            <a:schemeClr val="accent1">
+              <a:shade val="15000"/>
+            </a:schemeClr>
+          </a:lnRef>
+          <a:fillRef idx="1">
+            <a:schemeClr val="accent1"/>
+          </a:fillRef>
+          <a:effectRef idx="0">
+            <a:schemeClr val="accent1"/>
+          </a:effectRef>
+          <a:fontRef idx="minor">
+            <a:schemeClr val="lt1"/>
+          </a:fontRef>
+        </p:style>
+        <p:txBody>
+          <a:bodyPr rtlCol="0" anchor="ctr"/>
+          <a:lstStyle/>
+          <a:p>
+            <a:pPr algn="ctr"/>
+            <a:endParaRPr lang="es-CR"/>
+          </a:p>
+        </p:txBody>
+      </p:sp>
+      <p:sp>
+        <p:nvSpPr>
+          <p:cNvPr id="3" name="Rectángulo 2">
+            <a:extLst>
+              <a:ext uri="{FF2B5EF4-FFF2-40B4-BE49-F238E27FC236}">
+                <a16:creationId xmlns:a16="http://schemas.microsoft.com/office/drawing/2014/main" id="{D6C79945-B18E-4F91-E663-58ED420B6BA5}"/>
+              </a:ext>
+            </a:extLst>
+          </p:cNvPr>
+          <p:cNvSpPr/>
+          <p:nvPr/>
+        </p:nvSpPr>
+        <p:spPr>
+          <a:xfrm>
+            <a:off x="3509590" y="1590675"/>
+            <a:ext cx="100385" cy="150282"/>
+          </a:xfrm>
+          <a:prstGeom prst="rect">
+            <a:avLst/>
+          </a:prstGeom>
+          <a:solidFill>
+            <a:schemeClr val="tx1"/>
+          </a:solidFill>
+          <a:ln w="190500">
+            <a:solidFill>
+              <a:schemeClr val="tx1"/>
+            </a:solidFill>
+          </a:ln>
+        </p:spPr>
+        <p:style>
+          <a:lnRef idx="2">
+            <a:schemeClr val="accent1">
+              <a:shade val="15000"/>
+            </a:schemeClr>
+          </a:lnRef>
+          <a:fillRef idx="1">
+            <a:schemeClr val="accent1"/>
+          </a:fillRef>
+          <a:effectRef idx="0">
+            <a:schemeClr val="accent1"/>
+          </a:effectRef>
+          <a:fontRef idx="minor">
+            <a:schemeClr val="lt1"/>
+          </a:fontRef>
+        </p:style>
+        <p:txBody>
+          <a:bodyPr rtlCol="0" anchor="ctr"/>
+          <a:lstStyle/>
+          <a:p>
+            <a:pPr algn="ctr"/>
+            <a:endParaRPr lang="es-CR"/>
+          </a:p>
+        </p:txBody>
+      </p:sp>
+      <p:sp>
+        <p:nvSpPr>
+          <p:cNvPr id="4" name="Rectángulo 3">
+            <a:extLst>
+              <a:ext uri="{FF2B5EF4-FFF2-40B4-BE49-F238E27FC236}">
+                <a16:creationId xmlns:a16="http://schemas.microsoft.com/office/drawing/2014/main" id="{38B9007D-9AFC-6756-098B-E25F50E86E8D}"/>
+              </a:ext>
+            </a:extLst>
+          </p:cNvPr>
+          <p:cNvSpPr/>
+          <p:nvPr/>
+        </p:nvSpPr>
+        <p:spPr>
+          <a:xfrm>
+            <a:off x="4097242" y="1590675"/>
+            <a:ext cx="100385" cy="150282"/>
+          </a:xfrm>
+          <a:prstGeom prst="rect">
+            <a:avLst/>
+          </a:prstGeom>
+          <a:solidFill>
+            <a:schemeClr val="tx1"/>
+          </a:solidFill>
+          <a:ln w="190500">
+            <a:solidFill>
+              <a:schemeClr val="tx1"/>
+            </a:solidFill>
+          </a:ln>
+        </p:spPr>
+        <p:style>
+          <a:lnRef idx="2">
+            <a:schemeClr val="accent1">
+              <a:shade val="15000"/>
+            </a:schemeClr>
+          </a:lnRef>
+          <a:fillRef idx="1">
+            <a:schemeClr val="accent1"/>
+          </a:fillRef>
+          <a:effectRef idx="0">
+            <a:schemeClr val="accent1"/>
+          </a:effectRef>
+          <a:fontRef idx="minor">
+            <a:schemeClr val="lt1"/>
+          </a:fontRef>
+        </p:style>
+        <p:txBody>
+          <a:bodyPr rtlCol="0" anchor="ctr"/>
+          <a:lstStyle/>
+          <a:p>
+            <a:pPr algn="ctr"/>
+            <a:endParaRPr lang="es-CR"/>
+          </a:p>
+        </p:txBody>
+      </p:sp>
+      <p:sp>
+        <p:nvSpPr>
+          <p:cNvPr id="5" name="Elipse 4">
+            <a:extLst>
+              <a:ext uri="{FF2B5EF4-FFF2-40B4-BE49-F238E27FC236}">
+                <a16:creationId xmlns:a16="http://schemas.microsoft.com/office/drawing/2014/main" id="{476EFC0C-9D58-BB9B-D2E9-34DB2D75E84D}"/>
+              </a:ext>
+            </a:extLst>
+          </p:cNvPr>
+          <p:cNvSpPr/>
+          <p:nvPr/>
+        </p:nvSpPr>
+        <p:spPr>
+          <a:xfrm>
+            <a:off x="6096000" y="875115"/>
+            <a:ext cx="2415600" cy="2414016"/>
+          </a:xfrm>
+          <a:prstGeom prst="ellipse">
+            <a:avLst/>
+          </a:prstGeom>
+          <a:solidFill>
+            <a:srgbClr val="00B050"/>
+          </a:solidFill>
+          <a:ln w="190500">
+            <a:solidFill>
+              <a:schemeClr val="tx1"/>
+            </a:solidFill>
+          </a:ln>
+        </p:spPr>
+        <p:style>
+          <a:lnRef idx="2">
+            <a:schemeClr val="accent1">
+              <a:shade val="15000"/>
+            </a:schemeClr>
+          </a:lnRef>
+          <a:fillRef idx="1">
+            <a:schemeClr val="accent1"/>
+          </a:fillRef>
+          <a:effectRef idx="0">
+            <a:schemeClr val="accent1"/>
+          </a:effectRef>
+          <a:fontRef idx="minor">
+            <a:schemeClr val="lt1"/>
+          </a:fontRef>
+        </p:style>
+        <p:txBody>
+          <a:bodyPr rtlCol="0" anchor="ctr"/>
+          <a:lstStyle/>
+          <a:p>
+            <a:pPr algn="ctr"/>
+            <a:endParaRPr lang="es-CR"/>
+          </a:p>
+        </p:txBody>
+      </p:sp>
+      <p:sp>
+        <p:nvSpPr>
+          <p:cNvPr id="6" name="Rectángulo 5">
+            <a:extLst>
+              <a:ext uri="{FF2B5EF4-FFF2-40B4-BE49-F238E27FC236}">
+                <a16:creationId xmlns:a16="http://schemas.microsoft.com/office/drawing/2014/main" id="{D9A9D19E-8655-FE84-B610-165ACA9F6945}"/>
+              </a:ext>
+            </a:extLst>
+          </p:cNvPr>
+          <p:cNvSpPr/>
+          <p:nvPr/>
+        </p:nvSpPr>
+        <p:spPr>
+          <a:xfrm>
+            <a:off x="6746905" y="1590675"/>
+            <a:ext cx="100385" cy="150282"/>
+          </a:xfrm>
+          <a:prstGeom prst="rect">
+            <a:avLst/>
+          </a:prstGeom>
+          <a:solidFill>
+            <a:schemeClr val="tx1"/>
+          </a:solidFill>
+          <a:ln w="190500">
+            <a:solidFill>
+              <a:schemeClr val="tx1"/>
+            </a:solidFill>
+          </a:ln>
+        </p:spPr>
+        <p:style>
+          <a:lnRef idx="2">
+            <a:schemeClr val="accent1">
+              <a:shade val="15000"/>
+            </a:schemeClr>
+          </a:lnRef>
+          <a:fillRef idx="1">
+            <a:schemeClr val="accent1"/>
+          </a:fillRef>
+          <a:effectRef idx="0">
+            <a:schemeClr val="accent1"/>
+          </a:effectRef>
+          <a:fontRef idx="minor">
+            <a:schemeClr val="lt1"/>
+          </a:fontRef>
+        </p:style>
+        <p:txBody>
+          <a:bodyPr rtlCol="0" anchor="ctr"/>
+          <a:lstStyle/>
+          <a:p>
+            <a:pPr algn="ctr"/>
+            <a:endParaRPr lang="es-CR"/>
+          </a:p>
+        </p:txBody>
+      </p:sp>
+      <p:sp>
+        <p:nvSpPr>
+          <p:cNvPr id="7" name="Rectángulo 6">
+            <a:extLst>
+              <a:ext uri="{FF2B5EF4-FFF2-40B4-BE49-F238E27FC236}">
+                <a16:creationId xmlns:a16="http://schemas.microsoft.com/office/drawing/2014/main" id="{DA4103F0-58A9-3190-1D58-C07CDB84707B}"/>
+              </a:ext>
+            </a:extLst>
+          </p:cNvPr>
+          <p:cNvSpPr/>
+          <p:nvPr/>
+        </p:nvSpPr>
+        <p:spPr>
+          <a:xfrm>
+            <a:off x="7334557" y="1590675"/>
+            <a:ext cx="100385" cy="150282"/>
+          </a:xfrm>
+          <a:prstGeom prst="rect">
+            <a:avLst/>
+          </a:prstGeom>
+          <a:solidFill>
+            <a:schemeClr val="tx1"/>
+          </a:solidFill>
+          <a:ln w="190500">
+            <a:solidFill>
+              <a:schemeClr val="tx1"/>
+            </a:solidFill>
+          </a:ln>
+        </p:spPr>
+        <p:style>
+          <a:lnRef idx="2">
+            <a:schemeClr val="accent1">
+              <a:shade val="15000"/>
+            </a:schemeClr>
+          </a:lnRef>
+          <a:fillRef idx="1">
+            <a:schemeClr val="accent1"/>
+          </a:fillRef>
+          <a:effectRef idx="0">
+            <a:schemeClr val="accent1"/>
+          </a:effectRef>
+          <a:fontRef idx="minor">
+            <a:schemeClr val="lt1"/>
+          </a:fontRef>
+        </p:style>
+        <p:txBody>
+          <a:bodyPr rtlCol="0" anchor="ctr"/>
+          <a:lstStyle/>
+          <a:p>
+            <a:pPr algn="ctr"/>
+            <a:endParaRPr lang="es-CR"/>
+          </a:p>
+        </p:txBody>
+      </p:sp>
+      <p:sp>
+        <p:nvSpPr>
+          <p:cNvPr id="12" name="Rectángulo 11">
+            <a:extLst>
+              <a:ext uri="{FF2B5EF4-FFF2-40B4-BE49-F238E27FC236}">
+                <a16:creationId xmlns:a16="http://schemas.microsoft.com/office/drawing/2014/main" id="{76D70C4B-1291-4C7D-1CD1-71A017FC571D}"/>
+              </a:ext>
+            </a:extLst>
+          </p:cNvPr>
+          <p:cNvSpPr/>
+          <p:nvPr/>
+        </p:nvSpPr>
+        <p:spPr>
+          <a:xfrm>
+            <a:off x="653869" y="3793794"/>
+            <a:ext cx="2520000" cy="1080000"/>
+          </a:xfrm>
+          <a:prstGeom prst="rect">
+            <a:avLst/>
+          </a:prstGeom>
+          <a:solidFill>
+            <a:srgbClr val="FFD089"/>
+          </a:solidFill>
+          <a:ln w="38100">
+            <a:solidFill>
+              <a:schemeClr val="tx1"/>
+            </a:solidFill>
+          </a:ln>
+        </p:spPr>
+        <p:style>
+          <a:lnRef idx="2">
+            <a:schemeClr val="accent1">
+              <a:shade val="15000"/>
+            </a:schemeClr>
+          </a:lnRef>
+          <a:fillRef idx="1">
+            <a:schemeClr val="accent1"/>
+          </a:fillRef>
+          <a:effectRef idx="0">
+            <a:schemeClr val="accent1"/>
+          </a:effectRef>
+          <a:fontRef idx="minor">
+            <a:schemeClr val="lt1"/>
+          </a:fontRef>
+        </p:style>
+        <p:txBody>
+          <a:bodyPr rtlCol="0" anchor="ctr"/>
+          <a:lstStyle/>
+          <a:p>
+            <a:pPr algn="ctr"/>
+            <a:endParaRPr lang="es-CR"/>
+          </a:p>
+        </p:txBody>
+      </p:sp>
+      <p:sp>
+        <p:nvSpPr>
+          <p:cNvPr id="13" name="Rectángulo 12">
+            <a:extLst>
+              <a:ext uri="{FF2B5EF4-FFF2-40B4-BE49-F238E27FC236}">
+                <a16:creationId xmlns:a16="http://schemas.microsoft.com/office/drawing/2014/main" id="{276550EE-4370-9F75-F2E0-D2AF667F045B}"/>
+              </a:ext>
+            </a:extLst>
+          </p:cNvPr>
+          <p:cNvSpPr/>
+          <p:nvPr/>
+        </p:nvSpPr>
+        <p:spPr>
+          <a:xfrm>
+            <a:off x="653869" y="5593794"/>
+            <a:ext cx="2520000" cy="720000"/>
+          </a:xfrm>
+          <a:prstGeom prst="rect">
+            <a:avLst/>
+          </a:prstGeom>
+          <a:solidFill>
+            <a:srgbClr val="FFD089"/>
+          </a:solidFill>
+          <a:ln w="38100">
+            <a:solidFill>
+              <a:schemeClr val="tx1"/>
+            </a:solidFill>
+          </a:ln>
+        </p:spPr>
+        <p:style>
+          <a:lnRef idx="2">
+            <a:schemeClr val="accent1">
+              <a:shade val="15000"/>
+            </a:schemeClr>
+          </a:lnRef>
+          <a:fillRef idx="1">
+            <a:schemeClr val="accent1"/>
+          </a:fillRef>
+          <a:effectRef idx="0">
+            <a:schemeClr val="accent1"/>
+          </a:effectRef>
+          <a:fontRef idx="minor">
+            <a:schemeClr val="lt1"/>
+          </a:fontRef>
+        </p:style>
+        <p:txBody>
+          <a:bodyPr rtlCol="0" anchor="ctr"/>
+          <a:lstStyle/>
+          <a:p>
+            <a:pPr algn="ctr"/>
+            <a:endParaRPr lang="es-CR"/>
+          </a:p>
+        </p:txBody>
+      </p:sp>
+      <p:sp>
+        <p:nvSpPr>
+          <p:cNvPr id="14" name="Rectángulo 13">
+            <a:extLst>
+              <a:ext uri="{FF2B5EF4-FFF2-40B4-BE49-F238E27FC236}">
+                <a16:creationId xmlns:a16="http://schemas.microsoft.com/office/drawing/2014/main" id="{CEDEE4A2-0DFF-FE95-10CF-452E70422BFC}"/>
+              </a:ext>
+            </a:extLst>
+          </p:cNvPr>
+          <p:cNvSpPr/>
+          <p:nvPr/>
+        </p:nvSpPr>
+        <p:spPr>
+          <a:xfrm>
+            <a:off x="653869" y="4873794"/>
+            <a:ext cx="2520000" cy="720000"/>
+          </a:xfrm>
+          <a:prstGeom prst="rect">
+            <a:avLst/>
+          </a:prstGeom>
+          <a:solidFill>
+            <a:srgbClr val="5D0909"/>
+          </a:solidFill>
+          <a:ln w="38100">
+            <a:solidFill>
+              <a:schemeClr val="tx1"/>
+            </a:solidFill>
+          </a:ln>
+        </p:spPr>
+        <p:style>
+          <a:lnRef idx="2">
+            <a:schemeClr val="accent1">
+              <a:shade val="15000"/>
+            </a:schemeClr>
+          </a:lnRef>
+          <a:fillRef idx="1">
+            <a:schemeClr val="accent1"/>
+          </a:fillRef>
+          <a:effectRef idx="0">
+            <a:schemeClr val="accent1"/>
+          </a:effectRef>
+          <a:fontRef idx="minor">
+            <a:schemeClr val="lt1"/>
+          </a:fontRef>
+        </p:style>
+        <p:txBody>
+          <a:bodyPr rtlCol="0" anchor="ctr"/>
+          <a:lstStyle/>
+          <a:p>
+            <a:pPr algn="ctr"/>
+            <a:endParaRPr lang="es-CR"/>
+          </a:p>
+        </p:txBody>
+      </p:sp>
+    </p:spTree>
+    <p:extLst>
+      <p:ext uri="{BB962C8B-B14F-4D97-AF65-F5344CB8AC3E}">
+        <p14:creationId xmlns:p14="http://schemas.microsoft.com/office/powerpoint/2010/main" val="1506963920"/>
+      </p:ext>
+    </p:extLst>
+  </p:cSld>
+  <p:clrMapOvr>
+    <a:masterClrMapping/>
+  </p:clrMapOvr>
+</p:sld>
+</file>
+
+<file path=ppt/slides/slide3.xml><?xml version="1.0" encoding="utf-8"?>
+<p:sld xmlns:a="http://schemas.openxmlformats.org/drawingml/2006/main" xmlns:r="http://schemas.openxmlformats.org/officeDocument/2006/relationships" xmlns:p="http://schemas.openxmlformats.org/presentationml/2006/main">
+  <p:cSld>
+    <p:spTree>
+      <p:nvGrpSpPr>
+        <p:cNvPr id="1" name="">
+          <a:extLst>
+            <a:ext uri="{FF2B5EF4-FFF2-40B4-BE49-F238E27FC236}">
+              <a16:creationId xmlns:a16="http://schemas.microsoft.com/office/drawing/2014/main" id="{A8A10AB9-90EB-BB85-D29E-8B83A13CB3D8}"/>
+            </a:ext>
+          </a:extLst>
+        </p:cNvPr>
+        <p:cNvGrpSpPr/>
+        <p:nvPr/>
+      </p:nvGrpSpPr>
+      <p:grpSpPr>
+        <a:xfrm>
+          <a:off x="0" y="0"/>
+          <a:ext cx="0" cy="0"/>
+          <a:chOff x="0" y="0"/>
+          <a:chExt cx="0" cy="0"/>
+        </a:xfrm>
+      </p:grpSpPr>
+      <p:sp>
+        <p:nvSpPr>
+          <p:cNvPr id="10" name="Rectángulo 9">
+            <a:extLst>
+              <a:ext uri="{FF2B5EF4-FFF2-40B4-BE49-F238E27FC236}">
+                <a16:creationId xmlns:a16="http://schemas.microsoft.com/office/drawing/2014/main" id="{57EA8348-3152-7E94-8BCF-C73FC841BCB2}"/>
+              </a:ext>
+            </a:extLst>
+          </p:cNvPr>
+          <p:cNvSpPr/>
+          <p:nvPr/>
+        </p:nvSpPr>
+        <p:spPr>
+          <a:xfrm>
+            <a:off x="1869018" y="387314"/>
+            <a:ext cx="5144430" cy="4358422"/>
+          </a:xfrm>
+          <a:prstGeom prst="rect">
+            <a:avLst/>
+          </a:prstGeom>
+          <a:solidFill>
+            <a:schemeClr val="bg2">
+              <a:lumMod val="90000"/>
+            </a:schemeClr>
+          </a:solidFill>
+          <a:ln w="88900">
+            <a:solidFill>
+              <a:schemeClr val="tx1"/>
+            </a:solidFill>
+          </a:ln>
+        </p:spPr>
+        <p:style>
+          <a:lnRef idx="2">
+            <a:schemeClr val="accent1">
+              <a:shade val="15000"/>
+            </a:schemeClr>
+          </a:lnRef>
+          <a:fillRef idx="1">
+            <a:schemeClr val="accent1"/>
+          </a:fillRef>
+          <a:effectRef idx="0">
+            <a:schemeClr val="accent1"/>
+          </a:effectRef>
+          <a:fontRef idx="minor">
+            <a:schemeClr val="lt1"/>
+          </a:fontRef>
+        </p:style>
+        <p:txBody>
+          <a:bodyPr rtlCol="0" anchor="ctr"/>
+          <a:lstStyle/>
+          <a:p>
+            <a:pPr algn="ctr"/>
+            <a:endParaRPr lang="es-CR"/>
+          </a:p>
+        </p:txBody>
+      </p:sp>
+      <p:sp>
+        <p:nvSpPr>
+          <p:cNvPr id="2" name="Rectángulo 1">
+            <a:extLst>
+              <a:ext uri="{FF2B5EF4-FFF2-40B4-BE49-F238E27FC236}">
+                <a16:creationId xmlns:a16="http://schemas.microsoft.com/office/drawing/2014/main" id="{4B38CBA2-C690-25FF-13B5-FA62627C2870}"/>
+              </a:ext>
+            </a:extLst>
+          </p:cNvPr>
+          <p:cNvSpPr/>
+          <p:nvPr/>
+        </p:nvSpPr>
+        <p:spPr>
+          <a:xfrm>
+            <a:off x="2973918" y="1389888"/>
+            <a:ext cx="2934630" cy="3328416"/>
+          </a:xfrm>
+          <a:prstGeom prst="rect">
+            <a:avLst/>
+          </a:prstGeom>
+          <a:solidFill>
+            <a:schemeClr val="tx1"/>
+          </a:solidFill>
+          <a:ln w="88900">
+            <a:solidFill>
+              <a:schemeClr val="tx1"/>
+            </a:solidFill>
+          </a:ln>
+        </p:spPr>
+        <p:style>
+          <a:lnRef idx="2">
+            <a:schemeClr val="accent1">
+              <a:shade val="15000"/>
+            </a:schemeClr>
+          </a:lnRef>
+          <a:fillRef idx="1">
+            <a:schemeClr val="accent1"/>
+          </a:fillRef>
+          <a:effectRef idx="0">
+            <a:schemeClr val="accent1"/>
+          </a:effectRef>
+          <a:fontRef idx="minor">
+            <a:schemeClr val="lt1"/>
+          </a:fontRef>
+        </p:style>
+        <p:txBody>
+          <a:bodyPr rtlCol="0" anchor="ctr"/>
+          <a:lstStyle/>
+          <a:p>
+            <a:pPr algn="ctr"/>
+            <a:endParaRPr lang="es-CR"/>
+          </a:p>
+        </p:txBody>
+      </p:sp>
+      <p:sp>
+        <p:nvSpPr>
+          <p:cNvPr id="3" name="Elipse 2">
+            <a:extLst>
+              <a:ext uri="{FF2B5EF4-FFF2-40B4-BE49-F238E27FC236}">
+                <a16:creationId xmlns:a16="http://schemas.microsoft.com/office/drawing/2014/main" id="{D57CD0E5-FC11-3F1E-19F5-2F734D118291}"/>
+              </a:ext>
+            </a:extLst>
+          </p:cNvPr>
+          <p:cNvSpPr/>
+          <p:nvPr/>
+        </p:nvSpPr>
+        <p:spPr>
+          <a:xfrm>
+            <a:off x="3209544" y="2221992"/>
+            <a:ext cx="2468880" cy="2414016"/>
+          </a:xfrm>
+          <a:prstGeom prst="ellipse">
+            <a:avLst/>
+          </a:prstGeom>
+          <a:solidFill>
+            <a:srgbClr val="00B050"/>
+          </a:solidFill>
+          <a:ln w="88900">
+            <a:solidFill>
+              <a:schemeClr val="tx1"/>
+            </a:solidFill>
+          </a:ln>
+        </p:spPr>
+        <p:style>
+          <a:lnRef idx="2">
+            <a:schemeClr val="accent1">
+              <a:shade val="15000"/>
+            </a:schemeClr>
+          </a:lnRef>
+          <a:fillRef idx="1">
+            <a:schemeClr val="accent1"/>
+          </a:fillRef>
+          <a:effectRef idx="0">
+            <a:schemeClr val="accent1"/>
+          </a:effectRef>
+          <a:fontRef idx="minor">
+            <a:schemeClr val="lt1"/>
+          </a:fontRef>
+        </p:style>
+        <p:txBody>
+          <a:bodyPr rtlCol="0" anchor="ctr"/>
+          <a:lstStyle/>
+          <a:p>
+            <a:pPr algn="ctr"/>
+            <a:endParaRPr lang="es-CR"/>
+          </a:p>
+        </p:txBody>
+      </p:sp>
+      <p:sp>
+        <p:nvSpPr>
+          <p:cNvPr id="6" name="Rectángulo 5">
+            <a:extLst>
+              <a:ext uri="{FF2B5EF4-FFF2-40B4-BE49-F238E27FC236}">
+                <a16:creationId xmlns:a16="http://schemas.microsoft.com/office/drawing/2014/main" id="{A5A37A8D-F1A0-949C-DD9D-4242F7B808DD}"/>
+              </a:ext>
+            </a:extLst>
+          </p:cNvPr>
+          <p:cNvSpPr/>
+          <p:nvPr/>
+        </p:nvSpPr>
+        <p:spPr>
+          <a:xfrm>
+            <a:off x="2973918" y="1389888"/>
+            <a:ext cx="2934630" cy="3328416"/>
+          </a:xfrm>
+          <a:prstGeom prst="rect">
+            <a:avLst/>
+          </a:prstGeom>
+          <a:solidFill>
+            <a:srgbClr val="000000">
+              <a:alpha val="50196"/>
+            </a:srgbClr>
+          </a:solidFill>
+          <a:ln w="88900">
+            <a:solidFill>
+              <a:schemeClr val="tx1"/>
+            </a:solidFill>
+          </a:ln>
+        </p:spPr>
+        <p:style>
+          <a:lnRef idx="2">
+            <a:schemeClr val="accent1">
+              <a:shade val="15000"/>
+            </a:schemeClr>
+          </a:lnRef>
+          <a:fillRef idx="1">
+            <a:schemeClr val="accent1"/>
+          </a:fillRef>
+          <a:effectRef idx="0">
+            <a:schemeClr val="accent1"/>
+          </a:effectRef>
+          <a:fontRef idx="minor">
+            <a:schemeClr val="lt1"/>
+          </a:fontRef>
+        </p:style>
+        <p:txBody>
+          <a:bodyPr rtlCol="0" anchor="ctr"/>
+          <a:lstStyle/>
+          <a:p>
+            <a:pPr algn="ctr"/>
+            <a:endParaRPr lang="es-CR"/>
+          </a:p>
+        </p:txBody>
+      </p:sp>
+    </p:spTree>
+    <p:extLst>
+      <p:ext uri="{BB962C8B-B14F-4D97-AF65-F5344CB8AC3E}">
+        <p14:creationId xmlns:p14="http://schemas.microsoft.com/office/powerpoint/2010/main" val="2743271760"/>
+      </p:ext>
+    </p:extLst>
+  </p:cSld>
+  <p:clrMapOvr>
+    <a:masterClrMapping/>
+  </p:clrMapOvr>
+</p:sld>
+</file>
+
+<file path=ppt/slides/slide4.xml><?xml version="1.0" encoding="utf-8"?>
+<p:sld xmlns:a="http://schemas.openxmlformats.org/drawingml/2006/main" xmlns:r="http://schemas.openxmlformats.org/officeDocument/2006/relationships" xmlns:p="http://schemas.openxmlformats.org/presentationml/2006/main">
+  <p:cSld>
+    <p:spTree>
+      <p:nvGrpSpPr>
+        <p:cNvPr id="1" name="">
+          <a:extLst>
+            <a:ext uri="{FF2B5EF4-FFF2-40B4-BE49-F238E27FC236}">
               <a16:creationId xmlns:a16="http://schemas.microsoft.com/office/drawing/2014/main" id="{0489D63C-8F8C-B729-40E7-7F7A519ACAB9}"/>
             </a:ext>
           </a:extLst>
@@ -6666,7 +7870,7 @@
 </p:sld>
 </file>
 
-<file path=ppt/slides/slide3.xml><?xml version="1.0" encoding="utf-8"?>
+<file path=ppt/slides/slide5.xml><?xml version="1.0" encoding="utf-8"?>
 <p:sld xmlns:a="http://schemas.openxmlformats.org/drawingml/2006/main" xmlns:r="http://schemas.openxmlformats.org/officeDocument/2006/relationships" xmlns:p="http://schemas.openxmlformats.org/presentationml/2006/main">
   <p:cSld>
     <p:spTree>
@@ -7102,7 +8306,7 @@
 </p:sld>
 </file>
 
-<file path=ppt/slides/slide4.xml><?xml version="1.0" encoding="utf-8"?>
+<file path=ppt/slides/slide6.xml><?xml version="1.0" encoding="utf-8"?>
 <p:sld xmlns:a="http://schemas.openxmlformats.org/drawingml/2006/main" xmlns:r="http://schemas.openxmlformats.org/officeDocument/2006/relationships" xmlns:p="http://schemas.openxmlformats.org/presentationml/2006/main">
   <p:cSld>
     <p:spTree>
@@ -7520,7 +8724,7 @@
 </p:sld>
 </file>
 
-<file path=ppt/slides/slide5.xml><?xml version="1.0" encoding="utf-8"?>
+<file path=ppt/slides/slide7.xml><?xml version="1.0" encoding="utf-8"?>
 <p:sld xmlns:a="http://schemas.openxmlformats.org/drawingml/2006/main" xmlns:r="http://schemas.openxmlformats.org/officeDocument/2006/relationships" xmlns:p="http://schemas.openxmlformats.org/presentationml/2006/main">
   <p:cSld>
     <p:spTree>
@@ -7880,7 +9084,7 @@
 </p:sld>
 </file>
 
-<file path=ppt/slides/slide6.xml><?xml version="1.0" encoding="utf-8"?>
+<file path=ppt/slides/slide8.xml><?xml version="1.0" encoding="utf-8"?>
 <p:sld xmlns:a="http://schemas.openxmlformats.org/drawingml/2006/main" xmlns:r="http://schemas.openxmlformats.org/officeDocument/2006/relationships" xmlns:p="http://schemas.openxmlformats.org/presentationml/2006/main">
   <p:cSld>
     <p:spTree>
@@ -8380,7 +9584,7 @@
 </p:sld>
 </file>
 
-<file path=ppt/slides/slide7.xml><?xml version="1.0" encoding="utf-8"?>
+<file path=ppt/slides/slide9.xml><?xml version="1.0" encoding="utf-8"?>
 <p:sld xmlns:a="http://schemas.openxmlformats.org/drawingml/2006/main" xmlns:r="http://schemas.openxmlformats.org/officeDocument/2006/relationships" xmlns:p="http://schemas.openxmlformats.org/presentationml/2006/main">
   <p:cSld>
     <p:spTree>
@@ -8525,326 +9729,6 @@
     <p:extLst>
       <p:ext uri="{BB962C8B-B14F-4D97-AF65-F5344CB8AC3E}">
         <p14:creationId xmlns:p14="http://schemas.microsoft.com/office/powerpoint/2010/main" val="1532521925"/>
-      </p:ext>
-    </p:extLst>
-  </p:cSld>
-  <p:clrMapOvr>
-    <a:masterClrMapping/>
-  </p:clrMapOvr>
-</p:sld>
-</file>
-
-<file path=ppt/slides/slide8.xml><?xml version="1.0" encoding="utf-8"?>
-<p:sld xmlns:a="http://schemas.openxmlformats.org/drawingml/2006/main" xmlns:r="http://schemas.openxmlformats.org/officeDocument/2006/relationships" xmlns:p="http://schemas.openxmlformats.org/presentationml/2006/main">
-  <p:cSld>
-    <p:spTree>
-      <p:nvGrpSpPr>
-        <p:cNvPr id="1" name="">
-          <a:extLst>
-            <a:ext uri="{FF2B5EF4-FFF2-40B4-BE49-F238E27FC236}">
-              <a16:creationId xmlns:a16="http://schemas.microsoft.com/office/drawing/2014/main" id="{51652DF1-F268-B606-12F8-E9335268E023}"/>
-            </a:ext>
-          </a:extLst>
-        </p:cNvPr>
-        <p:cNvGrpSpPr/>
-        <p:nvPr/>
-      </p:nvGrpSpPr>
-      <p:grpSpPr>
-        <a:xfrm>
-          <a:off x="0" y="0"/>
-          <a:ext cx="0" cy="0"/>
-          <a:chOff x="0" y="0"/>
-          <a:chExt cx="0" cy="0"/>
-        </a:xfrm>
-      </p:grpSpPr>
-      <p:sp>
-        <p:nvSpPr>
-          <p:cNvPr id="2" name="Rectángulo 1">
-            <a:extLst>
-              <a:ext uri="{FF2B5EF4-FFF2-40B4-BE49-F238E27FC236}">
-                <a16:creationId xmlns:a16="http://schemas.microsoft.com/office/drawing/2014/main" id="{89137E62-EEC4-B88A-B54E-58888EA4CF8A}"/>
-              </a:ext>
-            </a:extLst>
-          </p:cNvPr>
-          <p:cNvSpPr/>
-          <p:nvPr/>
-        </p:nvSpPr>
-        <p:spPr>
-          <a:xfrm>
-            <a:off x="1283208" y="1027394"/>
-            <a:ext cx="8604504" cy="1600200"/>
-          </a:xfrm>
-          <a:prstGeom prst="rect">
-            <a:avLst/>
-          </a:prstGeom>
-          <a:gradFill>
-            <a:gsLst>
-              <a:gs pos="0">
-                <a:srgbClr val="FF0000"/>
-              </a:gs>
-              <a:gs pos="50000">
-                <a:srgbClr val="00FFDF"/>
-              </a:gs>
-            </a:gsLst>
-            <a:lin ang="0" scaled="0"/>
-          </a:gradFill>
-          <a:ln w="88900">
-            <a:solidFill>
-              <a:schemeClr val="tx1"/>
-            </a:solidFill>
-          </a:ln>
-        </p:spPr>
-        <p:style>
-          <a:lnRef idx="2">
-            <a:schemeClr val="accent1">
-              <a:shade val="15000"/>
-            </a:schemeClr>
-          </a:lnRef>
-          <a:fillRef idx="1">
-            <a:schemeClr val="accent1"/>
-          </a:fillRef>
-          <a:effectRef idx="0">
-            <a:schemeClr val="accent1"/>
-          </a:effectRef>
-          <a:fontRef idx="minor">
-            <a:schemeClr val="lt1"/>
-          </a:fontRef>
-        </p:style>
-        <p:txBody>
-          <a:bodyPr rtlCol="0" anchor="ctr"/>
-          <a:lstStyle/>
-          <a:p>
-            <a:pPr algn="ctr"/>
-            <a:endParaRPr lang="es-CR"/>
-          </a:p>
-        </p:txBody>
-      </p:sp>
-      <p:sp>
-        <p:nvSpPr>
-          <p:cNvPr id="3" name="Rectángulo 2">
-            <a:extLst>
-              <a:ext uri="{FF2B5EF4-FFF2-40B4-BE49-F238E27FC236}">
-                <a16:creationId xmlns:a16="http://schemas.microsoft.com/office/drawing/2014/main" id="{272E7DE4-D816-4F20-F5FE-A30F872F584A}"/>
-              </a:ext>
-            </a:extLst>
-          </p:cNvPr>
-          <p:cNvSpPr/>
-          <p:nvPr/>
-        </p:nvSpPr>
-        <p:spPr>
-          <a:xfrm>
-            <a:off x="1283208" y="3429000"/>
-            <a:ext cx="8604504" cy="1600200"/>
-          </a:xfrm>
-          <a:prstGeom prst="rect">
-            <a:avLst/>
-          </a:prstGeom>
-          <a:gradFill>
-            <a:gsLst>
-              <a:gs pos="0">
-                <a:srgbClr val="FF0000"/>
-              </a:gs>
-              <a:gs pos="50000">
-                <a:srgbClr val="76FF00"/>
-              </a:gs>
-            </a:gsLst>
-            <a:lin ang="0" scaled="0"/>
-          </a:gradFill>
-          <a:ln w="88900">
-            <a:solidFill>
-              <a:schemeClr val="tx1"/>
-            </a:solidFill>
-          </a:ln>
-        </p:spPr>
-        <p:style>
-          <a:lnRef idx="2">
-            <a:schemeClr val="accent1">
-              <a:shade val="15000"/>
-            </a:schemeClr>
-          </a:lnRef>
-          <a:fillRef idx="1">
-            <a:schemeClr val="accent1"/>
-          </a:fillRef>
-          <a:effectRef idx="0">
-            <a:schemeClr val="accent1"/>
-          </a:effectRef>
-          <a:fontRef idx="minor">
-            <a:schemeClr val="lt1"/>
-          </a:fontRef>
-        </p:style>
-        <p:txBody>
-          <a:bodyPr rtlCol="0" anchor="ctr"/>
-          <a:lstStyle/>
-          <a:p>
-            <a:pPr algn="ctr"/>
-            <a:endParaRPr lang="es-CR"/>
-          </a:p>
-        </p:txBody>
-      </p:sp>
-    </p:spTree>
-    <p:extLst>
-      <p:ext uri="{BB962C8B-B14F-4D97-AF65-F5344CB8AC3E}">
-        <p14:creationId xmlns:p14="http://schemas.microsoft.com/office/powerpoint/2010/main" val="383456091"/>
-      </p:ext>
-    </p:extLst>
-  </p:cSld>
-  <p:clrMapOvr>
-    <a:masterClrMapping/>
-  </p:clrMapOvr>
-</p:sld>
-</file>
-
-<file path=ppt/slides/slide9.xml><?xml version="1.0" encoding="utf-8"?>
-<p:sld xmlns:a="http://schemas.openxmlformats.org/drawingml/2006/main" xmlns:r="http://schemas.openxmlformats.org/officeDocument/2006/relationships" xmlns:p="http://schemas.openxmlformats.org/presentationml/2006/main">
-  <p:cSld>
-    <p:spTree>
-      <p:nvGrpSpPr>
-        <p:cNvPr id="1" name="">
-          <a:extLst>
-            <a:ext uri="{FF2B5EF4-FFF2-40B4-BE49-F238E27FC236}">
-              <a16:creationId xmlns:a16="http://schemas.microsoft.com/office/drawing/2014/main" id="{6838BFD1-A7E0-861D-7347-70631E7B17BC}"/>
-            </a:ext>
-          </a:extLst>
-        </p:cNvPr>
-        <p:cNvGrpSpPr/>
-        <p:nvPr/>
-      </p:nvGrpSpPr>
-      <p:grpSpPr>
-        <a:xfrm>
-          <a:off x="0" y="0"/>
-          <a:ext cx="0" cy="0"/>
-          <a:chOff x="0" y="0"/>
-          <a:chExt cx="0" cy="0"/>
-        </a:xfrm>
-      </p:grpSpPr>
-      <p:sp>
-        <p:nvSpPr>
-          <p:cNvPr id="2" name="Rectángulo 1">
-            <a:extLst>
-              <a:ext uri="{FF2B5EF4-FFF2-40B4-BE49-F238E27FC236}">
-                <a16:creationId xmlns:a16="http://schemas.microsoft.com/office/drawing/2014/main" id="{6F05AF94-4BB2-9A09-BE2F-B5B71EA1EA9E}"/>
-              </a:ext>
-            </a:extLst>
-          </p:cNvPr>
-          <p:cNvSpPr/>
-          <p:nvPr/>
-        </p:nvSpPr>
-        <p:spPr>
-          <a:xfrm>
-            <a:off x="1283208" y="1027394"/>
-            <a:ext cx="8604504" cy="1600200"/>
-          </a:xfrm>
-          <a:prstGeom prst="rect">
-            <a:avLst/>
-          </a:prstGeom>
-          <a:gradFill>
-            <a:gsLst>
-              <a:gs pos="0">
-                <a:srgbClr val="FF0000"/>
-              </a:gs>
-              <a:gs pos="25000">
-                <a:srgbClr val="00FFDF"/>
-              </a:gs>
-            </a:gsLst>
-            <a:lin ang="0" scaled="0"/>
-          </a:gradFill>
-          <a:ln w="88900">
-            <a:solidFill>
-              <a:schemeClr val="tx1"/>
-            </a:solidFill>
-          </a:ln>
-        </p:spPr>
-        <p:style>
-          <a:lnRef idx="2">
-            <a:schemeClr val="accent1">
-              <a:shade val="15000"/>
-            </a:schemeClr>
-          </a:lnRef>
-          <a:fillRef idx="1">
-            <a:schemeClr val="accent1"/>
-          </a:fillRef>
-          <a:effectRef idx="0">
-            <a:schemeClr val="accent1"/>
-          </a:effectRef>
-          <a:fontRef idx="minor">
-            <a:schemeClr val="lt1"/>
-          </a:fontRef>
-        </p:style>
-        <p:txBody>
-          <a:bodyPr rtlCol="0" anchor="ctr"/>
-          <a:lstStyle/>
-          <a:p>
-            <a:pPr algn="ctr"/>
-            <a:endParaRPr lang="es-CR"/>
-          </a:p>
-        </p:txBody>
-      </p:sp>
-      <p:sp>
-        <p:nvSpPr>
-          <p:cNvPr id="3" name="Rectángulo 2">
-            <a:extLst>
-              <a:ext uri="{FF2B5EF4-FFF2-40B4-BE49-F238E27FC236}">
-                <a16:creationId xmlns:a16="http://schemas.microsoft.com/office/drawing/2014/main" id="{CB5C3B00-ED90-0D83-F0C5-07406791724C}"/>
-              </a:ext>
-            </a:extLst>
-          </p:cNvPr>
-          <p:cNvSpPr/>
-          <p:nvPr/>
-        </p:nvSpPr>
-        <p:spPr>
-          <a:xfrm>
-            <a:off x="1283208" y="3429000"/>
-            <a:ext cx="8604504" cy="1600200"/>
-          </a:xfrm>
-          <a:prstGeom prst="rect">
-            <a:avLst/>
-          </a:prstGeom>
-          <a:gradFill>
-            <a:gsLst>
-              <a:gs pos="0">
-                <a:srgbClr val="FF0000"/>
-              </a:gs>
-              <a:gs pos="25000">
-                <a:srgbClr val="76FF00"/>
-              </a:gs>
-            </a:gsLst>
-            <a:lin ang="0" scaled="0"/>
-          </a:gradFill>
-          <a:ln w="88900">
-            <a:solidFill>
-              <a:schemeClr val="tx1"/>
-            </a:solidFill>
-          </a:ln>
-        </p:spPr>
-        <p:style>
-          <a:lnRef idx="2">
-            <a:schemeClr val="accent1">
-              <a:shade val="15000"/>
-            </a:schemeClr>
-          </a:lnRef>
-          <a:fillRef idx="1">
-            <a:schemeClr val="accent1"/>
-          </a:fillRef>
-          <a:effectRef idx="0">
-            <a:schemeClr val="accent1"/>
-          </a:effectRef>
-          <a:fontRef idx="minor">
-            <a:schemeClr val="lt1"/>
-          </a:fontRef>
-        </p:style>
-        <p:txBody>
-          <a:bodyPr rtlCol="0" anchor="ctr"/>
-          <a:lstStyle/>
-          <a:p>
-            <a:pPr algn="ctr"/>
-            <a:endParaRPr lang="es-CR"/>
-          </a:p>
-        </p:txBody>
-      </p:sp>
-    </p:spTree>
-    <p:extLst>
-      <p:ext uri="{BB962C8B-B14F-4D97-AF65-F5344CB8AC3E}">
-        <p14:creationId xmlns:p14="http://schemas.microsoft.com/office/powerpoint/2010/main" val="444509655"/>
       </p:ext>
     </p:extLst>
   </p:cSld>
